--- a/Project 3 WebAPI and NLP .pptx
+++ b/Project 3 WebAPI and NLP .pptx
@@ -5,7 +5,7 @@
     <p:sldMasterId id="2147483648" r:id="rId1"/>
   </p:sldMasterIdLst>
   <p:notesMasterIdLst>
-    <p:notesMasterId r:id="rId15"/>
+    <p:notesMasterId r:id="rId16"/>
   </p:notesMasterIdLst>
   <p:sldIdLst>
     <p:sldId id="2387" r:id="rId2"/>
@@ -16,11 +16,12 @@
     <p:sldId id="2470" r:id="rId7"/>
     <p:sldId id="2471" r:id="rId8"/>
     <p:sldId id="2472" r:id="rId9"/>
-    <p:sldId id="2473" r:id="rId10"/>
-    <p:sldId id="2474" r:id="rId11"/>
-    <p:sldId id="2475" r:id="rId12"/>
-    <p:sldId id="2477" r:id="rId13"/>
-    <p:sldId id="2431" r:id="rId14"/>
+    <p:sldId id="2479" r:id="rId10"/>
+    <p:sldId id="2473" r:id="rId11"/>
+    <p:sldId id="2474" r:id="rId12"/>
+    <p:sldId id="2475" r:id="rId13"/>
+    <p:sldId id="2477" r:id="rId14"/>
+    <p:sldId id="2431" r:id="rId15"/>
   </p:sldIdLst>
   <p:sldSz cx="24377650" cy="13716000"/>
   <p:notesSz cx="6858000" cy="9144000"/>
@@ -151,6 +152,3045 @@
 </p:presentation>
 </file>
 
+<file path=ppt/commentAuthors.xml><?xml version="1.0" encoding="utf-8"?>
+<p:cmAuthorLst xmlns:a="http://schemas.openxmlformats.org/drawingml/2006/main" xmlns:r="http://schemas.openxmlformats.org/officeDocument/2006/relationships" xmlns:p="http://schemas.openxmlformats.org/presentationml/2006/main">
+  <p:cmAuthor id="1" name="9653" initials="9" lastIdx="1" clrIdx="0">
+    <p:extLst>
+      <p:ext uri="{19B8F6BF-5375-455C-9EA6-DF929625EA0E}">
+        <p15:presenceInfo xmlns:p15="http://schemas.microsoft.com/office/powerpoint/2012/main" userId="9653" providerId="None"/>
+      </p:ext>
+    </p:extLst>
+  </p:cmAuthor>
+</p:cmAuthorLst>
+</file>
+
+<file path=ppt/diagrams/colors1.xml><?xml version="1.0" encoding="utf-8"?>
+<dgm:colorsDef xmlns:dgm="http://schemas.openxmlformats.org/drawingml/2006/diagram" xmlns:a="http://schemas.openxmlformats.org/drawingml/2006/main" uniqueId="urn:microsoft.com/office/officeart/2005/8/colors/accent1_2">
+  <dgm:title val=""/>
+  <dgm:desc val=""/>
+  <dgm:catLst>
+    <dgm:cat type="accent1" pri="11200"/>
+  </dgm:catLst>
+  <dgm:styleLbl name="node0">
+    <dgm:fillClrLst meth="repeat">
+      <a:schemeClr val="accent1"/>
+    </dgm:fillClrLst>
+    <dgm:linClrLst meth="repeat">
+      <a:schemeClr val="lt1"/>
+    </dgm:linClrLst>
+    <dgm:effectClrLst/>
+    <dgm:txLinClrLst/>
+    <dgm:txFillClrLst/>
+    <dgm:txEffectClrLst/>
+  </dgm:styleLbl>
+  <dgm:styleLbl name="alignNode1">
+    <dgm:fillClrLst meth="repeat">
+      <a:schemeClr val="accent1"/>
+    </dgm:fillClrLst>
+    <dgm:linClrLst meth="repeat">
+      <a:schemeClr val="accent1"/>
+    </dgm:linClrLst>
+    <dgm:effectClrLst/>
+    <dgm:txLinClrLst/>
+    <dgm:txFillClrLst/>
+    <dgm:txEffectClrLst/>
+  </dgm:styleLbl>
+  <dgm:styleLbl name="node1">
+    <dgm:fillClrLst meth="repeat">
+      <a:schemeClr val="accent1"/>
+    </dgm:fillClrLst>
+    <dgm:linClrLst meth="repeat">
+      <a:schemeClr val="lt1"/>
+    </dgm:linClrLst>
+    <dgm:effectClrLst/>
+    <dgm:txLinClrLst/>
+    <dgm:txFillClrLst/>
+    <dgm:txEffectClrLst/>
+  </dgm:styleLbl>
+  <dgm:styleLbl name="lnNode1">
+    <dgm:fillClrLst meth="repeat">
+      <a:schemeClr val="accent1"/>
+    </dgm:fillClrLst>
+    <dgm:linClrLst meth="repeat">
+      <a:schemeClr val="lt1"/>
+    </dgm:linClrLst>
+    <dgm:effectClrLst/>
+    <dgm:txLinClrLst/>
+    <dgm:txFillClrLst/>
+    <dgm:txEffectClrLst/>
+  </dgm:styleLbl>
+  <dgm:styleLbl name="vennNode1">
+    <dgm:fillClrLst meth="repeat">
+      <a:schemeClr val="accent1">
+        <a:alpha val="50000"/>
+      </a:schemeClr>
+    </dgm:fillClrLst>
+    <dgm:linClrLst meth="repeat">
+      <a:schemeClr val="lt1"/>
+    </dgm:linClrLst>
+    <dgm:effectClrLst/>
+    <dgm:txLinClrLst/>
+    <dgm:txFillClrLst/>
+    <dgm:txEffectClrLst/>
+  </dgm:styleLbl>
+  <dgm:styleLbl name="node2">
+    <dgm:fillClrLst meth="repeat">
+      <a:schemeClr val="accent1"/>
+    </dgm:fillClrLst>
+    <dgm:linClrLst meth="repeat">
+      <a:schemeClr val="lt1"/>
+    </dgm:linClrLst>
+    <dgm:effectClrLst/>
+    <dgm:txLinClrLst/>
+    <dgm:txFillClrLst/>
+    <dgm:txEffectClrLst/>
+  </dgm:styleLbl>
+  <dgm:styleLbl name="node3">
+    <dgm:fillClrLst meth="repeat">
+      <a:schemeClr val="accent1"/>
+    </dgm:fillClrLst>
+    <dgm:linClrLst meth="repeat">
+      <a:schemeClr val="lt1"/>
+    </dgm:linClrLst>
+    <dgm:effectClrLst/>
+    <dgm:txLinClrLst/>
+    <dgm:txFillClrLst/>
+    <dgm:txEffectClrLst/>
+  </dgm:styleLbl>
+  <dgm:styleLbl name="node4">
+    <dgm:fillClrLst meth="repeat">
+      <a:schemeClr val="accent1"/>
+    </dgm:fillClrLst>
+    <dgm:linClrLst meth="repeat">
+      <a:schemeClr val="lt1"/>
+    </dgm:linClrLst>
+    <dgm:effectClrLst/>
+    <dgm:txLinClrLst/>
+    <dgm:txFillClrLst/>
+    <dgm:txEffectClrLst/>
+  </dgm:styleLbl>
+  <dgm:styleLbl name="fgImgPlace1">
+    <dgm:fillClrLst meth="repeat">
+      <a:schemeClr val="accent1">
+        <a:tint val="50000"/>
+      </a:schemeClr>
+    </dgm:fillClrLst>
+    <dgm:linClrLst meth="repeat">
+      <a:schemeClr val="lt1"/>
+    </dgm:linClrLst>
+    <dgm:effectClrLst/>
+    <dgm:txLinClrLst/>
+    <dgm:txFillClrLst meth="repeat">
+      <a:schemeClr val="lt1"/>
+    </dgm:txFillClrLst>
+    <dgm:txEffectClrLst/>
+  </dgm:styleLbl>
+  <dgm:styleLbl name="alignImgPlace1">
+    <dgm:fillClrLst meth="repeat">
+      <a:schemeClr val="accent1">
+        <a:tint val="50000"/>
+      </a:schemeClr>
+    </dgm:fillClrLst>
+    <dgm:linClrLst meth="repeat">
+      <a:schemeClr val="lt1"/>
+    </dgm:linClrLst>
+    <dgm:effectClrLst/>
+    <dgm:txLinClrLst/>
+    <dgm:txFillClrLst meth="repeat">
+      <a:schemeClr val="lt1"/>
+    </dgm:txFillClrLst>
+    <dgm:txEffectClrLst/>
+  </dgm:styleLbl>
+  <dgm:styleLbl name="bgImgPlace1">
+    <dgm:fillClrLst meth="repeat">
+      <a:schemeClr val="accent1">
+        <a:tint val="50000"/>
+      </a:schemeClr>
+    </dgm:fillClrLst>
+    <dgm:linClrLst meth="repeat">
+      <a:schemeClr val="lt1"/>
+    </dgm:linClrLst>
+    <dgm:effectClrLst/>
+    <dgm:txLinClrLst/>
+    <dgm:txFillClrLst meth="repeat">
+      <a:schemeClr val="lt1"/>
+    </dgm:txFillClrLst>
+    <dgm:txEffectClrLst/>
+  </dgm:styleLbl>
+  <dgm:styleLbl name="sibTrans2D1">
+    <dgm:fillClrLst meth="repeat">
+      <a:schemeClr val="accent1">
+        <a:tint val="60000"/>
+      </a:schemeClr>
+    </dgm:fillClrLst>
+    <dgm:linClrLst meth="repeat">
+      <a:schemeClr val="accent1">
+        <a:tint val="60000"/>
+      </a:schemeClr>
+    </dgm:linClrLst>
+    <dgm:effectClrLst/>
+    <dgm:txLinClrLst/>
+    <dgm:txFillClrLst/>
+    <dgm:txEffectClrLst/>
+  </dgm:styleLbl>
+  <dgm:styleLbl name="fgSibTrans2D1">
+    <dgm:fillClrLst meth="repeat">
+      <a:schemeClr val="accent1">
+        <a:tint val="60000"/>
+      </a:schemeClr>
+    </dgm:fillClrLst>
+    <dgm:linClrLst meth="repeat">
+      <a:schemeClr val="accent1">
+        <a:tint val="60000"/>
+      </a:schemeClr>
+    </dgm:linClrLst>
+    <dgm:effectClrLst/>
+    <dgm:txLinClrLst/>
+    <dgm:txFillClrLst/>
+    <dgm:txEffectClrLst/>
+  </dgm:styleLbl>
+  <dgm:styleLbl name="bgSibTrans2D1">
+    <dgm:fillClrLst meth="repeat">
+      <a:schemeClr val="accent1">
+        <a:tint val="60000"/>
+      </a:schemeClr>
+    </dgm:fillClrLst>
+    <dgm:linClrLst meth="repeat">
+      <a:schemeClr val="accent1">
+        <a:tint val="60000"/>
+      </a:schemeClr>
+    </dgm:linClrLst>
+    <dgm:effectClrLst/>
+    <dgm:txLinClrLst/>
+    <dgm:txFillClrLst/>
+    <dgm:txEffectClrLst/>
+  </dgm:styleLbl>
+  <dgm:styleLbl name="sibTrans1D1">
+    <dgm:fillClrLst meth="repeat">
+      <a:schemeClr val="accent1"/>
+    </dgm:fillClrLst>
+    <dgm:linClrLst meth="repeat">
+      <a:schemeClr val="accent1"/>
+    </dgm:linClrLst>
+    <dgm:effectClrLst/>
+    <dgm:txLinClrLst/>
+    <dgm:txFillClrLst meth="repeat">
+      <a:schemeClr val="tx1"/>
+    </dgm:txFillClrLst>
+    <dgm:txEffectClrLst/>
+  </dgm:styleLbl>
+  <dgm:styleLbl name="callout">
+    <dgm:fillClrLst meth="repeat">
+      <a:schemeClr val="accent1"/>
+    </dgm:fillClrLst>
+    <dgm:linClrLst meth="repeat">
+      <a:schemeClr val="accent1">
+        <a:tint val="50000"/>
+      </a:schemeClr>
+    </dgm:linClrLst>
+    <dgm:effectClrLst/>
+    <dgm:txLinClrLst/>
+    <dgm:txFillClrLst meth="repeat">
+      <a:schemeClr val="tx1"/>
+    </dgm:txFillClrLst>
+    <dgm:txEffectClrLst/>
+  </dgm:styleLbl>
+  <dgm:styleLbl name="asst0">
+    <dgm:fillClrLst meth="repeat">
+      <a:schemeClr val="accent1"/>
+    </dgm:fillClrLst>
+    <dgm:linClrLst meth="repeat">
+      <a:schemeClr val="lt1"/>
+    </dgm:linClrLst>
+    <dgm:effectClrLst/>
+    <dgm:txLinClrLst/>
+    <dgm:txFillClrLst/>
+    <dgm:txEffectClrLst/>
+  </dgm:styleLbl>
+  <dgm:styleLbl name="asst1">
+    <dgm:fillClrLst meth="repeat">
+      <a:schemeClr val="accent1"/>
+    </dgm:fillClrLst>
+    <dgm:linClrLst meth="repeat">
+      <a:schemeClr val="lt1"/>
+    </dgm:linClrLst>
+    <dgm:effectClrLst/>
+    <dgm:txLinClrLst/>
+    <dgm:txFillClrLst/>
+    <dgm:txEffectClrLst/>
+  </dgm:styleLbl>
+  <dgm:styleLbl name="asst2">
+    <dgm:fillClrLst meth="repeat">
+      <a:schemeClr val="accent1"/>
+    </dgm:fillClrLst>
+    <dgm:linClrLst meth="repeat">
+      <a:schemeClr val="lt1"/>
+    </dgm:linClrLst>
+    <dgm:effectClrLst/>
+    <dgm:txLinClrLst/>
+    <dgm:txFillClrLst/>
+    <dgm:txEffectClrLst/>
+  </dgm:styleLbl>
+  <dgm:styleLbl name="asst3">
+    <dgm:fillClrLst meth="repeat">
+      <a:schemeClr val="accent1"/>
+    </dgm:fillClrLst>
+    <dgm:linClrLst meth="repeat">
+      <a:schemeClr val="lt1"/>
+    </dgm:linClrLst>
+    <dgm:effectClrLst/>
+    <dgm:txLinClrLst/>
+    <dgm:txFillClrLst/>
+    <dgm:txEffectClrLst/>
+  </dgm:styleLbl>
+  <dgm:styleLbl name="asst4">
+    <dgm:fillClrLst meth="repeat">
+      <a:schemeClr val="accent1"/>
+    </dgm:fillClrLst>
+    <dgm:linClrLst meth="repeat">
+      <a:schemeClr val="lt1"/>
+    </dgm:linClrLst>
+    <dgm:effectClrLst/>
+    <dgm:txLinClrLst/>
+    <dgm:txFillClrLst/>
+    <dgm:txEffectClrLst/>
+  </dgm:styleLbl>
+  <dgm:styleLbl name="parChTrans2D1">
+    <dgm:fillClrLst meth="repeat">
+      <a:schemeClr val="accent1">
+        <a:tint val="60000"/>
+      </a:schemeClr>
+    </dgm:fillClrLst>
+    <dgm:linClrLst meth="repeat">
+      <a:schemeClr val="accent1">
+        <a:tint val="60000"/>
+      </a:schemeClr>
+    </dgm:linClrLst>
+    <dgm:effectClrLst/>
+    <dgm:txLinClrLst/>
+    <dgm:txFillClrLst meth="repeat">
+      <a:schemeClr val="lt1"/>
+    </dgm:txFillClrLst>
+    <dgm:txEffectClrLst/>
+  </dgm:styleLbl>
+  <dgm:styleLbl name="parChTrans2D2">
+    <dgm:fillClrLst meth="repeat">
+      <a:schemeClr val="accent1"/>
+    </dgm:fillClrLst>
+    <dgm:linClrLst meth="repeat">
+      <a:schemeClr val="accent1"/>
+    </dgm:linClrLst>
+    <dgm:effectClrLst/>
+    <dgm:txLinClrLst/>
+    <dgm:txFillClrLst meth="repeat">
+      <a:schemeClr val="lt1"/>
+    </dgm:txFillClrLst>
+    <dgm:txEffectClrLst/>
+  </dgm:styleLbl>
+  <dgm:styleLbl name="parChTrans2D3">
+    <dgm:fillClrLst meth="repeat">
+      <a:schemeClr val="accent1"/>
+    </dgm:fillClrLst>
+    <dgm:linClrLst meth="repeat">
+      <a:schemeClr val="accent1"/>
+    </dgm:linClrLst>
+    <dgm:effectClrLst/>
+    <dgm:txLinClrLst/>
+    <dgm:txFillClrLst meth="repeat">
+      <a:schemeClr val="lt1"/>
+    </dgm:txFillClrLst>
+    <dgm:txEffectClrLst/>
+  </dgm:styleLbl>
+  <dgm:styleLbl name="parChTrans2D4">
+    <dgm:fillClrLst meth="repeat">
+      <a:schemeClr val="accent1"/>
+    </dgm:fillClrLst>
+    <dgm:linClrLst meth="repeat">
+      <a:schemeClr val="accent1"/>
+    </dgm:linClrLst>
+    <dgm:effectClrLst/>
+    <dgm:txLinClrLst/>
+    <dgm:txFillClrLst meth="repeat">
+      <a:schemeClr val="lt1"/>
+    </dgm:txFillClrLst>
+    <dgm:txEffectClrLst/>
+  </dgm:styleLbl>
+  <dgm:styleLbl name="parChTrans1D1">
+    <dgm:fillClrLst meth="repeat">
+      <a:schemeClr val="accent1"/>
+    </dgm:fillClrLst>
+    <dgm:linClrLst meth="repeat">
+      <a:schemeClr val="accent1">
+        <a:shade val="60000"/>
+      </a:schemeClr>
+    </dgm:linClrLst>
+    <dgm:effectClrLst/>
+    <dgm:txLinClrLst/>
+    <dgm:txFillClrLst meth="repeat">
+      <a:schemeClr val="tx1"/>
+    </dgm:txFillClrLst>
+    <dgm:txEffectClrLst/>
+  </dgm:styleLbl>
+  <dgm:styleLbl name="parChTrans1D2">
+    <dgm:fillClrLst meth="repeat">
+      <a:schemeClr val="accent1"/>
+    </dgm:fillClrLst>
+    <dgm:linClrLst meth="repeat">
+      <a:schemeClr val="accent1">
+        <a:shade val="60000"/>
+      </a:schemeClr>
+    </dgm:linClrLst>
+    <dgm:effectClrLst/>
+    <dgm:txLinClrLst/>
+    <dgm:txFillClrLst meth="repeat">
+      <a:schemeClr val="tx1"/>
+    </dgm:txFillClrLst>
+    <dgm:txEffectClrLst/>
+  </dgm:styleLbl>
+  <dgm:styleLbl name="parChTrans1D3">
+    <dgm:fillClrLst meth="repeat">
+      <a:schemeClr val="accent1"/>
+    </dgm:fillClrLst>
+    <dgm:linClrLst meth="repeat">
+      <a:schemeClr val="accent1">
+        <a:shade val="80000"/>
+      </a:schemeClr>
+    </dgm:linClrLst>
+    <dgm:effectClrLst/>
+    <dgm:txLinClrLst/>
+    <dgm:txFillClrLst meth="repeat">
+      <a:schemeClr val="tx1"/>
+    </dgm:txFillClrLst>
+    <dgm:txEffectClrLst/>
+  </dgm:styleLbl>
+  <dgm:styleLbl name="parChTrans1D4">
+    <dgm:fillClrLst meth="repeat">
+      <a:schemeClr val="accent1"/>
+    </dgm:fillClrLst>
+    <dgm:linClrLst meth="repeat">
+      <a:schemeClr val="accent1">
+        <a:shade val="80000"/>
+      </a:schemeClr>
+    </dgm:linClrLst>
+    <dgm:effectClrLst/>
+    <dgm:txLinClrLst/>
+    <dgm:txFillClrLst meth="repeat">
+      <a:schemeClr val="tx1"/>
+    </dgm:txFillClrLst>
+    <dgm:txEffectClrLst/>
+  </dgm:styleLbl>
+  <dgm:styleLbl name="fgAcc1">
+    <dgm:fillClrLst meth="repeat">
+      <a:schemeClr val="lt1">
+        <a:alpha val="90000"/>
+      </a:schemeClr>
+    </dgm:fillClrLst>
+    <dgm:linClrLst meth="repeat">
+      <a:schemeClr val="accent1"/>
+    </dgm:linClrLst>
+    <dgm:effectClrLst/>
+    <dgm:txLinClrLst/>
+    <dgm:txFillClrLst meth="repeat">
+      <a:schemeClr val="dk1"/>
+    </dgm:txFillClrLst>
+    <dgm:txEffectClrLst/>
+  </dgm:styleLbl>
+  <dgm:styleLbl name="conFgAcc1">
+    <dgm:fillClrLst meth="repeat">
+      <a:schemeClr val="lt1">
+        <a:alpha val="90000"/>
+      </a:schemeClr>
+    </dgm:fillClrLst>
+    <dgm:linClrLst meth="repeat">
+      <a:schemeClr val="accent1"/>
+    </dgm:linClrLst>
+    <dgm:effectClrLst/>
+    <dgm:txLinClrLst/>
+    <dgm:txFillClrLst meth="repeat">
+      <a:schemeClr val="dk1"/>
+    </dgm:txFillClrLst>
+    <dgm:txEffectClrLst/>
+  </dgm:styleLbl>
+  <dgm:styleLbl name="alignAcc1">
+    <dgm:fillClrLst meth="repeat">
+      <a:schemeClr val="lt1">
+        <a:alpha val="90000"/>
+      </a:schemeClr>
+    </dgm:fillClrLst>
+    <dgm:linClrLst meth="repeat">
+      <a:schemeClr val="accent1"/>
+    </dgm:linClrLst>
+    <dgm:effectClrLst/>
+    <dgm:txLinClrLst/>
+    <dgm:txFillClrLst meth="repeat">
+      <a:schemeClr val="dk1"/>
+    </dgm:txFillClrLst>
+    <dgm:txEffectClrLst/>
+  </dgm:styleLbl>
+  <dgm:styleLbl name="trAlignAcc1">
+    <dgm:fillClrLst meth="repeat">
+      <a:schemeClr val="lt1">
+        <a:alpha val="40000"/>
+      </a:schemeClr>
+    </dgm:fillClrLst>
+    <dgm:linClrLst meth="repeat">
+      <a:schemeClr val="accent1"/>
+    </dgm:linClrLst>
+    <dgm:effectClrLst/>
+    <dgm:txLinClrLst/>
+    <dgm:txFillClrLst meth="repeat">
+      <a:schemeClr val="dk1"/>
+    </dgm:txFillClrLst>
+    <dgm:txEffectClrLst/>
+  </dgm:styleLbl>
+  <dgm:styleLbl name="bgAcc1">
+    <dgm:fillClrLst meth="repeat">
+      <a:schemeClr val="lt1">
+        <a:alpha val="90000"/>
+      </a:schemeClr>
+    </dgm:fillClrLst>
+    <dgm:linClrLst meth="repeat">
+      <a:schemeClr val="accent1"/>
+    </dgm:linClrLst>
+    <dgm:effectClrLst/>
+    <dgm:txLinClrLst/>
+    <dgm:txFillClrLst meth="repeat">
+      <a:schemeClr val="dk1"/>
+    </dgm:txFillClrLst>
+    <dgm:txEffectClrLst/>
+  </dgm:styleLbl>
+  <dgm:styleLbl name="solidFgAcc1">
+    <dgm:fillClrLst meth="repeat">
+      <a:schemeClr val="lt1"/>
+    </dgm:fillClrLst>
+    <dgm:linClrLst meth="repeat">
+      <a:schemeClr val="accent1"/>
+    </dgm:linClrLst>
+    <dgm:effectClrLst/>
+    <dgm:txLinClrLst/>
+    <dgm:txFillClrLst meth="repeat">
+      <a:schemeClr val="dk1"/>
+    </dgm:txFillClrLst>
+    <dgm:txEffectClrLst/>
+  </dgm:styleLbl>
+  <dgm:styleLbl name="solidAlignAcc1">
+    <dgm:fillClrLst meth="repeat">
+      <a:schemeClr val="lt1"/>
+    </dgm:fillClrLst>
+    <dgm:linClrLst meth="repeat">
+      <a:schemeClr val="accent1"/>
+    </dgm:linClrLst>
+    <dgm:effectClrLst/>
+    <dgm:txLinClrLst/>
+    <dgm:txFillClrLst meth="repeat">
+      <a:schemeClr val="dk1"/>
+    </dgm:txFillClrLst>
+    <dgm:txEffectClrLst/>
+  </dgm:styleLbl>
+  <dgm:styleLbl name="solidBgAcc1">
+    <dgm:fillClrLst meth="repeat">
+      <a:schemeClr val="lt1"/>
+    </dgm:fillClrLst>
+    <dgm:linClrLst meth="repeat">
+      <a:schemeClr val="accent1"/>
+    </dgm:linClrLst>
+    <dgm:effectClrLst/>
+    <dgm:txLinClrLst/>
+    <dgm:txFillClrLst meth="repeat">
+      <a:schemeClr val="dk1"/>
+    </dgm:txFillClrLst>
+    <dgm:txEffectClrLst/>
+  </dgm:styleLbl>
+  <dgm:styleLbl name="fgAccFollowNode1">
+    <dgm:fillClrLst meth="repeat">
+      <a:schemeClr val="accent1">
+        <a:alpha val="90000"/>
+        <a:tint val="40000"/>
+      </a:schemeClr>
+    </dgm:fillClrLst>
+    <dgm:linClrLst meth="repeat">
+      <a:schemeClr val="accent1">
+        <a:alpha val="90000"/>
+        <a:tint val="40000"/>
+      </a:schemeClr>
+    </dgm:linClrLst>
+    <dgm:effectClrLst/>
+    <dgm:txLinClrLst/>
+    <dgm:txFillClrLst meth="repeat">
+      <a:schemeClr val="dk1"/>
+    </dgm:txFillClrLst>
+    <dgm:txEffectClrLst/>
+  </dgm:styleLbl>
+  <dgm:styleLbl name="alignAccFollowNode1">
+    <dgm:fillClrLst meth="repeat">
+      <a:schemeClr val="accent1">
+        <a:alpha val="90000"/>
+        <a:tint val="40000"/>
+      </a:schemeClr>
+    </dgm:fillClrLst>
+    <dgm:linClrLst meth="repeat">
+      <a:schemeClr val="accent1">
+        <a:alpha val="90000"/>
+        <a:tint val="40000"/>
+      </a:schemeClr>
+    </dgm:linClrLst>
+    <dgm:effectClrLst/>
+    <dgm:txLinClrLst/>
+    <dgm:txFillClrLst meth="repeat">
+      <a:schemeClr val="dk1"/>
+    </dgm:txFillClrLst>
+    <dgm:txEffectClrLst/>
+  </dgm:styleLbl>
+  <dgm:styleLbl name="bgAccFollowNode1">
+    <dgm:fillClrLst meth="repeat">
+      <a:schemeClr val="accent1">
+        <a:alpha val="90000"/>
+        <a:tint val="40000"/>
+      </a:schemeClr>
+    </dgm:fillClrLst>
+    <dgm:linClrLst meth="repeat">
+      <a:schemeClr val="accent1">
+        <a:alpha val="90000"/>
+        <a:tint val="40000"/>
+      </a:schemeClr>
+    </dgm:linClrLst>
+    <dgm:effectClrLst/>
+    <dgm:txLinClrLst/>
+    <dgm:txFillClrLst meth="repeat">
+      <a:schemeClr val="dk1"/>
+    </dgm:txFillClrLst>
+    <dgm:txEffectClrLst/>
+  </dgm:styleLbl>
+  <dgm:styleLbl name="fgAcc0">
+    <dgm:fillClrLst meth="repeat">
+      <a:schemeClr val="lt1">
+        <a:alpha val="90000"/>
+      </a:schemeClr>
+    </dgm:fillClrLst>
+    <dgm:linClrLst meth="repeat">
+      <a:schemeClr val="accent1"/>
+    </dgm:linClrLst>
+    <dgm:effectClrLst/>
+    <dgm:txLinClrLst/>
+    <dgm:txFillClrLst meth="repeat">
+      <a:schemeClr val="dk1"/>
+    </dgm:txFillClrLst>
+    <dgm:txEffectClrLst/>
+  </dgm:styleLbl>
+  <dgm:styleLbl name="fgAcc2">
+    <dgm:fillClrLst meth="repeat">
+      <a:schemeClr val="lt1">
+        <a:alpha val="90000"/>
+      </a:schemeClr>
+    </dgm:fillClrLst>
+    <dgm:linClrLst meth="repeat">
+      <a:schemeClr val="accent1"/>
+    </dgm:linClrLst>
+    <dgm:effectClrLst/>
+    <dgm:txLinClrLst/>
+    <dgm:txFillClrLst meth="repeat">
+      <a:schemeClr val="dk1"/>
+    </dgm:txFillClrLst>
+    <dgm:txEffectClrLst/>
+  </dgm:styleLbl>
+  <dgm:styleLbl name="fgAcc3">
+    <dgm:fillClrLst meth="repeat">
+      <a:schemeClr val="lt1">
+        <a:alpha val="90000"/>
+      </a:schemeClr>
+    </dgm:fillClrLst>
+    <dgm:linClrLst meth="repeat">
+      <a:schemeClr val="accent1"/>
+    </dgm:linClrLst>
+    <dgm:effectClrLst/>
+    <dgm:txLinClrLst/>
+    <dgm:txFillClrLst meth="repeat">
+      <a:schemeClr val="dk1"/>
+    </dgm:txFillClrLst>
+    <dgm:txEffectClrLst/>
+  </dgm:styleLbl>
+  <dgm:styleLbl name="fgAcc4">
+    <dgm:fillClrLst meth="repeat">
+      <a:schemeClr val="lt1">
+        <a:alpha val="90000"/>
+      </a:schemeClr>
+    </dgm:fillClrLst>
+    <dgm:linClrLst meth="repeat">
+      <a:schemeClr val="accent1"/>
+    </dgm:linClrLst>
+    <dgm:effectClrLst/>
+    <dgm:txLinClrLst/>
+    <dgm:txFillClrLst meth="repeat">
+      <a:schemeClr val="dk1"/>
+    </dgm:txFillClrLst>
+    <dgm:txEffectClrLst/>
+  </dgm:styleLbl>
+  <dgm:styleLbl name="bgShp">
+    <dgm:fillClrLst meth="repeat">
+      <a:schemeClr val="accent1">
+        <a:tint val="40000"/>
+      </a:schemeClr>
+    </dgm:fillClrLst>
+    <dgm:linClrLst meth="repeat">
+      <a:schemeClr val="accent1"/>
+    </dgm:linClrLst>
+    <dgm:effectClrLst/>
+    <dgm:txLinClrLst/>
+    <dgm:txFillClrLst meth="repeat">
+      <a:schemeClr val="dk1"/>
+    </dgm:txFillClrLst>
+    <dgm:txEffectClrLst/>
+  </dgm:styleLbl>
+  <dgm:styleLbl name="dkBgShp">
+    <dgm:fillClrLst meth="repeat">
+      <a:schemeClr val="accent1">
+        <a:shade val="80000"/>
+      </a:schemeClr>
+    </dgm:fillClrLst>
+    <dgm:linClrLst meth="repeat">
+      <a:schemeClr val="accent1"/>
+    </dgm:linClrLst>
+    <dgm:effectClrLst/>
+    <dgm:txLinClrLst/>
+    <dgm:txFillClrLst meth="repeat">
+      <a:schemeClr val="lt1"/>
+    </dgm:txFillClrLst>
+    <dgm:txEffectClrLst/>
+  </dgm:styleLbl>
+  <dgm:styleLbl name="trBgShp">
+    <dgm:fillClrLst meth="repeat">
+      <a:schemeClr val="accent1">
+        <a:tint val="50000"/>
+        <a:alpha val="40000"/>
+      </a:schemeClr>
+    </dgm:fillClrLst>
+    <dgm:linClrLst meth="repeat">
+      <a:schemeClr val="accent1"/>
+    </dgm:linClrLst>
+    <dgm:effectClrLst/>
+    <dgm:txLinClrLst/>
+    <dgm:txFillClrLst meth="repeat">
+      <a:schemeClr val="lt1"/>
+    </dgm:txFillClrLst>
+    <dgm:txEffectClrLst/>
+  </dgm:styleLbl>
+  <dgm:styleLbl name="fgShp">
+    <dgm:fillClrLst meth="repeat">
+      <a:schemeClr val="accent1">
+        <a:tint val="60000"/>
+      </a:schemeClr>
+    </dgm:fillClrLst>
+    <dgm:linClrLst meth="repeat">
+      <a:schemeClr val="lt1"/>
+    </dgm:linClrLst>
+    <dgm:effectClrLst/>
+    <dgm:txLinClrLst/>
+    <dgm:txFillClrLst meth="repeat">
+      <a:schemeClr val="dk1"/>
+    </dgm:txFillClrLst>
+    <dgm:txEffectClrLst/>
+  </dgm:styleLbl>
+  <dgm:styleLbl name="revTx">
+    <dgm:fillClrLst meth="repeat">
+      <a:schemeClr val="lt1">
+        <a:alpha val="0"/>
+      </a:schemeClr>
+    </dgm:fillClrLst>
+    <dgm:linClrLst meth="repeat">
+      <a:schemeClr val="dk1">
+        <a:alpha val="0"/>
+      </a:schemeClr>
+    </dgm:linClrLst>
+    <dgm:effectClrLst/>
+    <dgm:txLinClrLst/>
+    <dgm:txFillClrLst meth="repeat">
+      <a:schemeClr val="tx1"/>
+    </dgm:txFillClrLst>
+    <dgm:txEffectClrLst/>
+  </dgm:styleLbl>
+</dgm:colorsDef>
+</file>
+
+<file path=ppt/diagrams/data1.xml><?xml version="1.0" encoding="utf-8"?>
+<dgm:dataModel xmlns:dgm="http://schemas.openxmlformats.org/drawingml/2006/diagram" xmlns:a="http://schemas.openxmlformats.org/drawingml/2006/main">
+  <dgm:ptLst>
+    <dgm:pt modelId="{848DB069-E5EA-4160-BCDA-1E1195A4DDCE}" type="doc">
+      <dgm:prSet loTypeId="urn:microsoft.com/office/officeart/2005/8/layout/process1" loCatId="process" qsTypeId="urn:microsoft.com/office/officeart/2005/8/quickstyle/simple1" qsCatId="simple" csTypeId="urn:microsoft.com/office/officeart/2005/8/colors/accent1_2" csCatId="accent1" phldr="1"/>
+      <dgm:spPr/>
+    </dgm:pt>
+    <dgm:pt modelId="{F1CA118B-642C-4C66-8013-9D465D5075B8}">
+      <dgm:prSet phldrT="[Text]"/>
+      <dgm:spPr>
+        <a:solidFill>
+          <a:srgbClr val="0070C0"/>
+        </a:solidFill>
+      </dgm:spPr>
+      <dgm:t>
+        <a:bodyPr/>
+        <a:lstStyle/>
+        <a:p>
+          <a:r>
+            <a:rPr lang="en-US" dirty="0"/>
+            <a:t>Model Training</a:t>
+          </a:r>
+          <a:endParaRPr lang="en-SG" dirty="0"/>
+        </a:p>
+      </dgm:t>
+    </dgm:pt>
+    <dgm:pt modelId="{81564F0E-B339-4CB2-AFE2-864EDDE4F45D}" type="parTrans" cxnId="{CBAE7FF9-A5BF-40B1-B5B4-B2A67FB76B5D}">
+      <dgm:prSet/>
+      <dgm:spPr/>
+      <dgm:t>
+        <a:bodyPr/>
+        <a:lstStyle/>
+        <a:p>
+          <a:endParaRPr lang="en-SG"/>
+        </a:p>
+      </dgm:t>
+    </dgm:pt>
+    <dgm:pt modelId="{8FE5EF8F-7C82-4F61-AEC8-3864BDB4E46F}" type="sibTrans" cxnId="{CBAE7FF9-A5BF-40B1-B5B4-B2A67FB76B5D}">
+      <dgm:prSet/>
+      <dgm:spPr>
+        <a:solidFill>
+          <a:srgbClr val="FFFF00"/>
+        </a:solidFill>
+        <a:ln>
+          <a:solidFill>
+            <a:schemeClr val="tx2"/>
+          </a:solidFill>
+        </a:ln>
+      </dgm:spPr>
+      <dgm:t>
+        <a:bodyPr/>
+        <a:lstStyle/>
+        <a:p>
+          <a:endParaRPr lang="en-SG"/>
+        </a:p>
+      </dgm:t>
+    </dgm:pt>
+    <dgm:pt modelId="{D5377447-39F5-4C86-82D2-C426E1DBAE4E}">
+      <dgm:prSet phldrT="[Text]"/>
+      <dgm:spPr>
+        <a:solidFill>
+          <a:srgbClr val="0070C0"/>
+        </a:solidFill>
+      </dgm:spPr>
+      <dgm:t>
+        <a:bodyPr/>
+        <a:lstStyle/>
+        <a:p>
+          <a:r>
+            <a:rPr lang="en-US" dirty="0"/>
+            <a:t>5-fold</a:t>
+          </a:r>
+        </a:p>
+        <a:p>
+          <a:r>
+            <a:rPr lang="en-US" dirty="0"/>
+            <a:t>Cross Validation</a:t>
+          </a:r>
+        </a:p>
+        <a:p>
+          <a:r>
+            <a:rPr lang="en-US" dirty="0"/>
+            <a:t>(Grid Search)</a:t>
+          </a:r>
+          <a:endParaRPr lang="en-SG" dirty="0"/>
+        </a:p>
+      </dgm:t>
+    </dgm:pt>
+    <dgm:pt modelId="{6E9B357A-A9CD-400A-B536-B393145A5E09}" type="parTrans" cxnId="{783A384F-015F-42FC-B3DB-EF7648482EA5}">
+      <dgm:prSet/>
+      <dgm:spPr/>
+      <dgm:t>
+        <a:bodyPr/>
+        <a:lstStyle/>
+        <a:p>
+          <a:endParaRPr lang="en-SG"/>
+        </a:p>
+      </dgm:t>
+    </dgm:pt>
+    <dgm:pt modelId="{293A539D-20CB-49D9-B7CB-6281C02A7BCE}" type="sibTrans" cxnId="{783A384F-015F-42FC-B3DB-EF7648482EA5}">
+      <dgm:prSet/>
+      <dgm:spPr>
+        <a:solidFill>
+          <a:srgbClr val="FFFF00"/>
+        </a:solidFill>
+        <a:ln>
+          <a:solidFill>
+            <a:schemeClr val="tx2"/>
+          </a:solidFill>
+        </a:ln>
+      </dgm:spPr>
+      <dgm:t>
+        <a:bodyPr/>
+        <a:lstStyle/>
+        <a:p>
+          <a:endParaRPr lang="en-SG"/>
+        </a:p>
+      </dgm:t>
+    </dgm:pt>
+    <dgm:pt modelId="{62CF1E99-E63C-4D4F-8B35-DC04F248786A}">
+      <dgm:prSet phldrT="[Text]"/>
+      <dgm:spPr>
+        <a:solidFill>
+          <a:srgbClr val="0070C0"/>
+        </a:solidFill>
+      </dgm:spPr>
+      <dgm:t>
+        <a:bodyPr/>
+        <a:lstStyle/>
+        <a:p>
+          <a:r>
+            <a:rPr lang="en-US" dirty="0"/>
+            <a:t>Model Selection</a:t>
+          </a:r>
+        </a:p>
+        <a:p>
+          <a:r>
+            <a:rPr lang="en-US" dirty="0"/>
+            <a:t>(best validation score)</a:t>
+          </a:r>
+        </a:p>
+      </dgm:t>
+    </dgm:pt>
+    <dgm:pt modelId="{747C9E9C-BFE9-4B69-A85D-9E2EEE7EF990}" type="parTrans" cxnId="{C1304F50-47B3-4FDF-AD6E-FAF10DAE511D}">
+      <dgm:prSet/>
+      <dgm:spPr/>
+      <dgm:t>
+        <a:bodyPr/>
+        <a:lstStyle/>
+        <a:p>
+          <a:endParaRPr lang="en-SG"/>
+        </a:p>
+      </dgm:t>
+    </dgm:pt>
+    <dgm:pt modelId="{9F737563-2462-473A-A7B2-0F568B0DF198}" type="sibTrans" cxnId="{C1304F50-47B3-4FDF-AD6E-FAF10DAE511D}">
+      <dgm:prSet/>
+      <dgm:spPr>
+        <a:solidFill>
+          <a:srgbClr val="FFFF00"/>
+        </a:solidFill>
+        <a:ln>
+          <a:solidFill>
+            <a:schemeClr val="tx2"/>
+          </a:solidFill>
+        </a:ln>
+      </dgm:spPr>
+      <dgm:t>
+        <a:bodyPr/>
+        <a:lstStyle/>
+        <a:p>
+          <a:endParaRPr lang="en-SG"/>
+        </a:p>
+      </dgm:t>
+    </dgm:pt>
+    <dgm:pt modelId="{88D17DEA-C0A5-472F-951A-75D5E9481F7F}">
+      <dgm:prSet/>
+      <dgm:spPr>
+        <a:solidFill>
+          <a:srgbClr val="0070C0"/>
+        </a:solidFill>
+      </dgm:spPr>
+      <dgm:t>
+        <a:bodyPr/>
+        <a:lstStyle/>
+        <a:p>
+          <a:r>
+            <a:rPr lang="en-US" dirty="0"/>
+            <a:t>Final Model Performance on Test set </a:t>
+          </a:r>
+          <a:endParaRPr lang="en-SG" dirty="0"/>
+        </a:p>
+      </dgm:t>
+    </dgm:pt>
+    <dgm:pt modelId="{D1E9F14C-1ED4-4393-A61B-860E78A52EB9}" type="parTrans" cxnId="{1F6188CA-6072-486B-99BB-1CA151E02C62}">
+      <dgm:prSet/>
+      <dgm:spPr/>
+      <dgm:t>
+        <a:bodyPr/>
+        <a:lstStyle/>
+        <a:p>
+          <a:endParaRPr lang="en-SG"/>
+        </a:p>
+      </dgm:t>
+    </dgm:pt>
+    <dgm:pt modelId="{84F13872-33A0-48EB-B01E-A7CA8A71A373}" type="sibTrans" cxnId="{1F6188CA-6072-486B-99BB-1CA151E02C62}">
+      <dgm:prSet/>
+      <dgm:spPr/>
+      <dgm:t>
+        <a:bodyPr/>
+        <a:lstStyle/>
+        <a:p>
+          <a:endParaRPr lang="en-SG"/>
+        </a:p>
+      </dgm:t>
+    </dgm:pt>
+    <dgm:pt modelId="{9D477736-14DE-443D-9881-941927CE7831}">
+      <dgm:prSet/>
+      <dgm:spPr>
+        <a:solidFill>
+          <a:srgbClr val="0070C0"/>
+        </a:solidFill>
+      </dgm:spPr>
+      <dgm:t>
+        <a:bodyPr/>
+        <a:lstStyle/>
+        <a:p>
+          <a:r>
+            <a:rPr lang="en-US" dirty="0"/>
+            <a:t>Feature Engineering</a:t>
+          </a:r>
+          <a:endParaRPr lang="en-SG" dirty="0"/>
+        </a:p>
+      </dgm:t>
+    </dgm:pt>
+    <dgm:pt modelId="{F422B8D1-16E7-4163-B35D-887C69B5F750}" type="parTrans" cxnId="{8B468806-5C11-4521-B2A6-D3C040F89FA4}">
+      <dgm:prSet/>
+      <dgm:spPr/>
+      <dgm:t>
+        <a:bodyPr/>
+        <a:lstStyle/>
+        <a:p>
+          <a:endParaRPr lang="en-SG"/>
+        </a:p>
+      </dgm:t>
+    </dgm:pt>
+    <dgm:pt modelId="{7376D949-DB98-4BA1-BA7E-20D1C613E6EF}" type="sibTrans" cxnId="{8B468806-5C11-4521-B2A6-D3C040F89FA4}">
+      <dgm:prSet/>
+      <dgm:spPr>
+        <a:solidFill>
+          <a:srgbClr val="FFFF00"/>
+        </a:solidFill>
+        <a:ln>
+          <a:solidFill>
+            <a:schemeClr val="tx2"/>
+          </a:solidFill>
+        </a:ln>
+      </dgm:spPr>
+      <dgm:t>
+        <a:bodyPr/>
+        <a:lstStyle/>
+        <a:p>
+          <a:endParaRPr lang="en-SG"/>
+        </a:p>
+      </dgm:t>
+    </dgm:pt>
+    <dgm:pt modelId="{969F3AFF-4C7E-4DC5-B96A-B47A80F55ACB}" type="pres">
+      <dgm:prSet presAssocID="{848DB069-E5EA-4160-BCDA-1E1195A4DDCE}" presName="Name0" presStyleCnt="0">
+        <dgm:presLayoutVars>
+          <dgm:dir/>
+          <dgm:resizeHandles val="exact"/>
+        </dgm:presLayoutVars>
+      </dgm:prSet>
+      <dgm:spPr/>
+    </dgm:pt>
+    <dgm:pt modelId="{03905CC9-9693-407C-A55F-EE8271C16A1A}" type="pres">
+      <dgm:prSet presAssocID="{9D477736-14DE-443D-9881-941927CE7831}" presName="node" presStyleLbl="node1" presStyleIdx="0" presStyleCnt="5">
+        <dgm:presLayoutVars>
+          <dgm:bulletEnabled val="1"/>
+        </dgm:presLayoutVars>
+      </dgm:prSet>
+      <dgm:spPr/>
+    </dgm:pt>
+    <dgm:pt modelId="{31F6C1A1-64DD-4A14-9106-C1E65637FCA2}" type="pres">
+      <dgm:prSet presAssocID="{7376D949-DB98-4BA1-BA7E-20D1C613E6EF}" presName="sibTrans" presStyleLbl="sibTrans2D1" presStyleIdx="0" presStyleCnt="4"/>
+      <dgm:spPr/>
+    </dgm:pt>
+    <dgm:pt modelId="{7E805879-E22C-4F70-B2FB-21AE5C0F4951}" type="pres">
+      <dgm:prSet presAssocID="{7376D949-DB98-4BA1-BA7E-20D1C613E6EF}" presName="connectorText" presStyleLbl="sibTrans2D1" presStyleIdx="0" presStyleCnt="4"/>
+      <dgm:spPr/>
+    </dgm:pt>
+    <dgm:pt modelId="{CE638D7B-DB20-435F-B17A-E5E9BEEB26B1}" type="pres">
+      <dgm:prSet presAssocID="{F1CA118B-642C-4C66-8013-9D465D5075B8}" presName="node" presStyleLbl="node1" presStyleIdx="1" presStyleCnt="5">
+        <dgm:presLayoutVars>
+          <dgm:bulletEnabled val="1"/>
+        </dgm:presLayoutVars>
+      </dgm:prSet>
+      <dgm:spPr/>
+    </dgm:pt>
+    <dgm:pt modelId="{C5D0018F-F86E-4D0B-A410-7EC650BC4C12}" type="pres">
+      <dgm:prSet presAssocID="{8FE5EF8F-7C82-4F61-AEC8-3864BDB4E46F}" presName="sibTrans" presStyleLbl="sibTrans2D1" presStyleIdx="1" presStyleCnt="4"/>
+      <dgm:spPr/>
+    </dgm:pt>
+    <dgm:pt modelId="{3C1C0F94-9E1C-40E7-A293-6124953E07D1}" type="pres">
+      <dgm:prSet presAssocID="{8FE5EF8F-7C82-4F61-AEC8-3864BDB4E46F}" presName="connectorText" presStyleLbl="sibTrans2D1" presStyleIdx="1" presStyleCnt="4"/>
+      <dgm:spPr/>
+    </dgm:pt>
+    <dgm:pt modelId="{3A31B045-79EA-4D4E-B9E5-308A797EAD9A}" type="pres">
+      <dgm:prSet presAssocID="{D5377447-39F5-4C86-82D2-C426E1DBAE4E}" presName="node" presStyleLbl="node1" presStyleIdx="2" presStyleCnt="5">
+        <dgm:presLayoutVars>
+          <dgm:bulletEnabled val="1"/>
+        </dgm:presLayoutVars>
+      </dgm:prSet>
+      <dgm:spPr/>
+    </dgm:pt>
+    <dgm:pt modelId="{D5FA2021-B766-4667-95C6-A19DE9FCA1D8}" type="pres">
+      <dgm:prSet presAssocID="{293A539D-20CB-49D9-B7CB-6281C02A7BCE}" presName="sibTrans" presStyleLbl="sibTrans2D1" presStyleIdx="2" presStyleCnt="4"/>
+      <dgm:spPr/>
+    </dgm:pt>
+    <dgm:pt modelId="{0D594D44-F3DF-4F50-87A7-CEB5CF1CDE15}" type="pres">
+      <dgm:prSet presAssocID="{293A539D-20CB-49D9-B7CB-6281C02A7BCE}" presName="connectorText" presStyleLbl="sibTrans2D1" presStyleIdx="2" presStyleCnt="4"/>
+      <dgm:spPr/>
+    </dgm:pt>
+    <dgm:pt modelId="{4E55DCF9-15D0-4E69-81F7-EC057605295A}" type="pres">
+      <dgm:prSet presAssocID="{62CF1E99-E63C-4D4F-8B35-DC04F248786A}" presName="node" presStyleLbl="node1" presStyleIdx="3" presStyleCnt="5">
+        <dgm:presLayoutVars>
+          <dgm:bulletEnabled val="1"/>
+        </dgm:presLayoutVars>
+      </dgm:prSet>
+      <dgm:spPr/>
+    </dgm:pt>
+    <dgm:pt modelId="{CBB98070-8B95-4475-82AA-F13C7DC89E9B}" type="pres">
+      <dgm:prSet presAssocID="{9F737563-2462-473A-A7B2-0F568B0DF198}" presName="sibTrans" presStyleLbl="sibTrans2D1" presStyleIdx="3" presStyleCnt="4"/>
+      <dgm:spPr/>
+    </dgm:pt>
+    <dgm:pt modelId="{8DE3D561-F991-48F4-AA05-09B469A2EE36}" type="pres">
+      <dgm:prSet presAssocID="{9F737563-2462-473A-A7B2-0F568B0DF198}" presName="connectorText" presStyleLbl="sibTrans2D1" presStyleIdx="3" presStyleCnt="4"/>
+      <dgm:spPr/>
+    </dgm:pt>
+    <dgm:pt modelId="{146293F8-903F-46D0-AE3B-3AA83409351C}" type="pres">
+      <dgm:prSet presAssocID="{88D17DEA-C0A5-472F-951A-75D5E9481F7F}" presName="node" presStyleLbl="node1" presStyleIdx="4" presStyleCnt="5">
+        <dgm:presLayoutVars>
+          <dgm:bulletEnabled val="1"/>
+        </dgm:presLayoutVars>
+      </dgm:prSet>
+      <dgm:spPr/>
+    </dgm:pt>
+  </dgm:ptLst>
+  <dgm:cxnLst>
+    <dgm:cxn modelId="{8F778800-2DFB-43D6-9C4A-BB2473DFA46F}" type="presOf" srcId="{848DB069-E5EA-4160-BCDA-1E1195A4DDCE}" destId="{969F3AFF-4C7E-4DC5-B96A-B47A80F55ACB}" srcOrd="0" destOrd="0" presId="urn:microsoft.com/office/officeart/2005/8/layout/process1"/>
+    <dgm:cxn modelId="{3952C105-AB05-493B-8EEB-A8252D992494}" type="presOf" srcId="{293A539D-20CB-49D9-B7CB-6281C02A7BCE}" destId="{0D594D44-F3DF-4F50-87A7-CEB5CF1CDE15}" srcOrd="1" destOrd="0" presId="urn:microsoft.com/office/officeart/2005/8/layout/process1"/>
+    <dgm:cxn modelId="{8B468806-5C11-4521-B2A6-D3C040F89FA4}" srcId="{848DB069-E5EA-4160-BCDA-1E1195A4DDCE}" destId="{9D477736-14DE-443D-9881-941927CE7831}" srcOrd="0" destOrd="0" parTransId="{F422B8D1-16E7-4163-B35D-887C69B5F750}" sibTransId="{7376D949-DB98-4BA1-BA7E-20D1C613E6EF}"/>
+    <dgm:cxn modelId="{E9FEAF14-52D5-4278-AD24-45C1F1A7D06A}" type="presOf" srcId="{88D17DEA-C0A5-472F-951A-75D5E9481F7F}" destId="{146293F8-903F-46D0-AE3B-3AA83409351C}" srcOrd="0" destOrd="0" presId="urn:microsoft.com/office/officeart/2005/8/layout/process1"/>
+    <dgm:cxn modelId="{71A5552B-EE76-46E5-804E-0361ECB2573E}" type="presOf" srcId="{9F737563-2462-473A-A7B2-0F568B0DF198}" destId="{8DE3D561-F991-48F4-AA05-09B469A2EE36}" srcOrd="1" destOrd="0" presId="urn:microsoft.com/office/officeart/2005/8/layout/process1"/>
+    <dgm:cxn modelId="{A5CC0430-72DA-46BC-B7F5-9B02E12B9556}" type="presOf" srcId="{62CF1E99-E63C-4D4F-8B35-DC04F248786A}" destId="{4E55DCF9-15D0-4E69-81F7-EC057605295A}" srcOrd="0" destOrd="0" presId="urn:microsoft.com/office/officeart/2005/8/layout/process1"/>
+    <dgm:cxn modelId="{A01CD93C-999A-4E11-967A-8CCA7161AAE5}" type="presOf" srcId="{7376D949-DB98-4BA1-BA7E-20D1C613E6EF}" destId="{7E805879-E22C-4F70-B2FB-21AE5C0F4951}" srcOrd="1" destOrd="0" presId="urn:microsoft.com/office/officeart/2005/8/layout/process1"/>
+    <dgm:cxn modelId="{17C32961-92EF-4761-86FB-37C6B571730E}" type="presOf" srcId="{293A539D-20CB-49D9-B7CB-6281C02A7BCE}" destId="{D5FA2021-B766-4667-95C6-A19DE9FCA1D8}" srcOrd="0" destOrd="0" presId="urn:microsoft.com/office/officeart/2005/8/layout/process1"/>
+    <dgm:cxn modelId="{61B5484C-EF27-4C1B-93A0-8F7EE493759F}" type="presOf" srcId="{9D477736-14DE-443D-9881-941927CE7831}" destId="{03905CC9-9693-407C-A55F-EE8271C16A1A}" srcOrd="0" destOrd="0" presId="urn:microsoft.com/office/officeart/2005/8/layout/process1"/>
+    <dgm:cxn modelId="{783A384F-015F-42FC-B3DB-EF7648482EA5}" srcId="{848DB069-E5EA-4160-BCDA-1E1195A4DDCE}" destId="{D5377447-39F5-4C86-82D2-C426E1DBAE4E}" srcOrd="2" destOrd="0" parTransId="{6E9B357A-A9CD-400A-B536-B393145A5E09}" sibTransId="{293A539D-20CB-49D9-B7CB-6281C02A7BCE}"/>
+    <dgm:cxn modelId="{C1304F50-47B3-4FDF-AD6E-FAF10DAE511D}" srcId="{848DB069-E5EA-4160-BCDA-1E1195A4DDCE}" destId="{62CF1E99-E63C-4D4F-8B35-DC04F248786A}" srcOrd="3" destOrd="0" parTransId="{747C9E9C-BFE9-4B69-A85D-9E2EEE7EF990}" sibTransId="{9F737563-2462-473A-A7B2-0F568B0DF198}"/>
+    <dgm:cxn modelId="{E0917098-584C-4E04-92A5-1098851EDCEC}" type="presOf" srcId="{8FE5EF8F-7C82-4F61-AEC8-3864BDB4E46F}" destId="{C5D0018F-F86E-4D0B-A410-7EC650BC4C12}" srcOrd="0" destOrd="0" presId="urn:microsoft.com/office/officeart/2005/8/layout/process1"/>
+    <dgm:cxn modelId="{AA1BF1A5-8F34-4E77-A33A-BE5FB4A0AE8B}" type="presOf" srcId="{7376D949-DB98-4BA1-BA7E-20D1C613E6EF}" destId="{31F6C1A1-64DD-4A14-9106-C1E65637FCA2}" srcOrd="0" destOrd="0" presId="urn:microsoft.com/office/officeart/2005/8/layout/process1"/>
+    <dgm:cxn modelId="{6C9986A9-11C3-49D6-A573-1F042CA02BB1}" type="presOf" srcId="{F1CA118B-642C-4C66-8013-9D465D5075B8}" destId="{CE638D7B-DB20-435F-B17A-E5E9BEEB26B1}" srcOrd="0" destOrd="0" presId="urn:microsoft.com/office/officeart/2005/8/layout/process1"/>
+    <dgm:cxn modelId="{1F6188CA-6072-486B-99BB-1CA151E02C62}" srcId="{848DB069-E5EA-4160-BCDA-1E1195A4DDCE}" destId="{88D17DEA-C0A5-472F-951A-75D5E9481F7F}" srcOrd="4" destOrd="0" parTransId="{D1E9F14C-1ED4-4393-A61B-860E78A52EB9}" sibTransId="{84F13872-33A0-48EB-B01E-A7CA8A71A373}"/>
+    <dgm:cxn modelId="{9E983ED9-B306-4110-AB4A-04DBC6A574BF}" type="presOf" srcId="{D5377447-39F5-4C86-82D2-C426E1DBAE4E}" destId="{3A31B045-79EA-4D4E-B9E5-308A797EAD9A}" srcOrd="0" destOrd="0" presId="urn:microsoft.com/office/officeart/2005/8/layout/process1"/>
+    <dgm:cxn modelId="{B52EC2E5-6C3C-489A-A96D-DA007B0B6D38}" type="presOf" srcId="{9F737563-2462-473A-A7B2-0F568B0DF198}" destId="{CBB98070-8B95-4475-82AA-F13C7DC89E9B}" srcOrd="0" destOrd="0" presId="urn:microsoft.com/office/officeart/2005/8/layout/process1"/>
+    <dgm:cxn modelId="{822C6EEB-701C-4B65-AFBF-2509C89B4D33}" type="presOf" srcId="{8FE5EF8F-7C82-4F61-AEC8-3864BDB4E46F}" destId="{3C1C0F94-9E1C-40E7-A293-6124953E07D1}" srcOrd="1" destOrd="0" presId="urn:microsoft.com/office/officeart/2005/8/layout/process1"/>
+    <dgm:cxn modelId="{CBAE7FF9-A5BF-40B1-B5B4-B2A67FB76B5D}" srcId="{848DB069-E5EA-4160-BCDA-1E1195A4DDCE}" destId="{F1CA118B-642C-4C66-8013-9D465D5075B8}" srcOrd="1" destOrd="0" parTransId="{81564F0E-B339-4CB2-AFE2-864EDDE4F45D}" sibTransId="{8FE5EF8F-7C82-4F61-AEC8-3864BDB4E46F}"/>
+    <dgm:cxn modelId="{642BBE98-6872-4425-BE3B-582091D982E4}" type="presParOf" srcId="{969F3AFF-4C7E-4DC5-B96A-B47A80F55ACB}" destId="{03905CC9-9693-407C-A55F-EE8271C16A1A}" srcOrd="0" destOrd="0" presId="urn:microsoft.com/office/officeart/2005/8/layout/process1"/>
+    <dgm:cxn modelId="{02AF5324-CE15-4185-A281-401376792F49}" type="presParOf" srcId="{969F3AFF-4C7E-4DC5-B96A-B47A80F55ACB}" destId="{31F6C1A1-64DD-4A14-9106-C1E65637FCA2}" srcOrd="1" destOrd="0" presId="urn:microsoft.com/office/officeart/2005/8/layout/process1"/>
+    <dgm:cxn modelId="{9326A3DC-C77A-45D7-AACA-D784A883EDC4}" type="presParOf" srcId="{31F6C1A1-64DD-4A14-9106-C1E65637FCA2}" destId="{7E805879-E22C-4F70-B2FB-21AE5C0F4951}" srcOrd="0" destOrd="0" presId="urn:microsoft.com/office/officeart/2005/8/layout/process1"/>
+    <dgm:cxn modelId="{DC27CEBF-BE12-45C4-9AD5-4DA365AC4811}" type="presParOf" srcId="{969F3AFF-4C7E-4DC5-B96A-B47A80F55ACB}" destId="{CE638D7B-DB20-435F-B17A-E5E9BEEB26B1}" srcOrd="2" destOrd="0" presId="urn:microsoft.com/office/officeart/2005/8/layout/process1"/>
+    <dgm:cxn modelId="{1D607A86-2DDB-468A-A7A6-A55EF2636E9A}" type="presParOf" srcId="{969F3AFF-4C7E-4DC5-B96A-B47A80F55ACB}" destId="{C5D0018F-F86E-4D0B-A410-7EC650BC4C12}" srcOrd="3" destOrd="0" presId="urn:microsoft.com/office/officeart/2005/8/layout/process1"/>
+    <dgm:cxn modelId="{FEF6B65A-8C25-49AF-8499-5778F3F5D239}" type="presParOf" srcId="{C5D0018F-F86E-4D0B-A410-7EC650BC4C12}" destId="{3C1C0F94-9E1C-40E7-A293-6124953E07D1}" srcOrd="0" destOrd="0" presId="urn:microsoft.com/office/officeart/2005/8/layout/process1"/>
+    <dgm:cxn modelId="{D2BB4990-0015-48DF-B3FC-EEEDC397492E}" type="presParOf" srcId="{969F3AFF-4C7E-4DC5-B96A-B47A80F55ACB}" destId="{3A31B045-79EA-4D4E-B9E5-308A797EAD9A}" srcOrd="4" destOrd="0" presId="urn:microsoft.com/office/officeart/2005/8/layout/process1"/>
+    <dgm:cxn modelId="{099D3D53-5D84-4F9C-A655-A71C41194C49}" type="presParOf" srcId="{969F3AFF-4C7E-4DC5-B96A-B47A80F55ACB}" destId="{D5FA2021-B766-4667-95C6-A19DE9FCA1D8}" srcOrd="5" destOrd="0" presId="urn:microsoft.com/office/officeart/2005/8/layout/process1"/>
+    <dgm:cxn modelId="{3580B408-002C-4E66-9542-76A093128478}" type="presParOf" srcId="{D5FA2021-B766-4667-95C6-A19DE9FCA1D8}" destId="{0D594D44-F3DF-4F50-87A7-CEB5CF1CDE15}" srcOrd="0" destOrd="0" presId="urn:microsoft.com/office/officeart/2005/8/layout/process1"/>
+    <dgm:cxn modelId="{7DF4B86E-6298-4A0E-ABB5-3F15CC7FBFB5}" type="presParOf" srcId="{969F3AFF-4C7E-4DC5-B96A-B47A80F55ACB}" destId="{4E55DCF9-15D0-4E69-81F7-EC057605295A}" srcOrd="6" destOrd="0" presId="urn:microsoft.com/office/officeart/2005/8/layout/process1"/>
+    <dgm:cxn modelId="{6141F370-2FF9-45ED-8F00-842669E21BDF}" type="presParOf" srcId="{969F3AFF-4C7E-4DC5-B96A-B47A80F55ACB}" destId="{CBB98070-8B95-4475-82AA-F13C7DC89E9B}" srcOrd="7" destOrd="0" presId="urn:microsoft.com/office/officeart/2005/8/layout/process1"/>
+    <dgm:cxn modelId="{AF77CC06-9FA8-477F-A209-F99890F9C069}" type="presParOf" srcId="{CBB98070-8B95-4475-82AA-F13C7DC89E9B}" destId="{8DE3D561-F991-48F4-AA05-09B469A2EE36}" srcOrd="0" destOrd="0" presId="urn:microsoft.com/office/officeart/2005/8/layout/process1"/>
+    <dgm:cxn modelId="{40D381A0-2DA9-4FBD-948F-7C5F51A1F062}" type="presParOf" srcId="{969F3AFF-4C7E-4DC5-B96A-B47A80F55ACB}" destId="{146293F8-903F-46D0-AE3B-3AA83409351C}" srcOrd="8" destOrd="0" presId="urn:microsoft.com/office/officeart/2005/8/layout/process1"/>
+  </dgm:cxnLst>
+  <dgm:bg/>
+  <dgm:whole/>
+  <dgm:extLst>
+    <a:ext uri="http://schemas.microsoft.com/office/drawing/2008/diagram">
+      <dsp:dataModelExt xmlns:dsp="http://schemas.microsoft.com/office/drawing/2008/diagram" relId="rId7" minVer="http://schemas.openxmlformats.org/drawingml/2006/diagram"/>
+    </a:ext>
+  </dgm:extLst>
+</dgm:dataModel>
+</file>
+
+<file path=ppt/diagrams/drawing1.xml><?xml version="1.0" encoding="utf-8"?>
+<dsp:drawing xmlns:dgm="http://schemas.openxmlformats.org/drawingml/2006/diagram" xmlns:dsp="http://schemas.microsoft.com/office/drawing/2008/diagram" xmlns:a="http://schemas.openxmlformats.org/drawingml/2006/main">
+  <dsp:spTree>
+    <dsp:nvGrpSpPr>
+      <dsp:cNvPr id="0" name=""/>
+      <dsp:cNvGrpSpPr/>
+    </dsp:nvGrpSpPr>
+    <dsp:grpSpPr/>
+    <dsp:sp modelId="{03905CC9-9693-407C-A55F-EE8271C16A1A}">
+      <dsp:nvSpPr>
+        <dsp:cNvPr id="0" name=""/>
+        <dsp:cNvSpPr/>
+      </dsp:nvSpPr>
+      <dsp:spPr>
+        <a:xfrm>
+          <a:off x="11317" y="2393875"/>
+          <a:ext cx="3508354" cy="2105012"/>
+        </a:xfrm>
+        <a:prstGeom prst="roundRect">
+          <a:avLst>
+            <a:gd name="adj" fmla="val 10000"/>
+          </a:avLst>
+        </a:prstGeom>
+        <a:solidFill>
+          <a:srgbClr val="0070C0"/>
+        </a:solidFill>
+        <a:ln w="12700" cap="flat" cmpd="sng" algn="ctr">
+          <a:solidFill>
+            <a:schemeClr val="lt1">
+              <a:hueOff val="0"/>
+              <a:satOff val="0"/>
+              <a:lumOff val="0"/>
+              <a:alphaOff val="0"/>
+            </a:schemeClr>
+          </a:solidFill>
+          <a:prstDash val="solid"/>
+          <a:miter lim="800000"/>
+        </a:ln>
+        <a:effectLst/>
+      </dsp:spPr>
+      <dsp:style>
+        <a:lnRef idx="2">
+          <a:scrgbClr r="0" g="0" b="0"/>
+        </a:lnRef>
+        <a:fillRef idx="1">
+          <a:scrgbClr r="0" g="0" b="0"/>
+        </a:fillRef>
+        <a:effectRef idx="0">
+          <a:scrgbClr r="0" g="0" b="0"/>
+        </a:effectRef>
+        <a:fontRef idx="minor">
+          <a:schemeClr val="lt1"/>
+        </a:fontRef>
+      </dsp:style>
+      <dsp:txBody>
+        <a:bodyPr spcFirstLastPara="0" vert="horz" wrap="square" lIns="125730" tIns="125730" rIns="125730" bIns="125730" numCol="1" spcCol="1270" anchor="ctr" anchorCtr="0">
+          <a:noAutofit/>
+        </a:bodyPr>
+        <a:lstStyle/>
+        <a:p>
+          <a:pPr marL="0" lvl="0" indent="0" algn="ctr" defTabSz="1466850">
+            <a:lnSpc>
+              <a:spcPct val="90000"/>
+            </a:lnSpc>
+            <a:spcBef>
+              <a:spcPct val="0"/>
+            </a:spcBef>
+            <a:spcAft>
+              <a:spcPct val="35000"/>
+            </a:spcAft>
+            <a:buNone/>
+          </a:pPr>
+          <a:r>
+            <a:rPr lang="en-US" sz="3300" kern="1200" dirty="0"/>
+            <a:t>Feature Engineering</a:t>
+          </a:r>
+          <a:endParaRPr lang="en-SG" sz="3300" kern="1200" dirty="0"/>
+        </a:p>
+      </dsp:txBody>
+      <dsp:txXfrm>
+        <a:off x="72971" y="2455529"/>
+        <a:ext cx="3385046" cy="1981704"/>
+      </dsp:txXfrm>
+    </dsp:sp>
+    <dsp:sp modelId="{31F6C1A1-64DD-4A14-9106-C1E65637FCA2}">
+      <dsp:nvSpPr>
+        <dsp:cNvPr id="0" name=""/>
+        <dsp:cNvSpPr/>
+      </dsp:nvSpPr>
+      <dsp:spPr>
+        <a:xfrm>
+          <a:off x="3870507" y="3011345"/>
+          <a:ext cx="743771" cy="870072"/>
+        </a:xfrm>
+        <a:prstGeom prst="rightArrow">
+          <a:avLst>
+            <a:gd name="adj1" fmla="val 60000"/>
+            <a:gd name="adj2" fmla="val 50000"/>
+          </a:avLst>
+        </a:prstGeom>
+        <a:solidFill>
+          <a:srgbClr val="FFFF00"/>
+        </a:solidFill>
+        <a:ln>
+          <a:solidFill>
+            <a:schemeClr val="tx2"/>
+          </a:solidFill>
+        </a:ln>
+        <a:effectLst/>
+      </dsp:spPr>
+      <dsp:style>
+        <a:lnRef idx="0">
+          <a:scrgbClr r="0" g="0" b="0"/>
+        </a:lnRef>
+        <a:fillRef idx="1">
+          <a:scrgbClr r="0" g="0" b="0"/>
+        </a:fillRef>
+        <a:effectRef idx="0">
+          <a:scrgbClr r="0" g="0" b="0"/>
+        </a:effectRef>
+        <a:fontRef idx="minor">
+          <a:schemeClr val="lt1"/>
+        </a:fontRef>
+      </dsp:style>
+      <dsp:txBody>
+        <a:bodyPr spcFirstLastPara="0" vert="horz" wrap="square" lIns="0" tIns="0" rIns="0" bIns="0" numCol="1" spcCol="1270" anchor="ctr" anchorCtr="0">
+          <a:noAutofit/>
+        </a:bodyPr>
+        <a:lstStyle/>
+        <a:p>
+          <a:pPr marL="0" lvl="0" indent="0" algn="ctr" defTabSz="1155700">
+            <a:lnSpc>
+              <a:spcPct val="90000"/>
+            </a:lnSpc>
+            <a:spcBef>
+              <a:spcPct val="0"/>
+            </a:spcBef>
+            <a:spcAft>
+              <a:spcPct val="35000"/>
+            </a:spcAft>
+            <a:buNone/>
+          </a:pPr>
+          <a:endParaRPr lang="en-SG" sz="2600" kern="1200"/>
+        </a:p>
+      </dsp:txBody>
+      <dsp:txXfrm>
+        <a:off x="3870507" y="3185359"/>
+        <a:ext cx="520640" cy="522044"/>
+      </dsp:txXfrm>
+    </dsp:sp>
+    <dsp:sp modelId="{CE638D7B-DB20-435F-B17A-E5E9BEEB26B1}">
+      <dsp:nvSpPr>
+        <dsp:cNvPr id="0" name=""/>
+        <dsp:cNvSpPr/>
+      </dsp:nvSpPr>
+      <dsp:spPr>
+        <a:xfrm>
+          <a:off x="4923014" y="2393875"/>
+          <a:ext cx="3508354" cy="2105012"/>
+        </a:xfrm>
+        <a:prstGeom prst="roundRect">
+          <a:avLst>
+            <a:gd name="adj" fmla="val 10000"/>
+          </a:avLst>
+        </a:prstGeom>
+        <a:solidFill>
+          <a:srgbClr val="0070C0"/>
+        </a:solidFill>
+        <a:ln w="12700" cap="flat" cmpd="sng" algn="ctr">
+          <a:solidFill>
+            <a:schemeClr val="lt1">
+              <a:hueOff val="0"/>
+              <a:satOff val="0"/>
+              <a:lumOff val="0"/>
+              <a:alphaOff val="0"/>
+            </a:schemeClr>
+          </a:solidFill>
+          <a:prstDash val="solid"/>
+          <a:miter lim="800000"/>
+        </a:ln>
+        <a:effectLst/>
+      </dsp:spPr>
+      <dsp:style>
+        <a:lnRef idx="2">
+          <a:scrgbClr r="0" g="0" b="0"/>
+        </a:lnRef>
+        <a:fillRef idx="1">
+          <a:scrgbClr r="0" g="0" b="0"/>
+        </a:fillRef>
+        <a:effectRef idx="0">
+          <a:scrgbClr r="0" g="0" b="0"/>
+        </a:effectRef>
+        <a:fontRef idx="minor">
+          <a:schemeClr val="lt1"/>
+        </a:fontRef>
+      </dsp:style>
+      <dsp:txBody>
+        <a:bodyPr spcFirstLastPara="0" vert="horz" wrap="square" lIns="125730" tIns="125730" rIns="125730" bIns="125730" numCol="1" spcCol="1270" anchor="ctr" anchorCtr="0">
+          <a:noAutofit/>
+        </a:bodyPr>
+        <a:lstStyle/>
+        <a:p>
+          <a:pPr marL="0" lvl="0" indent="0" algn="ctr" defTabSz="1466850">
+            <a:lnSpc>
+              <a:spcPct val="90000"/>
+            </a:lnSpc>
+            <a:spcBef>
+              <a:spcPct val="0"/>
+            </a:spcBef>
+            <a:spcAft>
+              <a:spcPct val="35000"/>
+            </a:spcAft>
+            <a:buNone/>
+          </a:pPr>
+          <a:r>
+            <a:rPr lang="en-US" sz="3300" kern="1200" dirty="0"/>
+            <a:t>Model Training</a:t>
+          </a:r>
+          <a:endParaRPr lang="en-SG" sz="3300" kern="1200" dirty="0"/>
+        </a:p>
+      </dsp:txBody>
+      <dsp:txXfrm>
+        <a:off x="4984668" y="2455529"/>
+        <a:ext cx="3385046" cy="1981704"/>
+      </dsp:txXfrm>
+    </dsp:sp>
+    <dsp:sp modelId="{C5D0018F-F86E-4D0B-A410-7EC650BC4C12}">
+      <dsp:nvSpPr>
+        <dsp:cNvPr id="0" name=""/>
+        <dsp:cNvSpPr/>
+      </dsp:nvSpPr>
+      <dsp:spPr>
+        <a:xfrm>
+          <a:off x="8782204" y="3011345"/>
+          <a:ext cx="743771" cy="870072"/>
+        </a:xfrm>
+        <a:prstGeom prst="rightArrow">
+          <a:avLst>
+            <a:gd name="adj1" fmla="val 60000"/>
+            <a:gd name="adj2" fmla="val 50000"/>
+          </a:avLst>
+        </a:prstGeom>
+        <a:solidFill>
+          <a:srgbClr val="FFFF00"/>
+        </a:solidFill>
+        <a:ln>
+          <a:solidFill>
+            <a:schemeClr val="tx2"/>
+          </a:solidFill>
+        </a:ln>
+        <a:effectLst/>
+      </dsp:spPr>
+      <dsp:style>
+        <a:lnRef idx="0">
+          <a:scrgbClr r="0" g="0" b="0"/>
+        </a:lnRef>
+        <a:fillRef idx="1">
+          <a:scrgbClr r="0" g="0" b="0"/>
+        </a:fillRef>
+        <a:effectRef idx="0">
+          <a:scrgbClr r="0" g="0" b="0"/>
+        </a:effectRef>
+        <a:fontRef idx="minor">
+          <a:schemeClr val="lt1"/>
+        </a:fontRef>
+      </dsp:style>
+      <dsp:txBody>
+        <a:bodyPr spcFirstLastPara="0" vert="horz" wrap="square" lIns="0" tIns="0" rIns="0" bIns="0" numCol="1" spcCol="1270" anchor="ctr" anchorCtr="0">
+          <a:noAutofit/>
+        </a:bodyPr>
+        <a:lstStyle/>
+        <a:p>
+          <a:pPr marL="0" lvl="0" indent="0" algn="ctr" defTabSz="1155700">
+            <a:lnSpc>
+              <a:spcPct val="90000"/>
+            </a:lnSpc>
+            <a:spcBef>
+              <a:spcPct val="0"/>
+            </a:spcBef>
+            <a:spcAft>
+              <a:spcPct val="35000"/>
+            </a:spcAft>
+            <a:buNone/>
+          </a:pPr>
+          <a:endParaRPr lang="en-SG" sz="2600" kern="1200"/>
+        </a:p>
+      </dsp:txBody>
+      <dsp:txXfrm>
+        <a:off x="8782204" y="3185359"/>
+        <a:ext cx="520640" cy="522044"/>
+      </dsp:txXfrm>
+    </dsp:sp>
+    <dsp:sp modelId="{3A31B045-79EA-4D4E-B9E5-308A797EAD9A}">
+      <dsp:nvSpPr>
+        <dsp:cNvPr id="0" name=""/>
+        <dsp:cNvSpPr/>
+      </dsp:nvSpPr>
+      <dsp:spPr>
+        <a:xfrm>
+          <a:off x="9834711" y="2393875"/>
+          <a:ext cx="3508354" cy="2105012"/>
+        </a:xfrm>
+        <a:prstGeom prst="roundRect">
+          <a:avLst>
+            <a:gd name="adj" fmla="val 10000"/>
+          </a:avLst>
+        </a:prstGeom>
+        <a:solidFill>
+          <a:srgbClr val="0070C0"/>
+        </a:solidFill>
+        <a:ln w="12700" cap="flat" cmpd="sng" algn="ctr">
+          <a:solidFill>
+            <a:schemeClr val="lt1">
+              <a:hueOff val="0"/>
+              <a:satOff val="0"/>
+              <a:lumOff val="0"/>
+              <a:alphaOff val="0"/>
+            </a:schemeClr>
+          </a:solidFill>
+          <a:prstDash val="solid"/>
+          <a:miter lim="800000"/>
+        </a:ln>
+        <a:effectLst/>
+      </dsp:spPr>
+      <dsp:style>
+        <a:lnRef idx="2">
+          <a:scrgbClr r="0" g="0" b="0"/>
+        </a:lnRef>
+        <a:fillRef idx="1">
+          <a:scrgbClr r="0" g="0" b="0"/>
+        </a:fillRef>
+        <a:effectRef idx="0">
+          <a:scrgbClr r="0" g="0" b="0"/>
+        </a:effectRef>
+        <a:fontRef idx="minor">
+          <a:schemeClr val="lt1"/>
+        </a:fontRef>
+      </dsp:style>
+      <dsp:txBody>
+        <a:bodyPr spcFirstLastPara="0" vert="horz" wrap="square" lIns="125730" tIns="125730" rIns="125730" bIns="125730" numCol="1" spcCol="1270" anchor="ctr" anchorCtr="0">
+          <a:noAutofit/>
+        </a:bodyPr>
+        <a:lstStyle/>
+        <a:p>
+          <a:pPr marL="0" lvl="0" indent="0" algn="ctr" defTabSz="1466850">
+            <a:lnSpc>
+              <a:spcPct val="90000"/>
+            </a:lnSpc>
+            <a:spcBef>
+              <a:spcPct val="0"/>
+            </a:spcBef>
+            <a:spcAft>
+              <a:spcPct val="35000"/>
+            </a:spcAft>
+            <a:buNone/>
+          </a:pPr>
+          <a:r>
+            <a:rPr lang="en-US" sz="3300" kern="1200" dirty="0"/>
+            <a:t>5-fold</a:t>
+          </a:r>
+        </a:p>
+        <a:p>
+          <a:pPr marL="0" lvl="0" indent="0" algn="ctr" defTabSz="1466850">
+            <a:lnSpc>
+              <a:spcPct val="90000"/>
+            </a:lnSpc>
+            <a:spcBef>
+              <a:spcPct val="0"/>
+            </a:spcBef>
+            <a:spcAft>
+              <a:spcPct val="35000"/>
+            </a:spcAft>
+            <a:buNone/>
+          </a:pPr>
+          <a:r>
+            <a:rPr lang="en-US" sz="3300" kern="1200" dirty="0"/>
+            <a:t>Cross Validation</a:t>
+          </a:r>
+        </a:p>
+        <a:p>
+          <a:pPr marL="0" lvl="0" indent="0" algn="ctr" defTabSz="1466850">
+            <a:lnSpc>
+              <a:spcPct val="90000"/>
+            </a:lnSpc>
+            <a:spcBef>
+              <a:spcPct val="0"/>
+            </a:spcBef>
+            <a:spcAft>
+              <a:spcPct val="35000"/>
+            </a:spcAft>
+            <a:buNone/>
+          </a:pPr>
+          <a:r>
+            <a:rPr lang="en-US" sz="3300" kern="1200" dirty="0"/>
+            <a:t>(Grid Search)</a:t>
+          </a:r>
+          <a:endParaRPr lang="en-SG" sz="3300" kern="1200" dirty="0"/>
+        </a:p>
+      </dsp:txBody>
+      <dsp:txXfrm>
+        <a:off x="9896365" y="2455529"/>
+        <a:ext cx="3385046" cy="1981704"/>
+      </dsp:txXfrm>
+    </dsp:sp>
+    <dsp:sp modelId="{D5FA2021-B766-4667-95C6-A19DE9FCA1D8}">
+      <dsp:nvSpPr>
+        <dsp:cNvPr id="0" name=""/>
+        <dsp:cNvSpPr/>
+      </dsp:nvSpPr>
+      <dsp:spPr>
+        <a:xfrm>
+          <a:off x="13693901" y="3011345"/>
+          <a:ext cx="743771" cy="870072"/>
+        </a:xfrm>
+        <a:prstGeom prst="rightArrow">
+          <a:avLst>
+            <a:gd name="adj1" fmla="val 60000"/>
+            <a:gd name="adj2" fmla="val 50000"/>
+          </a:avLst>
+        </a:prstGeom>
+        <a:solidFill>
+          <a:srgbClr val="FFFF00"/>
+        </a:solidFill>
+        <a:ln>
+          <a:solidFill>
+            <a:schemeClr val="tx2"/>
+          </a:solidFill>
+        </a:ln>
+        <a:effectLst/>
+      </dsp:spPr>
+      <dsp:style>
+        <a:lnRef idx="0">
+          <a:scrgbClr r="0" g="0" b="0"/>
+        </a:lnRef>
+        <a:fillRef idx="1">
+          <a:scrgbClr r="0" g="0" b="0"/>
+        </a:fillRef>
+        <a:effectRef idx="0">
+          <a:scrgbClr r="0" g="0" b="0"/>
+        </a:effectRef>
+        <a:fontRef idx="minor">
+          <a:schemeClr val="lt1"/>
+        </a:fontRef>
+      </dsp:style>
+      <dsp:txBody>
+        <a:bodyPr spcFirstLastPara="0" vert="horz" wrap="square" lIns="0" tIns="0" rIns="0" bIns="0" numCol="1" spcCol="1270" anchor="ctr" anchorCtr="0">
+          <a:noAutofit/>
+        </a:bodyPr>
+        <a:lstStyle/>
+        <a:p>
+          <a:pPr marL="0" lvl="0" indent="0" algn="ctr" defTabSz="1155700">
+            <a:lnSpc>
+              <a:spcPct val="90000"/>
+            </a:lnSpc>
+            <a:spcBef>
+              <a:spcPct val="0"/>
+            </a:spcBef>
+            <a:spcAft>
+              <a:spcPct val="35000"/>
+            </a:spcAft>
+            <a:buNone/>
+          </a:pPr>
+          <a:endParaRPr lang="en-SG" sz="2600" kern="1200"/>
+        </a:p>
+      </dsp:txBody>
+      <dsp:txXfrm>
+        <a:off x="13693901" y="3185359"/>
+        <a:ext cx="520640" cy="522044"/>
+      </dsp:txXfrm>
+    </dsp:sp>
+    <dsp:sp modelId="{4E55DCF9-15D0-4E69-81F7-EC057605295A}">
+      <dsp:nvSpPr>
+        <dsp:cNvPr id="0" name=""/>
+        <dsp:cNvSpPr/>
+      </dsp:nvSpPr>
+      <dsp:spPr>
+        <a:xfrm>
+          <a:off x="14746407" y="2393875"/>
+          <a:ext cx="3508354" cy="2105012"/>
+        </a:xfrm>
+        <a:prstGeom prst="roundRect">
+          <a:avLst>
+            <a:gd name="adj" fmla="val 10000"/>
+          </a:avLst>
+        </a:prstGeom>
+        <a:solidFill>
+          <a:srgbClr val="0070C0"/>
+        </a:solidFill>
+        <a:ln w="12700" cap="flat" cmpd="sng" algn="ctr">
+          <a:solidFill>
+            <a:schemeClr val="lt1">
+              <a:hueOff val="0"/>
+              <a:satOff val="0"/>
+              <a:lumOff val="0"/>
+              <a:alphaOff val="0"/>
+            </a:schemeClr>
+          </a:solidFill>
+          <a:prstDash val="solid"/>
+          <a:miter lim="800000"/>
+        </a:ln>
+        <a:effectLst/>
+      </dsp:spPr>
+      <dsp:style>
+        <a:lnRef idx="2">
+          <a:scrgbClr r="0" g="0" b="0"/>
+        </a:lnRef>
+        <a:fillRef idx="1">
+          <a:scrgbClr r="0" g="0" b="0"/>
+        </a:fillRef>
+        <a:effectRef idx="0">
+          <a:scrgbClr r="0" g="0" b="0"/>
+        </a:effectRef>
+        <a:fontRef idx="minor">
+          <a:schemeClr val="lt1"/>
+        </a:fontRef>
+      </dsp:style>
+      <dsp:txBody>
+        <a:bodyPr spcFirstLastPara="0" vert="horz" wrap="square" lIns="125730" tIns="125730" rIns="125730" bIns="125730" numCol="1" spcCol="1270" anchor="ctr" anchorCtr="0">
+          <a:noAutofit/>
+        </a:bodyPr>
+        <a:lstStyle/>
+        <a:p>
+          <a:pPr marL="0" lvl="0" indent="0" algn="ctr" defTabSz="1466850">
+            <a:lnSpc>
+              <a:spcPct val="90000"/>
+            </a:lnSpc>
+            <a:spcBef>
+              <a:spcPct val="0"/>
+            </a:spcBef>
+            <a:spcAft>
+              <a:spcPct val="35000"/>
+            </a:spcAft>
+            <a:buNone/>
+          </a:pPr>
+          <a:r>
+            <a:rPr lang="en-US" sz="3300" kern="1200" dirty="0"/>
+            <a:t>Model Selection</a:t>
+          </a:r>
+        </a:p>
+        <a:p>
+          <a:pPr marL="0" lvl="0" indent="0" algn="ctr" defTabSz="1466850">
+            <a:lnSpc>
+              <a:spcPct val="90000"/>
+            </a:lnSpc>
+            <a:spcBef>
+              <a:spcPct val="0"/>
+            </a:spcBef>
+            <a:spcAft>
+              <a:spcPct val="35000"/>
+            </a:spcAft>
+            <a:buNone/>
+          </a:pPr>
+          <a:r>
+            <a:rPr lang="en-US" sz="3300" kern="1200" dirty="0"/>
+            <a:t>(best validation score)</a:t>
+          </a:r>
+        </a:p>
+      </dsp:txBody>
+      <dsp:txXfrm>
+        <a:off x="14808061" y="2455529"/>
+        <a:ext cx="3385046" cy="1981704"/>
+      </dsp:txXfrm>
+    </dsp:sp>
+    <dsp:sp modelId="{CBB98070-8B95-4475-82AA-F13C7DC89E9B}">
+      <dsp:nvSpPr>
+        <dsp:cNvPr id="0" name=""/>
+        <dsp:cNvSpPr/>
+      </dsp:nvSpPr>
+      <dsp:spPr>
+        <a:xfrm>
+          <a:off x="18605598" y="3011345"/>
+          <a:ext cx="743771" cy="870072"/>
+        </a:xfrm>
+        <a:prstGeom prst="rightArrow">
+          <a:avLst>
+            <a:gd name="adj1" fmla="val 60000"/>
+            <a:gd name="adj2" fmla="val 50000"/>
+          </a:avLst>
+        </a:prstGeom>
+        <a:solidFill>
+          <a:srgbClr val="FFFF00"/>
+        </a:solidFill>
+        <a:ln>
+          <a:solidFill>
+            <a:schemeClr val="tx2"/>
+          </a:solidFill>
+        </a:ln>
+        <a:effectLst/>
+      </dsp:spPr>
+      <dsp:style>
+        <a:lnRef idx="0">
+          <a:scrgbClr r="0" g="0" b="0"/>
+        </a:lnRef>
+        <a:fillRef idx="1">
+          <a:scrgbClr r="0" g="0" b="0"/>
+        </a:fillRef>
+        <a:effectRef idx="0">
+          <a:scrgbClr r="0" g="0" b="0"/>
+        </a:effectRef>
+        <a:fontRef idx="minor">
+          <a:schemeClr val="lt1"/>
+        </a:fontRef>
+      </dsp:style>
+      <dsp:txBody>
+        <a:bodyPr spcFirstLastPara="0" vert="horz" wrap="square" lIns="0" tIns="0" rIns="0" bIns="0" numCol="1" spcCol="1270" anchor="ctr" anchorCtr="0">
+          <a:noAutofit/>
+        </a:bodyPr>
+        <a:lstStyle/>
+        <a:p>
+          <a:pPr marL="0" lvl="0" indent="0" algn="ctr" defTabSz="1155700">
+            <a:lnSpc>
+              <a:spcPct val="90000"/>
+            </a:lnSpc>
+            <a:spcBef>
+              <a:spcPct val="0"/>
+            </a:spcBef>
+            <a:spcAft>
+              <a:spcPct val="35000"/>
+            </a:spcAft>
+            <a:buNone/>
+          </a:pPr>
+          <a:endParaRPr lang="en-SG" sz="2600" kern="1200"/>
+        </a:p>
+      </dsp:txBody>
+      <dsp:txXfrm>
+        <a:off x="18605598" y="3185359"/>
+        <a:ext cx="520640" cy="522044"/>
+      </dsp:txXfrm>
+    </dsp:sp>
+    <dsp:sp modelId="{146293F8-903F-46D0-AE3B-3AA83409351C}">
+      <dsp:nvSpPr>
+        <dsp:cNvPr id="0" name=""/>
+        <dsp:cNvSpPr/>
+      </dsp:nvSpPr>
+      <dsp:spPr>
+        <a:xfrm>
+          <a:off x="19658104" y="2393875"/>
+          <a:ext cx="3508354" cy="2105012"/>
+        </a:xfrm>
+        <a:prstGeom prst="roundRect">
+          <a:avLst>
+            <a:gd name="adj" fmla="val 10000"/>
+          </a:avLst>
+        </a:prstGeom>
+        <a:solidFill>
+          <a:srgbClr val="0070C0"/>
+        </a:solidFill>
+        <a:ln w="12700" cap="flat" cmpd="sng" algn="ctr">
+          <a:solidFill>
+            <a:schemeClr val="lt1">
+              <a:hueOff val="0"/>
+              <a:satOff val="0"/>
+              <a:lumOff val="0"/>
+              <a:alphaOff val="0"/>
+            </a:schemeClr>
+          </a:solidFill>
+          <a:prstDash val="solid"/>
+          <a:miter lim="800000"/>
+        </a:ln>
+        <a:effectLst/>
+      </dsp:spPr>
+      <dsp:style>
+        <a:lnRef idx="2">
+          <a:scrgbClr r="0" g="0" b="0"/>
+        </a:lnRef>
+        <a:fillRef idx="1">
+          <a:scrgbClr r="0" g="0" b="0"/>
+        </a:fillRef>
+        <a:effectRef idx="0">
+          <a:scrgbClr r="0" g="0" b="0"/>
+        </a:effectRef>
+        <a:fontRef idx="minor">
+          <a:schemeClr val="lt1"/>
+        </a:fontRef>
+      </dsp:style>
+      <dsp:txBody>
+        <a:bodyPr spcFirstLastPara="0" vert="horz" wrap="square" lIns="125730" tIns="125730" rIns="125730" bIns="125730" numCol="1" spcCol="1270" anchor="ctr" anchorCtr="0">
+          <a:noAutofit/>
+        </a:bodyPr>
+        <a:lstStyle/>
+        <a:p>
+          <a:pPr marL="0" lvl="0" indent="0" algn="ctr" defTabSz="1466850">
+            <a:lnSpc>
+              <a:spcPct val="90000"/>
+            </a:lnSpc>
+            <a:spcBef>
+              <a:spcPct val="0"/>
+            </a:spcBef>
+            <a:spcAft>
+              <a:spcPct val="35000"/>
+            </a:spcAft>
+            <a:buNone/>
+          </a:pPr>
+          <a:r>
+            <a:rPr lang="en-US" sz="3300" kern="1200" dirty="0"/>
+            <a:t>Final Model Performance on Test set </a:t>
+          </a:r>
+          <a:endParaRPr lang="en-SG" sz="3300" kern="1200" dirty="0"/>
+        </a:p>
+      </dsp:txBody>
+      <dsp:txXfrm>
+        <a:off x="19719758" y="2455529"/>
+        <a:ext cx="3385046" cy="1981704"/>
+      </dsp:txXfrm>
+    </dsp:sp>
+  </dsp:spTree>
+</dsp:drawing>
+</file>
+
+<file path=ppt/diagrams/layout1.xml><?xml version="1.0" encoding="utf-8"?>
+<dgm:layoutDef xmlns:dgm="http://schemas.openxmlformats.org/drawingml/2006/diagram" xmlns:a="http://schemas.openxmlformats.org/drawingml/2006/main" uniqueId="urn:microsoft.com/office/officeart/2005/8/layout/process1">
+  <dgm:title val=""/>
+  <dgm:desc val=""/>
+  <dgm:catLst>
+    <dgm:cat type="process" pri="1000"/>
+    <dgm:cat type="convert" pri="15000"/>
+  </dgm:catLst>
+  <dgm:sampData useDef="1">
+    <dgm:dataModel>
+      <dgm:ptLst/>
+      <dgm:bg/>
+      <dgm:whole/>
+    </dgm:dataModel>
+  </dgm:sampData>
+  <dgm:styleData>
+    <dgm:dataModel>
+      <dgm:ptLst>
+        <dgm:pt modelId="0" type="doc"/>
+        <dgm:pt modelId="1"/>
+        <dgm:pt modelId="2"/>
+      </dgm:ptLst>
+      <dgm:cxnLst>
+        <dgm:cxn modelId="3" srcId="0" destId="1" srcOrd="0" destOrd="0"/>
+        <dgm:cxn modelId="4" srcId="0" destId="2" srcOrd="1" destOrd="0"/>
+      </dgm:cxnLst>
+      <dgm:bg/>
+      <dgm:whole/>
+    </dgm:dataModel>
+  </dgm:styleData>
+  <dgm:clrData>
+    <dgm:dataModel>
+      <dgm:ptLst>
+        <dgm:pt modelId="0" type="doc"/>
+        <dgm:pt modelId="1"/>
+        <dgm:pt modelId="2"/>
+        <dgm:pt modelId="3"/>
+        <dgm:pt modelId="4"/>
+      </dgm:ptLst>
+      <dgm:cxnLst>
+        <dgm:cxn modelId="5" srcId="0" destId="1" srcOrd="0" destOrd="0"/>
+        <dgm:cxn modelId="6" srcId="0" destId="2" srcOrd="1" destOrd="0"/>
+        <dgm:cxn modelId="7" srcId="0" destId="3" srcOrd="2" destOrd="0"/>
+        <dgm:cxn modelId="8" srcId="0" destId="4" srcOrd="3" destOrd="0"/>
+      </dgm:cxnLst>
+      <dgm:bg/>
+      <dgm:whole/>
+    </dgm:dataModel>
+  </dgm:clrData>
+  <dgm:layoutNode name="Name0">
+    <dgm:varLst>
+      <dgm:dir/>
+      <dgm:resizeHandles val="exact"/>
+    </dgm:varLst>
+    <dgm:choose name="Name1">
+      <dgm:if name="Name2" func="var" arg="dir" op="equ" val="norm">
+        <dgm:alg type="lin"/>
+      </dgm:if>
+      <dgm:else name="Name3">
+        <dgm:alg type="lin">
+          <dgm:param type="linDir" val="fromR"/>
+        </dgm:alg>
+      </dgm:else>
+    </dgm:choose>
+    <dgm:shape xmlns:r="http://schemas.openxmlformats.org/officeDocument/2006/relationships" r:blip="">
+      <dgm:adjLst/>
+    </dgm:shape>
+    <dgm:presOf/>
+    <dgm:constrLst>
+      <dgm:constr type="w" for="ch" ptType="node" refType="w"/>
+      <dgm:constr type="h" for="ch" ptType="node" op="equ"/>
+      <dgm:constr type="primFontSz" for="ch" ptType="node" op="equ" val="65"/>
+      <dgm:constr type="w" for="ch" ptType="sibTrans" refType="w" refFor="ch" refPtType="node" op="equ" fact="0.4"/>
+      <dgm:constr type="h" for="ch" ptType="sibTrans" op="equ"/>
+      <dgm:constr type="primFontSz" for="des" forName="connectorText" op="equ" val="55"/>
+      <dgm:constr type="primFontSz" for="des" forName="connectorText" refType="primFontSz" refFor="ch" refPtType="node" op="lte" fact="0.8"/>
+    </dgm:constrLst>
+    <dgm:ruleLst/>
+    <dgm:forEach name="nodesForEach" axis="ch" ptType="node">
+      <dgm:layoutNode name="node">
+        <dgm:varLst>
+          <dgm:bulletEnabled val="1"/>
+        </dgm:varLst>
+        <dgm:alg type="tx"/>
+        <dgm:shape xmlns:r="http://schemas.openxmlformats.org/officeDocument/2006/relationships" type="roundRect" r:blip="">
+          <dgm:adjLst>
+            <dgm:adj idx="1" val="0.1"/>
+          </dgm:adjLst>
+        </dgm:shape>
+        <dgm:presOf axis="desOrSelf" ptType="node"/>
+        <dgm:constrLst>
+          <dgm:constr type="h" refType="w" fact="0.6"/>
+          <dgm:constr type="tMarg" refType="primFontSz" fact="0.3"/>
+          <dgm:constr type="bMarg" refType="primFontSz" fact="0.3"/>
+          <dgm:constr type="lMarg" refType="primFontSz" fact="0.3"/>
+          <dgm:constr type="rMarg" refType="primFontSz" fact="0.3"/>
+        </dgm:constrLst>
+        <dgm:ruleLst>
+          <dgm:rule type="primFontSz" val="18" fact="NaN" max="NaN"/>
+          <dgm:rule type="h" val="NaN" fact="1.5" max="NaN"/>
+          <dgm:rule type="primFontSz" val="5" fact="NaN" max="NaN"/>
+          <dgm:rule type="h" val="INF" fact="NaN" max="NaN"/>
+        </dgm:ruleLst>
+      </dgm:layoutNode>
+      <dgm:forEach name="sibTransForEach" axis="followSib" ptType="sibTrans" cnt="1">
+        <dgm:layoutNode name="sibTrans">
+          <dgm:alg type="conn">
+            <dgm:param type="begPts" val="auto"/>
+            <dgm:param type="endPts" val="auto"/>
+          </dgm:alg>
+          <dgm:shape xmlns:r="http://schemas.openxmlformats.org/officeDocument/2006/relationships" type="conn" r:blip="">
+            <dgm:adjLst/>
+          </dgm:shape>
+          <dgm:presOf axis="self"/>
+          <dgm:constrLst>
+            <dgm:constr type="h" refType="w" fact="0.62"/>
+            <dgm:constr type="connDist"/>
+            <dgm:constr type="begPad" refType="connDist" fact="0.25"/>
+            <dgm:constr type="endPad" refType="connDist" fact="0.22"/>
+          </dgm:constrLst>
+          <dgm:ruleLst/>
+          <dgm:layoutNode name="connectorText">
+            <dgm:alg type="tx">
+              <dgm:param type="autoTxRot" val="grav"/>
+            </dgm:alg>
+            <dgm:shape xmlns:r="http://schemas.openxmlformats.org/officeDocument/2006/relationships" type="conn" r:blip="" hideGeom="1">
+              <dgm:adjLst/>
+            </dgm:shape>
+            <dgm:presOf axis="self"/>
+            <dgm:constrLst>
+              <dgm:constr type="lMarg"/>
+              <dgm:constr type="rMarg"/>
+              <dgm:constr type="tMarg"/>
+              <dgm:constr type="bMarg"/>
+            </dgm:constrLst>
+            <dgm:ruleLst>
+              <dgm:rule type="primFontSz" val="5" fact="NaN" max="NaN"/>
+            </dgm:ruleLst>
+          </dgm:layoutNode>
+        </dgm:layoutNode>
+      </dgm:forEach>
+    </dgm:forEach>
+  </dgm:layoutNode>
+</dgm:layoutDef>
+</file>
+
+<file path=ppt/diagrams/quickStyle1.xml><?xml version="1.0" encoding="utf-8"?>
+<dgm:styleDef xmlns:dgm="http://schemas.openxmlformats.org/drawingml/2006/diagram" xmlns:a="http://schemas.openxmlformats.org/drawingml/2006/main" uniqueId="urn:microsoft.com/office/officeart/2005/8/quickstyle/simple1">
+  <dgm:title val=""/>
+  <dgm:desc val=""/>
+  <dgm:catLst>
+    <dgm:cat type="simple" pri="10100"/>
+  </dgm:catLst>
+  <dgm:scene3d>
+    <a:camera prst="orthographicFront"/>
+    <a:lightRig rig="threePt" dir="t"/>
+  </dgm:scene3d>
+  <dgm:styleLbl name="node0">
+    <dgm:scene3d>
+      <a:camera prst="orthographicFront"/>
+      <a:lightRig rig="threePt" dir="t"/>
+    </dgm:scene3d>
+    <dgm:sp3d/>
+    <dgm:txPr/>
+    <dgm:style>
+      <a:lnRef idx="2">
+        <a:scrgbClr r="0" g="0" b="0"/>
+      </a:lnRef>
+      <a:fillRef idx="1">
+        <a:scrgbClr r="0" g="0" b="0"/>
+      </a:fillRef>
+      <a:effectRef idx="0">
+        <a:scrgbClr r="0" g="0" b="0"/>
+      </a:effectRef>
+      <a:fontRef idx="minor">
+        <a:schemeClr val="lt1"/>
+      </a:fontRef>
+    </dgm:style>
+  </dgm:styleLbl>
+  <dgm:styleLbl name="lnNode1">
+    <dgm:scene3d>
+      <a:camera prst="orthographicFront"/>
+      <a:lightRig rig="threePt" dir="t"/>
+    </dgm:scene3d>
+    <dgm:sp3d/>
+    <dgm:txPr/>
+    <dgm:style>
+      <a:lnRef idx="2">
+        <a:scrgbClr r="0" g="0" b="0"/>
+      </a:lnRef>
+      <a:fillRef idx="1">
+        <a:scrgbClr r="0" g="0" b="0"/>
+      </a:fillRef>
+      <a:effectRef idx="0">
+        <a:scrgbClr r="0" g="0" b="0"/>
+      </a:effectRef>
+      <a:fontRef idx="minor">
+        <a:schemeClr val="lt1"/>
+      </a:fontRef>
+    </dgm:style>
+  </dgm:styleLbl>
+  <dgm:styleLbl name="vennNode1">
+    <dgm:scene3d>
+      <a:camera prst="orthographicFront"/>
+      <a:lightRig rig="threePt" dir="t"/>
+    </dgm:scene3d>
+    <dgm:sp3d/>
+    <dgm:txPr/>
+    <dgm:style>
+      <a:lnRef idx="2">
+        <a:scrgbClr r="0" g="0" b="0"/>
+      </a:lnRef>
+      <a:fillRef idx="1">
+        <a:scrgbClr r="0" g="0" b="0"/>
+      </a:fillRef>
+      <a:effectRef idx="0">
+        <a:scrgbClr r="0" g="0" b="0"/>
+      </a:effectRef>
+      <a:fontRef idx="minor">
+        <a:schemeClr val="tx1"/>
+      </a:fontRef>
+    </dgm:style>
+  </dgm:styleLbl>
+  <dgm:styleLbl name="alignNode1">
+    <dgm:scene3d>
+      <a:camera prst="orthographicFront"/>
+      <a:lightRig rig="threePt" dir="t"/>
+    </dgm:scene3d>
+    <dgm:sp3d/>
+    <dgm:txPr/>
+    <dgm:style>
+      <a:lnRef idx="2">
+        <a:scrgbClr r="0" g="0" b="0"/>
+      </a:lnRef>
+      <a:fillRef idx="1">
+        <a:scrgbClr r="0" g="0" b="0"/>
+      </a:fillRef>
+      <a:effectRef idx="0">
+        <a:scrgbClr r="0" g="0" b="0"/>
+      </a:effectRef>
+      <a:fontRef idx="minor">
+        <a:schemeClr val="lt1"/>
+      </a:fontRef>
+    </dgm:style>
+  </dgm:styleLbl>
+  <dgm:styleLbl name="node1">
+    <dgm:scene3d>
+      <a:camera prst="orthographicFront"/>
+      <a:lightRig rig="threePt" dir="t"/>
+    </dgm:scene3d>
+    <dgm:sp3d/>
+    <dgm:txPr/>
+    <dgm:style>
+      <a:lnRef idx="2">
+        <a:scrgbClr r="0" g="0" b="0"/>
+      </a:lnRef>
+      <a:fillRef idx="1">
+        <a:scrgbClr r="0" g="0" b="0"/>
+      </a:fillRef>
+      <a:effectRef idx="0">
+        <a:scrgbClr r="0" g="0" b="0"/>
+      </a:effectRef>
+      <a:fontRef idx="minor">
+        <a:schemeClr val="lt1"/>
+      </a:fontRef>
+    </dgm:style>
+  </dgm:styleLbl>
+  <dgm:styleLbl name="node2">
+    <dgm:scene3d>
+      <a:camera prst="orthographicFront"/>
+      <a:lightRig rig="threePt" dir="t"/>
+    </dgm:scene3d>
+    <dgm:sp3d/>
+    <dgm:txPr/>
+    <dgm:style>
+      <a:lnRef idx="2">
+        <a:scrgbClr r="0" g="0" b="0"/>
+      </a:lnRef>
+      <a:fillRef idx="1">
+        <a:scrgbClr r="0" g="0" b="0"/>
+      </a:fillRef>
+      <a:effectRef idx="0">
+        <a:scrgbClr r="0" g="0" b="0"/>
+      </a:effectRef>
+      <a:fontRef idx="minor">
+        <a:schemeClr val="lt1"/>
+      </a:fontRef>
+    </dgm:style>
+  </dgm:styleLbl>
+  <dgm:styleLbl name="node3">
+    <dgm:scene3d>
+      <a:camera prst="orthographicFront"/>
+      <a:lightRig rig="threePt" dir="t"/>
+    </dgm:scene3d>
+    <dgm:sp3d/>
+    <dgm:txPr/>
+    <dgm:style>
+      <a:lnRef idx="2">
+        <a:scrgbClr r="0" g="0" b="0"/>
+      </a:lnRef>
+      <a:fillRef idx="1">
+        <a:scrgbClr r="0" g="0" b="0"/>
+      </a:fillRef>
+      <a:effectRef idx="0">
+        <a:scrgbClr r="0" g="0" b="0"/>
+      </a:effectRef>
+      <a:fontRef idx="minor">
+        <a:schemeClr val="lt1"/>
+      </a:fontRef>
+    </dgm:style>
+  </dgm:styleLbl>
+  <dgm:styleLbl name="node4">
+    <dgm:scene3d>
+      <a:camera prst="orthographicFront"/>
+      <a:lightRig rig="threePt" dir="t"/>
+    </dgm:scene3d>
+    <dgm:sp3d/>
+    <dgm:txPr/>
+    <dgm:style>
+      <a:lnRef idx="2">
+        <a:scrgbClr r="0" g="0" b="0"/>
+      </a:lnRef>
+      <a:fillRef idx="1">
+        <a:scrgbClr r="0" g="0" b="0"/>
+      </a:fillRef>
+      <a:effectRef idx="0">
+        <a:scrgbClr r="0" g="0" b="0"/>
+      </a:effectRef>
+      <a:fontRef idx="minor">
+        <a:schemeClr val="lt1"/>
+      </a:fontRef>
+    </dgm:style>
+  </dgm:styleLbl>
+  <dgm:styleLbl name="fgImgPlace1">
+    <dgm:scene3d>
+      <a:camera prst="orthographicFront"/>
+      <a:lightRig rig="threePt" dir="t"/>
+    </dgm:scene3d>
+    <dgm:sp3d/>
+    <dgm:txPr/>
+    <dgm:style>
+      <a:lnRef idx="2">
+        <a:scrgbClr r="0" g="0" b="0"/>
+      </a:lnRef>
+      <a:fillRef idx="1">
+        <a:scrgbClr r="0" g="0" b="0"/>
+      </a:fillRef>
+      <a:effectRef idx="0">
+        <a:scrgbClr r="0" g="0" b="0"/>
+      </a:effectRef>
+      <a:fontRef idx="minor"/>
+    </dgm:style>
+  </dgm:styleLbl>
+  <dgm:styleLbl name="alignImgPlace1">
+    <dgm:scene3d>
+      <a:camera prst="orthographicFront"/>
+      <a:lightRig rig="threePt" dir="t"/>
+    </dgm:scene3d>
+    <dgm:sp3d/>
+    <dgm:txPr/>
+    <dgm:style>
+      <a:lnRef idx="2">
+        <a:scrgbClr r="0" g="0" b="0"/>
+      </a:lnRef>
+      <a:fillRef idx="1">
+        <a:scrgbClr r="0" g="0" b="0"/>
+      </a:fillRef>
+      <a:effectRef idx="0">
+        <a:scrgbClr r="0" g="0" b="0"/>
+      </a:effectRef>
+      <a:fontRef idx="minor"/>
+    </dgm:style>
+  </dgm:styleLbl>
+  <dgm:styleLbl name="bgImgPlace1">
+    <dgm:scene3d>
+      <a:camera prst="orthographicFront"/>
+      <a:lightRig rig="threePt" dir="t"/>
+    </dgm:scene3d>
+    <dgm:sp3d/>
+    <dgm:txPr/>
+    <dgm:style>
+      <a:lnRef idx="2">
+        <a:scrgbClr r="0" g="0" b="0"/>
+      </a:lnRef>
+      <a:fillRef idx="1">
+        <a:scrgbClr r="0" g="0" b="0"/>
+      </a:fillRef>
+      <a:effectRef idx="0">
+        <a:scrgbClr r="0" g="0" b="0"/>
+      </a:effectRef>
+      <a:fontRef idx="minor"/>
+    </dgm:style>
+  </dgm:styleLbl>
+  <dgm:styleLbl name="sibTrans2D1">
+    <dgm:scene3d>
+      <a:camera prst="orthographicFront"/>
+      <a:lightRig rig="threePt" dir="t"/>
+    </dgm:scene3d>
+    <dgm:sp3d/>
+    <dgm:txPr/>
+    <dgm:style>
+      <a:lnRef idx="0">
+        <a:scrgbClr r="0" g="0" b="0"/>
+      </a:lnRef>
+      <a:fillRef idx="1">
+        <a:scrgbClr r="0" g="0" b="0"/>
+      </a:fillRef>
+      <a:effectRef idx="0">
+        <a:scrgbClr r="0" g="0" b="0"/>
+      </a:effectRef>
+      <a:fontRef idx="minor">
+        <a:schemeClr val="lt1"/>
+      </a:fontRef>
+    </dgm:style>
+  </dgm:styleLbl>
+  <dgm:styleLbl name="fgSibTrans2D1">
+    <dgm:scene3d>
+      <a:camera prst="orthographicFront"/>
+      <a:lightRig rig="threePt" dir="t"/>
+    </dgm:scene3d>
+    <dgm:sp3d/>
+    <dgm:txPr/>
+    <dgm:style>
+      <a:lnRef idx="0">
+        <a:scrgbClr r="0" g="0" b="0"/>
+      </a:lnRef>
+      <a:fillRef idx="1">
+        <a:scrgbClr r="0" g="0" b="0"/>
+      </a:fillRef>
+      <a:effectRef idx="0">
+        <a:scrgbClr r="0" g="0" b="0"/>
+      </a:effectRef>
+      <a:fontRef idx="minor">
+        <a:schemeClr val="lt1"/>
+      </a:fontRef>
+    </dgm:style>
+  </dgm:styleLbl>
+  <dgm:styleLbl name="bgSibTrans2D1">
+    <dgm:scene3d>
+      <a:camera prst="orthographicFront"/>
+      <a:lightRig rig="threePt" dir="t"/>
+    </dgm:scene3d>
+    <dgm:sp3d/>
+    <dgm:txPr/>
+    <dgm:style>
+      <a:lnRef idx="0">
+        <a:scrgbClr r="0" g="0" b="0"/>
+      </a:lnRef>
+      <a:fillRef idx="1">
+        <a:scrgbClr r="0" g="0" b="0"/>
+      </a:fillRef>
+      <a:effectRef idx="0">
+        <a:scrgbClr r="0" g="0" b="0"/>
+      </a:effectRef>
+      <a:fontRef idx="minor">
+        <a:schemeClr val="lt1"/>
+      </a:fontRef>
+    </dgm:style>
+  </dgm:styleLbl>
+  <dgm:styleLbl name="sibTrans1D1">
+    <dgm:scene3d>
+      <a:camera prst="orthographicFront"/>
+      <a:lightRig rig="threePt" dir="t"/>
+    </dgm:scene3d>
+    <dgm:sp3d/>
+    <dgm:txPr/>
+    <dgm:style>
+      <a:lnRef idx="1">
+        <a:scrgbClr r="0" g="0" b="0"/>
+      </a:lnRef>
+      <a:fillRef idx="0">
+        <a:scrgbClr r="0" g="0" b="0"/>
+      </a:fillRef>
+      <a:effectRef idx="0">
+        <a:scrgbClr r="0" g="0" b="0"/>
+      </a:effectRef>
+      <a:fontRef idx="minor"/>
+    </dgm:style>
+  </dgm:styleLbl>
+  <dgm:styleLbl name="callout">
+    <dgm:scene3d>
+      <a:camera prst="orthographicFront"/>
+      <a:lightRig rig="threePt" dir="t"/>
+    </dgm:scene3d>
+    <dgm:sp3d/>
+    <dgm:txPr/>
+    <dgm:style>
+      <a:lnRef idx="2">
+        <a:scrgbClr r="0" g="0" b="0"/>
+      </a:lnRef>
+      <a:fillRef idx="1">
+        <a:scrgbClr r="0" g="0" b="0"/>
+      </a:fillRef>
+      <a:effectRef idx="0">
+        <a:scrgbClr r="0" g="0" b="0"/>
+      </a:effectRef>
+      <a:fontRef idx="minor"/>
+    </dgm:style>
+  </dgm:styleLbl>
+  <dgm:styleLbl name="asst0">
+    <dgm:scene3d>
+      <a:camera prst="orthographicFront"/>
+      <a:lightRig rig="threePt" dir="t"/>
+    </dgm:scene3d>
+    <dgm:sp3d/>
+    <dgm:txPr/>
+    <dgm:style>
+      <a:lnRef idx="2">
+        <a:scrgbClr r="0" g="0" b="0"/>
+      </a:lnRef>
+      <a:fillRef idx="1">
+        <a:scrgbClr r="0" g="0" b="0"/>
+      </a:fillRef>
+      <a:effectRef idx="0">
+        <a:scrgbClr r="0" g="0" b="0"/>
+      </a:effectRef>
+      <a:fontRef idx="minor">
+        <a:schemeClr val="lt1"/>
+      </a:fontRef>
+    </dgm:style>
+  </dgm:styleLbl>
+  <dgm:styleLbl name="asst1">
+    <dgm:scene3d>
+      <a:camera prst="orthographicFront"/>
+      <a:lightRig rig="threePt" dir="t"/>
+    </dgm:scene3d>
+    <dgm:sp3d/>
+    <dgm:txPr/>
+    <dgm:style>
+      <a:lnRef idx="2">
+        <a:scrgbClr r="0" g="0" b="0"/>
+      </a:lnRef>
+      <a:fillRef idx="1">
+        <a:scrgbClr r="0" g="0" b="0"/>
+      </a:fillRef>
+      <a:effectRef idx="0">
+        <a:scrgbClr r="0" g="0" b="0"/>
+      </a:effectRef>
+      <a:fontRef idx="minor">
+        <a:schemeClr val="lt1"/>
+      </a:fontRef>
+    </dgm:style>
+  </dgm:styleLbl>
+  <dgm:styleLbl name="asst2">
+    <dgm:scene3d>
+      <a:camera prst="orthographicFront"/>
+      <a:lightRig rig="threePt" dir="t"/>
+    </dgm:scene3d>
+    <dgm:sp3d/>
+    <dgm:txPr/>
+    <dgm:style>
+      <a:lnRef idx="2">
+        <a:scrgbClr r="0" g="0" b="0"/>
+      </a:lnRef>
+      <a:fillRef idx="1">
+        <a:scrgbClr r="0" g="0" b="0"/>
+      </a:fillRef>
+      <a:effectRef idx="0">
+        <a:scrgbClr r="0" g="0" b="0"/>
+      </a:effectRef>
+      <a:fontRef idx="minor">
+        <a:schemeClr val="lt1"/>
+      </a:fontRef>
+    </dgm:style>
+  </dgm:styleLbl>
+  <dgm:styleLbl name="asst3">
+    <dgm:scene3d>
+      <a:camera prst="orthographicFront"/>
+      <a:lightRig rig="threePt" dir="t"/>
+    </dgm:scene3d>
+    <dgm:sp3d/>
+    <dgm:txPr/>
+    <dgm:style>
+      <a:lnRef idx="2">
+        <a:scrgbClr r="0" g="0" b="0"/>
+      </a:lnRef>
+      <a:fillRef idx="1">
+        <a:scrgbClr r="0" g="0" b="0"/>
+      </a:fillRef>
+      <a:effectRef idx="0">
+        <a:scrgbClr r="0" g="0" b="0"/>
+      </a:effectRef>
+      <a:fontRef idx="minor">
+        <a:schemeClr val="lt1"/>
+      </a:fontRef>
+    </dgm:style>
+  </dgm:styleLbl>
+  <dgm:styleLbl name="asst4">
+    <dgm:scene3d>
+      <a:camera prst="orthographicFront"/>
+      <a:lightRig rig="threePt" dir="t"/>
+    </dgm:scene3d>
+    <dgm:sp3d/>
+    <dgm:txPr/>
+    <dgm:style>
+      <a:lnRef idx="2">
+        <a:scrgbClr r="0" g="0" b="0"/>
+      </a:lnRef>
+      <a:fillRef idx="1">
+        <a:scrgbClr r="0" g="0" b="0"/>
+      </a:fillRef>
+      <a:effectRef idx="0">
+        <a:scrgbClr r="0" g="0" b="0"/>
+      </a:effectRef>
+      <a:fontRef idx="minor">
+        <a:schemeClr val="lt1"/>
+      </a:fontRef>
+    </dgm:style>
+  </dgm:styleLbl>
+  <dgm:styleLbl name="parChTrans2D1">
+    <dgm:scene3d>
+      <a:camera prst="orthographicFront"/>
+      <a:lightRig rig="threePt" dir="t"/>
+    </dgm:scene3d>
+    <dgm:sp3d/>
+    <dgm:txPr/>
+    <dgm:style>
+      <a:lnRef idx="2">
+        <a:scrgbClr r="0" g="0" b="0"/>
+      </a:lnRef>
+      <a:fillRef idx="1">
+        <a:scrgbClr r="0" g="0" b="0"/>
+      </a:fillRef>
+      <a:effectRef idx="0">
+        <a:scrgbClr r="0" g="0" b="0"/>
+      </a:effectRef>
+      <a:fontRef idx="minor">
+        <a:schemeClr val="lt1"/>
+      </a:fontRef>
+    </dgm:style>
+  </dgm:styleLbl>
+  <dgm:styleLbl name="parChTrans2D2">
+    <dgm:scene3d>
+      <a:camera prst="orthographicFront"/>
+      <a:lightRig rig="threePt" dir="t"/>
+    </dgm:scene3d>
+    <dgm:sp3d/>
+    <dgm:txPr/>
+    <dgm:style>
+      <a:lnRef idx="2">
+        <a:scrgbClr r="0" g="0" b="0"/>
+      </a:lnRef>
+      <a:fillRef idx="1">
+        <a:scrgbClr r="0" g="0" b="0"/>
+      </a:fillRef>
+      <a:effectRef idx="0">
+        <a:scrgbClr r="0" g="0" b="0"/>
+      </a:effectRef>
+      <a:fontRef idx="minor">
+        <a:schemeClr val="lt1"/>
+      </a:fontRef>
+    </dgm:style>
+  </dgm:styleLbl>
+  <dgm:styleLbl name="parChTrans2D3">
+    <dgm:scene3d>
+      <a:camera prst="orthographicFront"/>
+      <a:lightRig rig="threePt" dir="t"/>
+    </dgm:scene3d>
+    <dgm:sp3d/>
+    <dgm:txPr/>
+    <dgm:style>
+      <a:lnRef idx="2">
+        <a:scrgbClr r="0" g="0" b="0"/>
+      </a:lnRef>
+      <a:fillRef idx="1">
+        <a:scrgbClr r="0" g="0" b="0"/>
+      </a:fillRef>
+      <a:effectRef idx="0">
+        <a:scrgbClr r="0" g="0" b="0"/>
+      </a:effectRef>
+      <a:fontRef idx="minor">
+        <a:schemeClr val="lt1"/>
+      </a:fontRef>
+    </dgm:style>
+  </dgm:styleLbl>
+  <dgm:styleLbl name="parChTrans2D4">
+    <dgm:scene3d>
+      <a:camera prst="orthographicFront"/>
+      <a:lightRig rig="threePt" dir="t"/>
+    </dgm:scene3d>
+    <dgm:sp3d/>
+    <dgm:txPr/>
+    <dgm:style>
+      <a:lnRef idx="2">
+        <a:scrgbClr r="0" g="0" b="0"/>
+      </a:lnRef>
+      <a:fillRef idx="1">
+        <a:scrgbClr r="0" g="0" b="0"/>
+      </a:fillRef>
+      <a:effectRef idx="0">
+        <a:scrgbClr r="0" g="0" b="0"/>
+      </a:effectRef>
+      <a:fontRef idx="minor">
+        <a:schemeClr val="lt1"/>
+      </a:fontRef>
+    </dgm:style>
+  </dgm:styleLbl>
+  <dgm:styleLbl name="parChTrans1D1">
+    <dgm:scene3d>
+      <a:camera prst="orthographicFront"/>
+      <a:lightRig rig="threePt" dir="t"/>
+    </dgm:scene3d>
+    <dgm:sp3d/>
+    <dgm:txPr/>
+    <dgm:style>
+      <a:lnRef idx="2">
+        <a:scrgbClr r="0" g="0" b="0"/>
+      </a:lnRef>
+      <a:fillRef idx="0">
+        <a:scrgbClr r="0" g="0" b="0"/>
+      </a:fillRef>
+      <a:effectRef idx="0">
+        <a:scrgbClr r="0" g="0" b="0"/>
+      </a:effectRef>
+      <a:fontRef idx="minor"/>
+    </dgm:style>
+  </dgm:styleLbl>
+  <dgm:styleLbl name="parChTrans1D2">
+    <dgm:scene3d>
+      <a:camera prst="orthographicFront"/>
+      <a:lightRig rig="threePt" dir="t"/>
+    </dgm:scene3d>
+    <dgm:sp3d/>
+    <dgm:txPr/>
+    <dgm:style>
+      <a:lnRef idx="2">
+        <a:scrgbClr r="0" g="0" b="0"/>
+      </a:lnRef>
+      <a:fillRef idx="0">
+        <a:scrgbClr r="0" g="0" b="0"/>
+      </a:fillRef>
+      <a:effectRef idx="0">
+        <a:scrgbClr r="0" g="0" b="0"/>
+      </a:effectRef>
+      <a:fontRef idx="minor"/>
+    </dgm:style>
+  </dgm:styleLbl>
+  <dgm:styleLbl name="parChTrans1D3">
+    <dgm:scene3d>
+      <a:camera prst="orthographicFront"/>
+      <a:lightRig rig="threePt" dir="t"/>
+    </dgm:scene3d>
+    <dgm:sp3d/>
+    <dgm:txPr/>
+    <dgm:style>
+      <a:lnRef idx="2">
+        <a:scrgbClr r="0" g="0" b="0"/>
+      </a:lnRef>
+      <a:fillRef idx="0">
+        <a:scrgbClr r="0" g="0" b="0"/>
+      </a:fillRef>
+      <a:effectRef idx="0">
+        <a:scrgbClr r="0" g="0" b="0"/>
+      </a:effectRef>
+      <a:fontRef idx="minor"/>
+    </dgm:style>
+  </dgm:styleLbl>
+  <dgm:styleLbl name="parChTrans1D4">
+    <dgm:scene3d>
+      <a:camera prst="orthographicFront"/>
+      <a:lightRig rig="threePt" dir="t"/>
+    </dgm:scene3d>
+    <dgm:sp3d/>
+    <dgm:txPr/>
+    <dgm:style>
+      <a:lnRef idx="2">
+        <a:scrgbClr r="0" g="0" b="0"/>
+      </a:lnRef>
+      <a:fillRef idx="0">
+        <a:scrgbClr r="0" g="0" b="0"/>
+      </a:fillRef>
+      <a:effectRef idx="0">
+        <a:scrgbClr r="0" g="0" b="0"/>
+      </a:effectRef>
+      <a:fontRef idx="minor"/>
+    </dgm:style>
+  </dgm:styleLbl>
+  <dgm:styleLbl name="fgAcc1">
+    <dgm:scene3d>
+      <a:camera prst="orthographicFront"/>
+      <a:lightRig rig="threePt" dir="t"/>
+    </dgm:scene3d>
+    <dgm:sp3d/>
+    <dgm:txPr/>
+    <dgm:style>
+      <a:lnRef idx="2">
+        <a:scrgbClr r="0" g="0" b="0"/>
+      </a:lnRef>
+      <a:fillRef idx="1">
+        <a:scrgbClr r="0" g="0" b="0"/>
+      </a:fillRef>
+      <a:effectRef idx="0">
+        <a:scrgbClr r="0" g="0" b="0"/>
+      </a:effectRef>
+      <a:fontRef idx="minor"/>
+    </dgm:style>
+  </dgm:styleLbl>
+  <dgm:styleLbl name="conFgAcc1">
+    <dgm:scene3d>
+      <a:camera prst="orthographicFront"/>
+      <a:lightRig rig="threePt" dir="t"/>
+    </dgm:scene3d>
+    <dgm:sp3d/>
+    <dgm:txPr/>
+    <dgm:style>
+      <a:lnRef idx="2">
+        <a:scrgbClr r="0" g="0" b="0"/>
+      </a:lnRef>
+      <a:fillRef idx="1">
+        <a:scrgbClr r="0" g="0" b="0"/>
+      </a:fillRef>
+      <a:effectRef idx="0">
+        <a:scrgbClr r="0" g="0" b="0"/>
+      </a:effectRef>
+      <a:fontRef idx="minor"/>
+    </dgm:style>
+  </dgm:styleLbl>
+  <dgm:styleLbl name="alignAcc1">
+    <dgm:scene3d>
+      <a:camera prst="orthographicFront"/>
+      <a:lightRig rig="threePt" dir="t"/>
+    </dgm:scene3d>
+    <dgm:sp3d/>
+    <dgm:txPr/>
+    <dgm:style>
+      <a:lnRef idx="2">
+        <a:scrgbClr r="0" g="0" b="0"/>
+      </a:lnRef>
+      <a:fillRef idx="1">
+        <a:scrgbClr r="0" g="0" b="0"/>
+      </a:fillRef>
+      <a:effectRef idx="0">
+        <a:scrgbClr r="0" g="0" b="0"/>
+      </a:effectRef>
+      <a:fontRef idx="minor"/>
+    </dgm:style>
+  </dgm:styleLbl>
+  <dgm:styleLbl name="trAlignAcc1">
+    <dgm:scene3d>
+      <a:camera prst="orthographicFront"/>
+      <a:lightRig rig="threePt" dir="t"/>
+    </dgm:scene3d>
+    <dgm:sp3d/>
+    <dgm:txPr/>
+    <dgm:style>
+      <a:lnRef idx="1">
+        <a:scrgbClr r="0" g="0" b="0"/>
+      </a:lnRef>
+      <a:fillRef idx="1">
+        <a:scrgbClr r="0" g="0" b="0"/>
+      </a:fillRef>
+      <a:effectRef idx="0">
+        <a:scrgbClr r="0" g="0" b="0"/>
+      </a:effectRef>
+      <a:fontRef idx="minor"/>
+    </dgm:style>
+  </dgm:styleLbl>
+  <dgm:styleLbl name="bgAcc1">
+    <dgm:scene3d>
+      <a:camera prst="orthographicFront"/>
+      <a:lightRig rig="threePt" dir="t"/>
+    </dgm:scene3d>
+    <dgm:sp3d/>
+    <dgm:txPr/>
+    <dgm:style>
+      <a:lnRef idx="2">
+        <a:scrgbClr r="0" g="0" b="0"/>
+      </a:lnRef>
+      <a:fillRef idx="1">
+        <a:scrgbClr r="0" g="0" b="0"/>
+      </a:fillRef>
+      <a:effectRef idx="0">
+        <a:scrgbClr r="0" g="0" b="0"/>
+      </a:effectRef>
+      <a:fontRef idx="minor"/>
+    </dgm:style>
+  </dgm:styleLbl>
+  <dgm:styleLbl name="solidFgAcc1">
+    <dgm:scene3d>
+      <a:camera prst="orthographicFront"/>
+      <a:lightRig rig="threePt" dir="t"/>
+    </dgm:scene3d>
+    <dgm:sp3d/>
+    <dgm:txPr/>
+    <dgm:style>
+      <a:lnRef idx="2">
+        <a:scrgbClr r="0" g="0" b="0"/>
+      </a:lnRef>
+      <a:fillRef idx="1">
+        <a:scrgbClr r="0" g="0" b="0"/>
+      </a:fillRef>
+      <a:effectRef idx="0">
+        <a:scrgbClr r="0" g="0" b="0"/>
+      </a:effectRef>
+      <a:fontRef idx="minor"/>
+    </dgm:style>
+  </dgm:styleLbl>
+  <dgm:styleLbl name="solidAlignAcc1">
+    <dgm:scene3d>
+      <a:camera prst="orthographicFront"/>
+      <a:lightRig rig="threePt" dir="t"/>
+    </dgm:scene3d>
+    <dgm:sp3d/>
+    <dgm:txPr/>
+    <dgm:style>
+      <a:lnRef idx="2">
+        <a:scrgbClr r="0" g="0" b="0"/>
+      </a:lnRef>
+      <a:fillRef idx="1">
+        <a:scrgbClr r="0" g="0" b="0"/>
+      </a:fillRef>
+      <a:effectRef idx="0">
+        <a:scrgbClr r="0" g="0" b="0"/>
+      </a:effectRef>
+      <a:fontRef idx="minor"/>
+    </dgm:style>
+  </dgm:styleLbl>
+  <dgm:styleLbl name="solidBgAcc1">
+    <dgm:scene3d>
+      <a:camera prst="orthographicFront"/>
+      <a:lightRig rig="threePt" dir="t"/>
+    </dgm:scene3d>
+    <dgm:sp3d/>
+    <dgm:txPr/>
+    <dgm:style>
+      <a:lnRef idx="2">
+        <a:scrgbClr r="0" g="0" b="0"/>
+      </a:lnRef>
+      <a:fillRef idx="1">
+        <a:scrgbClr r="0" g="0" b="0"/>
+      </a:fillRef>
+      <a:effectRef idx="0">
+        <a:scrgbClr r="0" g="0" b="0"/>
+      </a:effectRef>
+      <a:fontRef idx="minor"/>
+    </dgm:style>
+  </dgm:styleLbl>
+  <dgm:styleLbl name="fgAccFollowNode1">
+    <dgm:scene3d>
+      <a:camera prst="orthographicFront"/>
+      <a:lightRig rig="threePt" dir="t"/>
+    </dgm:scene3d>
+    <dgm:sp3d/>
+    <dgm:txPr/>
+    <dgm:style>
+      <a:lnRef idx="2">
+        <a:scrgbClr r="0" g="0" b="0"/>
+      </a:lnRef>
+      <a:fillRef idx="1">
+        <a:scrgbClr r="0" g="0" b="0"/>
+      </a:fillRef>
+      <a:effectRef idx="0">
+        <a:scrgbClr r="0" g="0" b="0"/>
+      </a:effectRef>
+      <a:fontRef idx="minor"/>
+    </dgm:style>
+  </dgm:styleLbl>
+  <dgm:styleLbl name="alignAccFollowNode1">
+    <dgm:scene3d>
+      <a:camera prst="orthographicFront"/>
+      <a:lightRig rig="threePt" dir="t"/>
+    </dgm:scene3d>
+    <dgm:sp3d/>
+    <dgm:txPr/>
+    <dgm:style>
+      <a:lnRef idx="2">
+        <a:scrgbClr r="0" g="0" b="0"/>
+      </a:lnRef>
+      <a:fillRef idx="1">
+        <a:scrgbClr r="0" g="0" b="0"/>
+      </a:fillRef>
+      <a:effectRef idx="0">
+        <a:scrgbClr r="0" g="0" b="0"/>
+      </a:effectRef>
+      <a:fontRef idx="minor"/>
+    </dgm:style>
+  </dgm:styleLbl>
+  <dgm:styleLbl name="bgAccFollowNode1">
+    <dgm:scene3d>
+      <a:camera prst="orthographicFront"/>
+      <a:lightRig rig="threePt" dir="t"/>
+    </dgm:scene3d>
+    <dgm:sp3d/>
+    <dgm:txPr/>
+    <dgm:style>
+      <a:lnRef idx="2">
+        <a:scrgbClr r="0" g="0" b="0"/>
+      </a:lnRef>
+      <a:fillRef idx="1">
+        <a:scrgbClr r="0" g="0" b="0"/>
+      </a:fillRef>
+      <a:effectRef idx="0">
+        <a:scrgbClr r="0" g="0" b="0"/>
+      </a:effectRef>
+      <a:fontRef idx="minor"/>
+    </dgm:style>
+  </dgm:styleLbl>
+  <dgm:styleLbl name="fgAcc0">
+    <dgm:scene3d>
+      <a:camera prst="orthographicFront"/>
+      <a:lightRig rig="threePt" dir="t"/>
+    </dgm:scene3d>
+    <dgm:sp3d/>
+    <dgm:txPr/>
+    <dgm:style>
+      <a:lnRef idx="2">
+        <a:scrgbClr r="0" g="0" b="0"/>
+      </a:lnRef>
+      <a:fillRef idx="1">
+        <a:scrgbClr r="0" g="0" b="0"/>
+      </a:fillRef>
+      <a:effectRef idx="0">
+        <a:scrgbClr r="0" g="0" b="0"/>
+      </a:effectRef>
+      <a:fontRef idx="minor"/>
+    </dgm:style>
+  </dgm:styleLbl>
+  <dgm:styleLbl name="fgAcc2">
+    <dgm:scene3d>
+      <a:camera prst="orthographicFront"/>
+      <a:lightRig rig="threePt" dir="t"/>
+    </dgm:scene3d>
+    <dgm:sp3d/>
+    <dgm:txPr/>
+    <dgm:style>
+      <a:lnRef idx="2">
+        <a:scrgbClr r="0" g="0" b="0"/>
+      </a:lnRef>
+      <a:fillRef idx="1">
+        <a:scrgbClr r="0" g="0" b="0"/>
+      </a:fillRef>
+      <a:effectRef idx="0">
+        <a:scrgbClr r="0" g="0" b="0"/>
+      </a:effectRef>
+      <a:fontRef idx="minor"/>
+    </dgm:style>
+  </dgm:styleLbl>
+  <dgm:styleLbl name="fgAcc3">
+    <dgm:scene3d>
+      <a:camera prst="orthographicFront"/>
+      <a:lightRig rig="threePt" dir="t"/>
+    </dgm:scene3d>
+    <dgm:sp3d/>
+    <dgm:txPr/>
+    <dgm:style>
+      <a:lnRef idx="2">
+        <a:scrgbClr r="0" g="0" b="0"/>
+      </a:lnRef>
+      <a:fillRef idx="1">
+        <a:scrgbClr r="0" g="0" b="0"/>
+      </a:fillRef>
+      <a:effectRef idx="0">
+        <a:scrgbClr r="0" g="0" b="0"/>
+      </a:effectRef>
+      <a:fontRef idx="minor"/>
+    </dgm:style>
+  </dgm:styleLbl>
+  <dgm:styleLbl name="fgAcc4">
+    <dgm:scene3d>
+      <a:camera prst="orthographicFront"/>
+      <a:lightRig rig="threePt" dir="t"/>
+    </dgm:scene3d>
+    <dgm:sp3d/>
+    <dgm:txPr/>
+    <dgm:style>
+      <a:lnRef idx="2">
+        <a:scrgbClr r="0" g="0" b="0"/>
+      </a:lnRef>
+      <a:fillRef idx="1">
+        <a:scrgbClr r="0" g="0" b="0"/>
+      </a:fillRef>
+      <a:effectRef idx="0">
+        <a:scrgbClr r="0" g="0" b="0"/>
+      </a:effectRef>
+      <a:fontRef idx="minor"/>
+    </dgm:style>
+  </dgm:styleLbl>
+  <dgm:styleLbl name="bgShp">
+    <dgm:scene3d>
+      <a:camera prst="orthographicFront"/>
+      <a:lightRig rig="threePt" dir="t"/>
+    </dgm:scene3d>
+    <dgm:sp3d/>
+    <dgm:txPr/>
+    <dgm:style>
+      <a:lnRef idx="0">
+        <a:scrgbClr r="0" g="0" b="0"/>
+      </a:lnRef>
+      <a:fillRef idx="1">
+        <a:scrgbClr r="0" g="0" b="0"/>
+      </a:fillRef>
+      <a:effectRef idx="0">
+        <a:scrgbClr r="0" g="0" b="0"/>
+      </a:effectRef>
+      <a:fontRef idx="minor"/>
+    </dgm:style>
+  </dgm:styleLbl>
+  <dgm:styleLbl name="dkBgShp">
+    <dgm:scene3d>
+      <a:camera prst="orthographicFront"/>
+      <a:lightRig rig="threePt" dir="t"/>
+    </dgm:scene3d>
+    <dgm:sp3d/>
+    <dgm:txPr/>
+    <dgm:style>
+      <a:lnRef idx="0">
+        <a:scrgbClr r="0" g="0" b="0"/>
+      </a:lnRef>
+      <a:fillRef idx="1">
+        <a:scrgbClr r="0" g="0" b="0"/>
+      </a:fillRef>
+      <a:effectRef idx="0">
+        <a:scrgbClr r="0" g="0" b="0"/>
+      </a:effectRef>
+      <a:fontRef idx="minor"/>
+    </dgm:style>
+  </dgm:styleLbl>
+  <dgm:styleLbl name="trBgShp">
+    <dgm:scene3d>
+      <a:camera prst="orthographicFront"/>
+      <a:lightRig rig="threePt" dir="t"/>
+    </dgm:scene3d>
+    <dgm:sp3d/>
+    <dgm:txPr/>
+    <dgm:style>
+      <a:lnRef idx="0">
+        <a:scrgbClr r="0" g="0" b="0"/>
+      </a:lnRef>
+      <a:fillRef idx="1">
+        <a:scrgbClr r="0" g="0" b="0"/>
+      </a:fillRef>
+      <a:effectRef idx="0">
+        <a:scrgbClr r="0" g="0" b="0"/>
+      </a:effectRef>
+      <a:fontRef idx="minor"/>
+    </dgm:style>
+  </dgm:styleLbl>
+  <dgm:styleLbl name="fgShp">
+    <dgm:scene3d>
+      <a:camera prst="orthographicFront"/>
+      <a:lightRig rig="threePt" dir="t"/>
+    </dgm:scene3d>
+    <dgm:sp3d/>
+    <dgm:txPr/>
+    <dgm:style>
+      <a:lnRef idx="2">
+        <a:scrgbClr r="0" g="0" b="0"/>
+      </a:lnRef>
+      <a:fillRef idx="1">
+        <a:scrgbClr r="0" g="0" b="0"/>
+      </a:fillRef>
+      <a:effectRef idx="0">
+        <a:scrgbClr r="0" g="0" b="0"/>
+      </a:effectRef>
+      <a:fontRef idx="minor"/>
+    </dgm:style>
+  </dgm:styleLbl>
+  <dgm:styleLbl name="revTx">
+    <dgm:scene3d>
+      <a:camera prst="orthographicFront"/>
+      <a:lightRig rig="threePt" dir="t"/>
+    </dgm:scene3d>
+    <dgm:sp3d/>
+    <dgm:txPr/>
+    <dgm:style>
+      <a:lnRef idx="0">
+        <a:scrgbClr r="0" g="0" b="0"/>
+      </a:lnRef>
+      <a:fillRef idx="0">
+        <a:scrgbClr r="0" g="0" b="0"/>
+      </a:fillRef>
+      <a:effectRef idx="0">
+        <a:scrgbClr r="0" g="0" b="0"/>
+      </a:effectRef>
+      <a:fontRef idx="minor"/>
+    </dgm:style>
+  </dgm:styleLbl>
+</dgm:styleDef>
+</file>
+
 <file path=ppt/notesMasters/notesMaster1.xml><?xml version="1.0" encoding="utf-8"?>
 <p:notesMaster xmlns:a="http://schemas.openxmlformats.org/drawingml/2006/main" xmlns:r="http://schemas.openxmlformats.org/officeDocument/2006/relationships" xmlns:p="http://schemas.openxmlformats.org/presentationml/2006/main">
   <p:cSld>
@@ -238,7 +3278,7 @@
             <a:fld id="{EFC10EE1-B198-C942-8235-326C972CBB30}" type="datetimeFigureOut">
               <a:rPr lang="en-US" smtClean="0"/>
               <a:pPr/>
-              <a:t>9/18/2021</a:t>
+              <a:t>9/25/2021</a:t>
             </a:fld>
             <a:endParaRPr lang="en-US" dirty="0"/>
           </a:p>
@@ -669,7 +3709,7 @@
     </p:spTree>
     <p:extLst>
       <p:ext uri="{BB962C8B-B14F-4D97-AF65-F5344CB8AC3E}">
-        <p14:creationId xmlns:p14="http://schemas.microsoft.com/office/powerpoint/2010/main" val="337953277"/>
+        <p14:creationId xmlns:p14="http://schemas.microsoft.com/office/powerpoint/2010/main" val="1949034771"/>
       </p:ext>
     </p:extLst>
   </p:cSld>
@@ -742,10 +3782,94 @@
           <a:bodyPr/>
           <a:lstStyle/>
           <a:p>
+            <a:fld id="{0ED8A9B0-80EF-A34D-B345-E2DEC5501E01}" type="slidenum">
+              <a:rPr lang="en-US" smtClean="0"/>
+              <a:t>13</a:t>
+            </a:fld>
+            <a:endParaRPr lang="en-US"/>
+          </a:p>
+        </p:txBody>
+      </p:sp>
+    </p:spTree>
+    <p:extLst>
+      <p:ext uri="{BB962C8B-B14F-4D97-AF65-F5344CB8AC3E}">
+        <p14:creationId xmlns:p14="http://schemas.microsoft.com/office/powerpoint/2010/main" val="337953277"/>
+      </p:ext>
+    </p:extLst>
+  </p:cSld>
+  <p:clrMapOvr>
+    <a:masterClrMapping/>
+  </p:clrMapOvr>
+</p:notes>
+</file>
+
+<file path=ppt/notesSlides/notesSlide12.xml><?xml version="1.0" encoding="utf-8"?>
+<p:notes xmlns:a="http://schemas.openxmlformats.org/drawingml/2006/main" xmlns:r="http://schemas.openxmlformats.org/officeDocument/2006/relationships" xmlns:p="http://schemas.openxmlformats.org/presentationml/2006/main">
+  <p:cSld>
+    <p:spTree>
+      <p:nvGrpSpPr>
+        <p:cNvPr id="1" name=""/>
+        <p:cNvGrpSpPr/>
+        <p:nvPr/>
+      </p:nvGrpSpPr>
+      <p:grpSpPr>
+        <a:xfrm>
+          <a:off x="0" y="0"/>
+          <a:ext cx="0" cy="0"/>
+          <a:chOff x="0" y="0"/>
+          <a:chExt cx="0" cy="0"/>
+        </a:xfrm>
+      </p:grpSpPr>
+      <p:sp>
+        <p:nvSpPr>
+          <p:cNvPr id="2" name="Slide Image Placeholder 1"/>
+          <p:cNvSpPr>
+            <a:spLocks noGrp="1" noRot="1" noChangeAspect="1"/>
+          </p:cNvSpPr>
+          <p:nvPr>
+            <p:ph type="sldImg"/>
+          </p:nvPr>
+        </p:nvSpPr>
+        <p:spPr/>
+      </p:sp>
+      <p:sp>
+        <p:nvSpPr>
+          <p:cNvPr id="3" name="Notes Placeholder 2"/>
+          <p:cNvSpPr>
+            <a:spLocks noGrp="1"/>
+          </p:cNvSpPr>
+          <p:nvPr>
+            <p:ph type="body" idx="1"/>
+          </p:nvPr>
+        </p:nvSpPr>
+        <p:spPr/>
+        <p:txBody>
+          <a:bodyPr/>
+          <a:lstStyle/>
+          <a:p>
+            <a:endParaRPr lang="en-US" dirty="0"/>
+          </a:p>
+        </p:txBody>
+      </p:sp>
+      <p:sp>
+        <p:nvSpPr>
+          <p:cNvPr id="4" name="Slide Number Placeholder 3"/>
+          <p:cNvSpPr>
+            <a:spLocks noGrp="1"/>
+          </p:cNvSpPr>
+          <p:nvPr>
+            <p:ph type="sldNum" sz="quarter" idx="10"/>
+          </p:nvPr>
+        </p:nvSpPr>
+        <p:spPr/>
+        <p:txBody>
+          <a:bodyPr/>
+          <a:lstStyle/>
+          <a:p>
             <a:fld id="{006BE02D-20C0-F840-AFAC-BEA99C74FDC2}" type="slidenum">
               <a:rPr lang="en-US" smtClean="0"/>
               <a:pPr/>
-              <a:t>13</a:t>
+              <a:t>14</a:t>
             </a:fld>
             <a:endParaRPr lang="en-US" dirty="0"/>
           </a:p>
@@ -1258,7 +4382,7 @@
     </p:spTree>
     <p:extLst>
       <p:ext uri="{BB962C8B-B14F-4D97-AF65-F5344CB8AC3E}">
-        <p14:creationId xmlns:p14="http://schemas.microsoft.com/office/powerpoint/2010/main" val="3452157485"/>
+        <p14:creationId xmlns:p14="http://schemas.microsoft.com/office/powerpoint/2010/main" val="2488922908"/>
       </p:ext>
     </p:extLst>
   </p:cSld>
@@ -1342,7 +4466,7 @@
     </p:spTree>
     <p:extLst>
       <p:ext uri="{BB962C8B-B14F-4D97-AF65-F5344CB8AC3E}">
-        <p14:creationId xmlns:p14="http://schemas.microsoft.com/office/powerpoint/2010/main" val="4268067241"/>
+        <p14:creationId xmlns:p14="http://schemas.microsoft.com/office/powerpoint/2010/main" val="3452157485"/>
       </p:ext>
     </p:extLst>
   </p:cSld>
@@ -1426,7 +4550,7 @@
     </p:spTree>
     <p:extLst>
       <p:ext uri="{BB962C8B-B14F-4D97-AF65-F5344CB8AC3E}">
-        <p14:creationId xmlns:p14="http://schemas.microsoft.com/office/powerpoint/2010/main" val="1949034771"/>
+        <p14:creationId xmlns:p14="http://schemas.microsoft.com/office/powerpoint/2010/main" val="4268067241"/>
       </p:ext>
     </p:extLst>
   </p:cSld>
@@ -2588,8 +5712,8 @@
         </p:nvSpPr>
         <p:spPr>
           <a:xfrm>
-            <a:off x="1867448" y="5604531"/>
-            <a:ext cx="21595802" cy="2215991"/>
+            <a:off x="2781848" y="5750004"/>
+            <a:ext cx="20611713" cy="2215991"/>
           </a:xfrm>
           <a:prstGeom prst="rect">
             <a:avLst/>
@@ -2611,7 +5735,7 @@
                 <a:ea typeface="Playfair Display SC" charset="0"/>
                 <a:cs typeface="Times New Roman" panose="02020603050405020304" pitchFamily="18" charset="0"/>
               </a:rPr>
-              <a:t>Text Classification</a:t>
+              <a:t>NLP Classification</a:t>
             </a:r>
           </a:p>
         </p:txBody>
@@ -2638,6 +5762,201 @@
 </file>
 
 <file path=ppt/slides/slide10.xml><?xml version="1.0" encoding="utf-8"?>
+<p:sld xmlns:a="http://schemas.openxmlformats.org/drawingml/2006/main" xmlns:r="http://schemas.openxmlformats.org/officeDocument/2006/relationships" xmlns:p="http://schemas.openxmlformats.org/presentationml/2006/main" showMasterSp="0">
+  <p:cSld>
+    <p:spTree>
+      <p:nvGrpSpPr>
+        <p:cNvPr id="1" name=""/>
+        <p:cNvGrpSpPr/>
+        <p:nvPr/>
+      </p:nvGrpSpPr>
+      <p:grpSpPr>
+        <a:xfrm>
+          <a:off x="0" y="0"/>
+          <a:ext cx="0" cy="0"/>
+          <a:chOff x="0" y="0"/>
+          <a:chExt cx="0" cy="0"/>
+        </a:xfrm>
+      </p:grpSpPr>
+      <p:pic>
+        <p:nvPicPr>
+          <p:cNvPr id="3074" name="Picture 2">
+            <a:extLst>
+              <a:ext uri="{FF2B5EF4-FFF2-40B4-BE49-F238E27FC236}">
+                <a16:creationId xmlns:a16="http://schemas.microsoft.com/office/drawing/2014/main" id="{24275F80-AB8B-43C1-A2BC-69A3E23DCCC2}"/>
+              </a:ext>
+            </a:extLst>
+          </p:cNvPr>
+          <p:cNvPicPr>
+            <a:picLocks noChangeAspect="1" noChangeArrowheads="1"/>
+          </p:cNvPicPr>
+          <p:nvPr/>
+        </p:nvPicPr>
+        <p:blipFill>
+          <a:blip r:embed="rId3">
+            <a:extLst>
+              <a:ext uri="{28A0092B-C50C-407E-A947-70E740481C1C}">
+                <a14:useLocalDpi xmlns:a14="http://schemas.microsoft.com/office/drawing/2010/main" val="0"/>
+              </a:ext>
+            </a:extLst>
+          </a:blip>
+          <a:srcRect/>
+          <a:stretch>
+            <a:fillRect/>
+          </a:stretch>
+        </p:blipFill>
+        <p:spPr bwMode="auto">
+          <a:xfrm>
+            <a:off x="5367875" y="1274503"/>
+            <a:ext cx="12494824" cy="10666314"/>
+          </a:xfrm>
+          <a:prstGeom prst="rect">
+            <a:avLst/>
+          </a:prstGeom>
+          <a:noFill/>
+          <a:extLst>
+            <a:ext uri="{909E8E84-426E-40DD-AFC4-6F175D3DCCD1}">
+              <a14:hiddenFill xmlns:a14="http://schemas.microsoft.com/office/drawing/2010/main">
+                <a:solidFill>
+                  <a:srgbClr val="FFFFFF"/>
+                </a:solidFill>
+              </a14:hiddenFill>
+            </a:ext>
+          </a:extLst>
+        </p:spPr>
+      </p:pic>
+      <p:sp>
+        <p:nvSpPr>
+          <p:cNvPr id="16" name="TextBox 15">
+            <a:extLst>
+              <a:ext uri="{FF2B5EF4-FFF2-40B4-BE49-F238E27FC236}">
+                <a16:creationId xmlns:a16="http://schemas.microsoft.com/office/drawing/2014/main" id="{B4C61923-1C29-440E-A263-A17E9059A441}"/>
+              </a:ext>
+            </a:extLst>
+          </p:cNvPr>
+          <p:cNvSpPr txBox="1"/>
+          <p:nvPr/>
+        </p:nvSpPr>
+        <p:spPr>
+          <a:xfrm>
+            <a:off x="742674" y="258840"/>
+            <a:ext cx="14324144" cy="1015663"/>
+          </a:xfrm>
+          <a:prstGeom prst="rect">
+            <a:avLst/>
+          </a:prstGeom>
+          <a:noFill/>
+        </p:spPr>
+        <p:txBody>
+          <a:bodyPr wrap="square" rtlCol="0">
+            <a:spAutoFit/>
+          </a:bodyPr>
+          <a:lstStyle/>
+          <a:p>
+            <a:r>
+              <a:rPr lang="en-US" sz="6000" b="1" spc="600" dirty="0">
+                <a:solidFill>
+                  <a:schemeClr val="tx2"/>
+                </a:solidFill>
+                <a:latin typeface="Playfair Display SC" charset="0"/>
+                <a:ea typeface="Playfair Display SC" charset="0"/>
+                <a:cs typeface="Playfair Display SC" charset="0"/>
+              </a:rPr>
+              <a:t>Final Model Performance</a:t>
+            </a:r>
+          </a:p>
+        </p:txBody>
+      </p:sp>
+      <p:sp>
+        <p:nvSpPr>
+          <p:cNvPr id="17" name="Rectangle 16">
+            <a:extLst>
+              <a:ext uri="{FF2B5EF4-FFF2-40B4-BE49-F238E27FC236}">
+                <a16:creationId xmlns:a16="http://schemas.microsoft.com/office/drawing/2014/main" id="{624E626F-1C88-48E9-B0FC-B672A01223C5}"/>
+              </a:ext>
+            </a:extLst>
+          </p:cNvPr>
+          <p:cNvSpPr/>
+          <p:nvPr/>
+        </p:nvSpPr>
+        <p:spPr>
+          <a:xfrm>
+            <a:off x="0" y="12448309"/>
+            <a:ext cx="24377650" cy="1267691"/>
+          </a:xfrm>
+          <a:prstGeom prst="rect">
+            <a:avLst/>
+          </a:prstGeom>
+          <a:gradFill>
+            <a:gsLst>
+              <a:gs pos="0">
+                <a:schemeClr val="accent2">
+                  <a:lumMod val="89000"/>
+                </a:schemeClr>
+              </a:gs>
+              <a:gs pos="23000">
+                <a:schemeClr val="accent2">
+                  <a:lumMod val="89000"/>
+                </a:schemeClr>
+              </a:gs>
+              <a:gs pos="69000">
+                <a:schemeClr val="accent2">
+                  <a:lumMod val="75000"/>
+                </a:schemeClr>
+              </a:gs>
+              <a:gs pos="97000">
+                <a:schemeClr val="accent2">
+                  <a:lumMod val="70000"/>
+                </a:schemeClr>
+              </a:gs>
+            </a:gsLst>
+            <a:path path="circle">
+              <a:fillToRect l="50000" t="50000" r="50000" b="50000"/>
+            </a:path>
+          </a:gradFill>
+          <a:ln>
+            <a:noFill/>
+          </a:ln>
+        </p:spPr>
+        <p:style>
+          <a:lnRef idx="2">
+            <a:schemeClr val="accent1">
+              <a:shade val="50000"/>
+            </a:schemeClr>
+          </a:lnRef>
+          <a:fillRef idx="1">
+            <a:schemeClr val="accent1"/>
+          </a:fillRef>
+          <a:effectRef idx="0">
+            <a:schemeClr val="accent1"/>
+          </a:effectRef>
+          <a:fontRef idx="minor">
+            <a:schemeClr val="lt1"/>
+          </a:fontRef>
+        </p:style>
+        <p:txBody>
+          <a:bodyPr rtlCol="0" anchor="ctr"/>
+          <a:lstStyle/>
+          <a:p>
+            <a:pPr algn="ctr"/>
+            <a:endParaRPr lang="en-SG"/>
+          </a:p>
+        </p:txBody>
+      </p:sp>
+    </p:spTree>
+    <p:extLst>
+      <p:ext uri="{BB962C8B-B14F-4D97-AF65-F5344CB8AC3E}">
+        <p14:creationId xmlns:p14="http://schemas.microsoft.com/office/powerpoint/2010/main" val="2334645593"/>
+      </p:ext>
+    </p:extLst>
+  </p:cSld>
+  <p:clrMapOvr>
+    <a:masterClrMapping/>
+  </p:clrMapOvr>
+</p:sld>
+</file>
+
+<file path=ppt/slides/slide11.xml><?xml version="1.0" encoding="utf-8"?>
 <p:sld xmlns:a="http://schemas.openxmlformats.org/drawingml/2006/main" xmlns:r="http://schemas.openxmlformats.org/officeDocument/2006/relationships" xmlns:p="http://schemas.openxmlformats.org/presentationml/2006/main" showMasterSp="0">
   <p:cSld>
     <p:spTree>
@@ -2904,7 +6223,7 @@
 </p:sld>
 </file>
 
-<file path=ppt/slides/slide11.xml><?xml version="1.0" encoding="utf-8"?>
+<file path=ppt/slides/slide12.xml><?xml version="1.0" encoding="utf-8"?>
 <p:sld xmlns:a="http://schemas.openxmlformats.org/drawingml/2006/main" xmlns:r="http://schemas.openxmlformats.org/officeDocument/2006/relationships" xmlns:p="http://schemas.openxmlformats.org/presentationml/2006/main" showMasterSp="0">
   <p:cSld>
     <p:spTree>
@@ -3294,7 +6613,7 @@
 </p:sld>
 </file>
 
-<file path=ppt/slides/slide12.xml><?xml version="1.0" encoding="utf-8"?>
+<file path=ppt/slides/slide13.xml><?xml version="1.0" encoding="utf-8"?>
 <p:sld xmlns:a="http://schemas.openxmlformats.org/drawingml/2006/main" xmlns:r="http://schemas.openxmlformats.org/officeDocument/2006/relationships" xmlns:p="http://schemas.openxmlformats.org/presentationml/2006/main" showMasterSp="0">
   <p:cSld>
     <p:spTree>
@@ -3393,7 +6712,7 @@
                 <a:latin typeface="Times New Roman" panose="02020603050405020304" pitchFamily="18" charset="0"/>
                 <a:cs typeface="Times New Roman" panose="02020603050405020304" pitchFamily="18" charset="0"/>
               </a:rPr>
-              <a:t>Best performing model with F-score of 0.93.</a:t>
+              <a:t>Best performing model with F-score of 93%.</a:t>
             </a:r>
           </a:p>
           <a:p>
@@ -3442,7 +6761,7 @@
                 <a:latin typeface="Times New Roman" panose="02020603050405020304" pitchFamily="18" charset="0"/>
                 <a:cs typeface="Times New Roman" panose="02020603050405020304" pitchFamily="18" charset="0"/>
               </a:rPr>
-              <a:t>Implement Topic modelling Feature to understand the topics of a given text. </a:t>
+              <a:t>Implement Topic modelling to understand the topics of a given text. </a:t>
             </a:r>
             <a:endParaRPr lang="en-SG" sz="5400" dirty="0">
               <a:solidFill>
@@ -3543,7 +6862,7 @@
 </p:sld>
 </file>
 
-<file path=ppt/slides/slide13.xml><?xml version="1.0" encoding="utf-8"?>
+<file path=ppt/slides/slide14.xml><?xml version="1.0" encoding="utf-8"?>
 <p:sld xmlns:a="http://schemas.openxmlformats.org/drawingml/2006/main" xmlns:r="http://schemas.openxmlformats.org/officeDocument/2006/relationships" xmlns:p="http://schemas.openxmlformats.org/presentationml/2006/main" showMasterSp="0">
   <p:cSld>
     <p:spTree>
@@ -3652,55 +6971,6 @@
           <a:chExt cx="0" cy="0"/>
         </a:xfrm>
       </p:grpSpPr>
-      <p:pic>
-        <p:nvPicPr>
-          <p:cNvPr id="1026" name="Picture 2" descr="03 Convert to black and white">
-            <a:extLst>
-              <a:ext uri="{FF2B5EF4-FFF2-40B4-BE49-F238E27FC236}">
-                <a16:creationId xmlns:a16="http://schemas.microsoft.com/office/drawing/2014/main" id="{E2ED0697-7F4B-4AB2-9357-FA7BEBCC863C}"/>
-              </a:ext>
-            </a:extLst>
-          </p:cNvPr>
-          <p:cNvPicPr>
-            <a:picLocks noGrp="1" noChangeAspect="1" noChangeArrowheads="1"/>
-          </p:cNvPicPr>
-          <p:nvPr>
-            <p:ph type="pic" sz="quarter" idx="10"/>
-          </p:nvPr>
-        </p:nvPicPr>
-        <p:blipFill>
-          <a:blip r:embed="rId2">
-            <a:extLst>
-              <a:ext uri="{28A0092B-C50C-407E-A947-70E740481C1C}">
-                <a14:useLocalDpi xmlns:a14="http://schemas.microsoft.com/office/drawing/2010/main" val="0"/>
-              </a:ext>
-            </a:extLst>
-          </a:blip>
-          <a:srcRect l="2913" r="2913"/>
-          <a:stretch>
-            <a:fillRect/>
-          </a:stretch>
-        </p:blipFill>
-        <p:spPr bwMode="auto">
-          <a:xfrm>
-            <a:off x="0" y="0"/>
-            <a:ext cx="10591800" cy="13715999"/>
-          </a:xfrm>
-          <a:prstGeom prst="rect">
-            <a:avLst/>
-          </a:prstGeom>
-          <a:noFill/>
-          <a:extLst>
-            <a:ext uri="{909E8E84-426E-40DD-AFC4-6F175D3DCCD1}">
-              <a14:hiddenFill xmlns:a14="http://schemas.microsoft.com/office/drawing/2010/main">
-                <a:solidFill>
-                  <a:srgbClr val="FFFFFF"/>
-                </a:solidFill>
-              </a14:hiddenFill>
-            </a:ext>
-          </a:extLst>
-        </p:spPr>
-      </p:pic>
       <p:sp>
         <p:nvSpPr>
           <p:cNvPr id="13" name="TextBox 12">
@@ -3715,8 +6985,8 @@
         </p:nvSpPr>
         <p:spPr>
           <a:xfrm>
-            <a:off x="14019768" y="2484447"/>
-            <a:ext cx="8769504" cy="10064294"/>
+            <a:off x="14019768" y="1736301"/>
+            <a:ext cx="8769504" cy="11172289"/>
           </a:xfrm>
           <a:prstGeom prst="rect">
             <a:avLst/>
@@ -3862,7 +7132,49 @@
                 <a:ea typeface="Playfair Display SC" charset="0"/>
                 <a:cs typeface="Times New Roman" panose="02020603050405020304" pitchFamily="18" charset="0"/>
               </a:rPr>
-              <a:t>Model Fitting &amp; Selection</a:t>
+              <a:t>Model </a:t>
+            </a:r>
+            <a:r>
+              <a:rPr lang="en-US" spc="600" dirty="0">
+                <a:solidFill>
+                  <a:schemeClr val="tx2"/>
+                </a:solidFill>
+                <a:latin typeface="Times New Roman" panose="02020603050405020304" pitchFamily="18" charset="0"/>
+                <a:ea typeface="Playfair Display SC" charset="0"/>
+                <a:cs typeface="Times New Roman" panose="02020603050405020304" pitchFamily="18" charset="0"/>
+              </a:rPr>
+              <a:t>Building Process</a:t>
+            </a:r>
+          </a:p>
+          <a:p>
+            <a:pPr marL="742950" indent="-742950">
+              <a:buFont typeface="+mj-lt"/>
+              <a:buAutoNum type="arabicPeriod"/>
+            </a:pPr>
+            <a:endParaRPr lang="en-US" sz="3600" spc="600" dirty="0">
+              <a:solidFill>
+                <a:schemeClr val="tx2"/>
+              </a:solidFill>
+              <a:latin typeface="Times New Roman" panose="02020603050405020304" pitchFamily="18" charset="0"/>
+              <a:ea typeface="Playfair Display SC" charset="0"/>
+              <a:cs typeface="Times New Roman" panose="02020603050405020304" pitchFamily="18" charset="0"/>
+            </a:endParaRPr>
+          </a:p>
+          <a:p>
+            <a:pPr marL="742950" indent="-742950">
+              <a:buFont typeface="+mj-lt"/>
+              <a:buAutoNum type="arabicPeriod"/>
+            </a:pPr>
+            <a:r>
+              <a:rPr lang="en-US" sz="3600" spc="600" dirty="0">
+                <a:solidFill>
+                  <a:schemeClr val="tx2"/>
+                </a:solidFill>
+                <a:latin typeface="Times New Roman" panose="02020603050405020304" pitchFamily="18" charset="0"/>
+                <a:ea typeface="Playfair Display SC" charset="0"/>
+                <a:cs typeface="Times New Roman" panose="02020603050405020304" pitchFamily="18" charset="0"/>
+              </a:rPr>
+              <a:t>Model Selection</a:t>
             </a:r>
           </a:p>
           <a:p>
@@ -3974,328 +7286,6 @@
             <a:extLst>
               <a:ext uri="{FF2B5EF4-FFF2-40B4-BE49-F238E27FC236}">
                 <a16:creationId xmlns:a16="http://schemas.microsoft.com/office/drawing/2014/main" id="{7B3F534F-E8DF-4D51-89F7-FF0CDE460537}"/>
-              </a:ext>
-            </a:extLst>
-          </p:cNvPr>
-          <p:cNvSpPr/>
-          <p:nvPr/>
-        </p:nvSpPr>
-        <p:spPr>
-          <a:xfrm>
-            <a:off x="10591800" y="12448309"/>
-            <a:ext cx="13785850" cy="1267691"/>
-          </a:xfrm>
-          <a:prstGeom prst="rect">
-            <a:avLst/>
-          </a:prstGeom>
-          <a:gradFill>
-            <a:gsLst>
-              <a:gs pos="0">
-                <a:schemeClr val="accent2">
-                  <a:lumMod val="89000"/>
-                </a:schemeClr>
-              </a:gs>
-              <a:gs pos="23000">
-                <a:schemeClr val="accent2">
-                  <a:lumMod val="89000"/>
-                </a:schemeClr>
-              </a:gs>
-              <a:gs pos="69000">
-                <a:schemeClr val="accent2">
-                  <a:lumMod val="75000"/>
-                </a:schemeClr>
-              </a:gs>
-              <a:gs pos="97000">
-                <a:schemeClr val="accent2">
-                  <a:lumMod val="70000"/>
-                </a:schemeClr>
-              </a:gs>
-            </a:gsLst>
-            <a:path path="circle">
-              <a:fillToRect l="50000" t="50000" r="50000" b="50000"/>
-            </a:path>
-          </a:gradFill>
-          <a:ln>
-            <a:noFill/>
-          </a:ln>
-        </p:spPr>
-        <p:style>
-          <a:lnRef idx="2">
-            <a:schemeClr val="accent1">
-              <a:shade val="50000"/>
-            </a:schemeClr>
-          </a:lnRef>
-          <a:fillRef idx="1">
-            <a:schemeClr val="accent1"/>
-          </a:fillRef>
-          <a:effectRef idx="0">
-            <a:schemeClr val="accent1"/>
-          </a:effectRef>
-          <a:fontRef idx="minor">
-            <a:schemeClr val="lt1"/>
-          </a:fontRef>
-        </p:style>
-        <p:txBody>
-          <a:bodyPr rtlCol="0" anchor="ctr"/>
-          <a:lstStyle/>
-          <a:p>
-            <a:pPr algn="ctr"/>
-            <a:endParaRPr lang="en-SG"/>
-          </a:p>
-        </p:txBody>
-      </p:sp>
-    </p:spTree>
-    <p:extLst>
-      <p:ext uri="{BB962C8B-B14F-4D97-AF65-F5344CB8AC3E}">
-        <p14:creationId xmlns:p14="http://schemas.microsoft.com/office/powerpoint/2010/main" val="1518260757"/>
-      </p:ext>
-    </p:extLst>
-  </p:cSld>
-  <p:clrMapOvr>
-    <a:masterClrMapping/>
-  </p:clrMapOvr>
-</p:sld>
-</file>
-
-<file path=ppt/slides/slide3.xml><?xml version="1.0" encoding="utf-8"?>
-<p:sld xmlns:a="http://schemas.openxmlformats.org/drawingml/2006/main" xmlns:r="http://schemas.openxmlformats.org/officeDocument/2006/relationships" xmlns:p="http://schemas.openxmlformats.org/presentationml/2006/main" showMasterSp="0">
-  <p:cSld>
-    <p:spTree>
-      <p:nvGrpSpPr>
-        <p:cNvPr id="1" name=""/>
-        <p:cNvGrpSpPr/>
-        <p:nvPr/>
-      </p:nvGrpSpPr>
-      <p:grpSpPr>
-        <a:xfrm>
-          <a:off x="0" y="0"/>
-          <a:ext cx="0" cy="0"/>
-          <a:chOff x="0" y="0"/>
-          <a:chExt cx="0" cy="0"/>
-        </a:xfrm>
-      </p:grpSpPr>
-      <p:sp>
-        <p:nvSpPr>
-          <p:cNvPr id="15" name="TextBox 14"/>
-          <p:cNvSpPr txBox="1"/>
-          <p:nvPr/>
-        </p:nvSpPr>
-        <p:spPr>
-          <a:xfrm>
-            <a:off x="1348632" y="3149484"/>
-            <a:ext cx="21749303" cy="2740750"/>
-          </a:xfrm>
-          <a:prstGeom prst="rect">
-            <a:avLst/>
-          </a:prstGeom>
-          <a:noFill/>
-        </p:spPr>
-        <p:txBody>
-          <a:bodyPr wrap="square" rtlCol="0">
-            <a:spAutoFit/>
-          </a:bodyPr>
-          <a:lstStyle/>
-          <a:p>
-            <a:pPr algn="just">
-              <a:lnSpc>
-                <a:spcPct val="150000"/>
-              </a:lnSpc>
-            </a:pPr>
-            <a:r>
-              <a:rPr lang="en-US" sz="4000" dirty="0">
-                <a:solidFill>
-                  <a:schemeClr val="tx2"/>
-                </a:solidFill>
-                <a:latin typeface="Times New Roman" panose="02020603050405020304" pitchFamily="18" charset="0"/>
-                <a:ea typeface="Verdana" panose="020B0604030504040204" pitchFamily="34" charset="0"/>
-                <a:cs typeface="Times New Roman" panose="02020603050405020304" pitchFamily="18" charset="0"/>
-              </a:rPr>
-              <a:t>Our company wants to develop an NLP app that can distinguish between news and normal chat. For developing the app, train a classification model which will predict between subreddits </a:t>
-            </a:r>
-            <a:r>
-              <a:rPr lang="en-US" sz="4000" dirty="0" err="1">
-                <a:solidFill>
-                  <a:schemeClr val="tx2"/>
-                </a:solidFill>
-                <a:latin typeface="Times New Roman" panose="02020603050405020304" pitchFamily="18" charset="0"/>
-                <a:ea typeface="Verdana" panose="020B0604030504040204" pitchFamily="34" charset="0"/>
-                <a:cs typeface="Times New Roman" panose="02020603050405020304" pitchFamily="18" charset="0"/>
-              </a:rPr>
-              <a:t>WorldNews</a:t>
-            </a:r>
-            <a:r>
-              <a:rPr lang="en-US" sz="4000" dirty="0">
-                <a:solidFill>
-                  <a:schemeClr val="tx2"/>
-                </a:solidFill>
-                <a:latin typeface="Times New Roman" panose="02020603050405020304" pitchFamily="18" charset="0"/>
-                <a:ea typeface="Verdana" panose="020B0604030504040204" pitchFamily="34" charset="0"/>
-                <a:cs typeface="Times New Roman" panose="02020603050405020304" pitchFamily="18" charset="0"/>
-              </a:rPr>
-              <a:t> and </a:t>
-            </a:r>
-            <a:r>
-              <a:rPr lang="en-US" sz="4000" dirty="0" err="1">
-                <a:solidFill>
-                  <a:schemeClr val="tx2"/>
-                </a:solidFill>
-                <a:latin typeface="Times New Roman" panose="02020603050405020304" pitchFamily="18" charset="0"/>
-                <a:ea typeface="Verdana" panose="020B0604030504040204" pitchFamily="34" charset="0"/>
-                <a:cs typeface="Times New Roman" panose="02020603050405020304" pitchFamily="18" charset="0"/>
-              </a:rPr>
-              <a:t>CasualConversation</a:t>
-            </a:r>
-            <a:r>
-              <a:rPr lang="en-US" sz="4000" dirty="0">
-                <a:solidFill>
-                  <a:schemeClr val="tx2"/>
-                </a:solidFill>
-                <a:latin typeface="Times New Roman" panose="02020603050405020304" pitchFamily="18" charset="0"/>
-                <a:ea typeface="Verdana" panose="020B0604030504040204" pitchFamily="34" charset="0"/>
-                <a:cs typeface="Times New Roman" panose="02020603050405020304" pitchFamily="18" charset="0"/>
-              </a:rPr>
-              <a:t> for a given text.</a:t>
-            </a:r>
-          </a:p>
-        </p:txBody>
-      </p:sp>
-      <p:sp>
-        <p:nvSpPr>
-          <p:cNvPr id="10" name="TextBox 9">
-            <a:extLst>
-              <a:ext uri="{FF2B5EF4-FFF2-40B4-BE49-F238E27FC236}">
-                <a16:creationId xmlns:a16="http://schemas.microsoft.com/office/drawing/2014/main" id="{0879EECB-8156-422F-AD41-3371CAB3084D}"/>
-              </a:ext>
-            </a:extLst>
-          </p:cNvPr>
-          <p:cNvSpPr txBox="1"/>
-          <p:nvPr/>
-        </p:nvSpPr>
-        <p:spPr>
-          <a:xfrm>
-            <a:off x="1348632" y="8851391"/>
-            <a:ext cx="21749303" cy="905056"/>
-          </a:xfrm>
-          <a:prstGeom prst="rect">
-            <a:avLst/>
-          </a:prstGeom>
-          <a:noFill/>
-        </p:spPr>
-        <p:txBody>
-          <a:bodyPr wrap="square" rtlCol="0">
-            <a:spAutoFit/>
-          </a:bodyPr>
-          <a:lstStyle/>
-          <a:p>
-            <a:pPr algn="just">
-              <a:lnSpc>
-                <a:spcPct val="150000"/>
-              </a:lnSpc>
-            </a:pPr>
-            <a:r>
-              <a:rPr lang="en-US" sz="4000" dirty="0">
-                <a:solidFill>
-                  <a:schemeClr val="tx2"/>
-                </a:solidFill>
-                <a:latin typeface="Times New Roman" panose="02020603050405020304" pitchFamily="18" charset="0"/>
-                <a:ea typeface="Verdana" panose="020B0604030504040204" pitchFamily="34" charset="0"/>
-                <a:cs typeface="Times New Roman" panose="02020603050405020304" pitchFamily="18" charset="0"/>
-              </a:rPr>
-              <a:t>Data scientist colleague</a:t>
-            </a:r>
-          </a:p>
-        </p:txBody>
-      </p:sp>
-      <p:sp>
-        <p:nvSpPr>
-          <p:cNvPr id="11" name="TextBox 10">
-            <a:extLst>
-              <a:ext uri="{FF2B5EF4-FFF2-40B4-BE49-F238E27FC236}">
-                <a16:creationId xmlns:a16="http://schemas.microsoft.com/office/drawing/2014/main" id="{D4B03E17-0A74-43BA-8870-AC85320B4CCE}"/>
-              </a:ext>
-            </a:extLst>
-          </p:cNvPr>
-          <p:cNvSpPr txBox="1"/>
-          <p:nvPr/>
-        </p:nvSpPr>
-        <p:spPr>
-          <a:xfrm>
-            <a:off x="1203159" y="1038715"/>
-            <a:ext cx="10591800" cy="1015663"/>
-          </a:xfrm>
-          <a:prstGeom prst="rect">
-            <a:avLst/>
-          </a:prstGeom>
-          <a:noFill/>
-        </p:spPr>
-        <p:txBody>
-          <a:bodyPr wrap="square" rtlCol="0">
-            <a:spAutoFit/>
-          </a:bodyPr>
-          <a:lstStyle/>
-          <a:p>
-            <a:r>
-              <a:rPr lang="en-US" sz="6000" b="1" spc="600" dirty="0">
-                <a:solidFill>
-                  <a:schemeClr val="tx2"/>
-                </a:solidFill>
-                <a:latin typeface="Playfair Display SC" charset="0"/>
-                <a:ea typeface="Playfair Display SC" charset="0"/>
-                <a:cs typeface="Playfair Display SC" charset="0"/>
-              </a:rPr>
-              <a:t>Problem statement</a:t>
-            </a:r>
-          </a:p>
-        </p:txBody>
-      </p:sp>
-      <p:sp>
-        <p:nvSpPr>
-          <p:cNvPr id="13" name="TextBox 12">
-            <a:extLst>
-              <a:ext uri="{FF2B5EF4-FFF2-40B4-BE49-F238E27FC236}">
-                <a16:creationId xmlns:a16="http://schemas.microsoft.com/office/drawing/2014/main" id="{52D7584A-6A7F-4FE7-A8DA-EA11727C914D}"/>
-              </a:ext>
-            </a:extLst>
-          </p:cNvPr>
-          <p:cNvSpPr txBox="1"/>
-          <p:nvPr/>
-        </p:nvSpPr>
-        <p:spPr>
-          <a:xfrm>
-            <a:off x="1348632" y="7313403"/>
-            <a:ext cx="10591800" cy="1015663"/>
-          </a:xfrm>
-          <a:prstGeom prst="rect">
-            <a:avLst/>
-          </a:prstGeom>
-          <a:noFill/>
-        </p:spPr>
-        <p:txBody>
-          <a:bodyPr wrap="square" rtlCol="0">
-            <a:spAutoFit/>
-          </a:bodyPr>
-          <a:lstStyle/>
-          <a:p>
-            <a:r>
-              <a:rPr lang="en-US" sz="6000" b="1" spc="600" dirty="0">
-                <a:solidFill>
-                  <a:schemeClr val="tx2"/>
-                </a:solidFill>
-                <a:latin typeface="Playfair Display SC" charset="0"/>
-                <a:ea typeface="Playfair Display SC" charset="0"/>
-                <a:cs typeface="Playfair Display SC" charset="0"/>
-              </a:rPr>
-              <a:t>audience</a:t>
-            </a:r>
-          </a:p>
-        </p:txBody>
-      </p:sp>
-      <p:sp>
-        <p:nvSpPr>
-          <p:cNvPr id="6" name="Rectangle 5">
-            <a:extLst>
-              <a:ext uri="{FF2B5EF4-FFF2-40B4-BE49-F238E27FC236}">
-                <a16:creationId xmlns:a16="http://schemas.microsoft.com/office/drawing/2014/main" id="{2A05C8BC-7D39-48D8-9F0C-A6A805B1DEDA}"/>
               </a:ext>
             </a:extLst>
           </p:cNvPr>
@@ -4366,10 +7356,57 @@
           </a:p>
         </p:txBody>
       </p:sp>
+      <p:pic>
+        <p:nvPicPr>
+          <p:cNvPr id="3" name="Picture 2" descr="Chalk Drawing of the Human Stock Footage Video (100% Royalty-free)  1059475634 | Shutterstock">
+            <a:extLst>
+              <a:ext uri="{FF2B5EF4-FFF2-40B4-BE49-F238E27FC236}">
+                <a16:creationId xmlns:a16="http://schemas.microsoft.com/office/drawing/2014/main" id="{151AEA90-9CEA-49F9-9BB5-0510C30409E6}"/>
+              </a:ext>
+            </a:extLst>
+          </p:cNvPr>
+          <p:cNvPicPr>
+            <a:picLocks noChangeAspect="1" noChangeArrowheads="1"/>
+          </p:cNvPicPr>
+          <p:nvPr/>
+        </p:nvPicPr>
+        <p:blipFill>
+          <a:blip r:embed="rId2">
+            <a:extLst>
+              <a:ext uri="{28A0092B-C50C-407E-A947-70E740481C1C}">
+                <a14:useLocalDpi xmlns:a14="http://schemas.microsoft.com/office/drawing/2010/main" val="0"/>
+              </a:ext>
+            </a:extLst>
+          </a:blip>
+          <a:srcRect/>
+          <a:stretch>
+            <a:fillRect/>
+          </a:stretch>
+        </p:blipFill>
+        <p:spPr bwMode="auto">
+          <a:xfrm>
+            <a:off x="0" y="2670464"/>
+            <a:ext cx="11435194" cy="6234546"/>
+          </a:xfrm>
+          <a:prstGeom prst="rect">
+            <a:avLst/>
+          </a:prstGeom>
+          <a:noFill/>
+          <a:extLst>
+            <a:ext uri="{909E8E84-426E-40DD-AFC4-6F175D3DCCD1}">
+              <a14:hiddenFill xmlns:a14="http://schemas.microsoft.com/office/drawing/2010/main">
+                <a:solidFill>
+                  <a:srgbClr val="FFFFFF"/>
+                </a:solidFill>
+              </a14:hiddenFill>
+            </a:ext>
+          </a:extLst>
+        </p:spPr>
+      </p:pic>
     </p:spTree>
     <p:extLst>
       <p:ext uri="{BB962C8B-B14F-4D97-AF65-F5344CB8AC3E}">
-        <p14:creationId xmlns:p14="http://schemas.microsoft.com/office/powerpoint/2010/main" val="781098823"/>
+        <p14:creationId xmlns:p14="http://schemas.microsoft.com/office/powerpoint/2010/main" val="1518260757"/>
       </p:ext>
     </p:extLst>
   </p:cSld>
@@ -4379,7 +7416,7 @@
 </p:sld>
 </file>
 
-<file path=ppt/slides/slide4.xml><?xml version="1.0" encoding="utf-8"?>
+<file path=ppt/slides/slide3.xml><?xml version="1.0" encoding="utf-8"?>
 <p:sld xmlns:a="http://schemas.openxmlformats.org/drawingml/2006/main" xmlns:r="http://schemas.openxmlformats.org/officeDocument/2006/relationships" xmlns:p="http://schemas.openxmlformats.org/presentationml/2006/main" showMasterSp="0">
   <p:cSld>
     <p:spTree>
@@ -4398,13 +7435,107 @@
       </p:grpSpPr>
       <p:sp>
         <p:nvSpPr>
-          <p:cNvPr id="32" name="TextBox 31"/>
+          <p:cNvPr id="15" name="TextBox 14"/>
           <p:cNvSpPr txBox="1"/>
           <p:nvPr/>
         </p:nvSpPr>
         <p:spPr>
           <a:xfrm>
-            <a:off x="1203160" y="789069"/>
+            <a:off x="1348632" y="3149484"/>
+            <a:ext cx="21749303" cy="905056"/>
+          </a:xfrm>
+          <a:prstGeom prst="rect">
+            <a:avLst/>
+          </a:prstGeom>
+          <a:noFill/>
+        </p:spPr>
+        <p:txBody>
+          <a:bodyPr wrap="square" rtlCol="0">
+            <a:spAutoFit/>
+          </a:bodyPr>
+          <a:lstStyle/>
+          <a:p>
+            <a:pPr algn="just">
+              <a:lnSpc>
+                <a:spcPct val="150000"/>
+              </a:lnSpc>
+            </a:pPr>
+            <a:r>
+              <a:rPr lang="en-US" sz="4000" dirty="0">
+                <a:solidFill>
+                  <a:schemeClr val="tx2"/>
+                </a:solidFill>
+                <a:latin typeface="Times New Roman" panose="02020603050405020304" pitchFamily="18" charset="0"/>
+                <a:ea typeface="Verdana" panose="020B0604030504040204" pitchFamily="34" charset="0"/>
+                <a:cs typeface="Times New Roman" panose="02020603050405020304" pitchFamily="18" charset="0"/>
+              </a:rPr>
+              <a:t>Train a classification model which will predict classes of subreddits for a given text.</a:t>
+            </a:r>
+          </a:p>
+        </p:txBody>
+      </p:sp>
+      <p:sp>
+        <p:nvSpPr>
+          <p:cNvPr id="10" name="TextBox 9">
+            <a:extLst>
+              <a:ext uri="{FF2B5EF4-FFF2-40B4-BE49-F238E27FC236}">
+                <a16:creationId xmlns:a16="http://schemas.microsoft.com/office/drawing/2014/main" id="{0879EECB-8156-422F-AD41-3371CAB3084D}"/>
+              </a:ext>
+            </a:extLst>
+          </p:cNvPr>
+          <p:cNvSpPr txBox="1"/>
+          <p:nvPr/>
+        </p:nvSpPr>
+        <p:spPr>
+          <a:xfrm>
+            <a:off x="1168700" y="6854118"/>
+            <a:ext cx="21749303" cy="905056"/>
+          </a:xfrm>
+          <a:prstGeom prst="rect">
+            <a:avLst/>
+          </a:prstGeom>
+          <a:noFill/>
+        </p:spPr>
+        <p:txBody>
+          <a:bodyPr wrap="square" rtlCol="0">
+            <a:spAutoFit/>
+          </a:bodyPr>
+          <a:lstStyle/>
+          <a:p>
+            <a:pPr algn="just">
+              <a:lnSpc>
+                <a:spcPct val="150000"/>
+              </a:lnSpc>
+            </a:pPr>
+            <a:r>
+              <a:rPr lang="en-US" sz="4000" dirty="0">
+                <a:solidFill>
+                  <a:schemeClr val="tx2"/>
+                </a:solidFill>
+                <a:latin typeface="Times New Roman" panose="02020603050405020304" pitchFamily="18" charset="0"/>
+                <a:ea typeface="Verdana" panose="020B0604030504040204" pitchFamily="34" charset="0"/>
+                <a:cs typeface="Times New Roman" panose="02020603050405020304" pitchFamily="18" charset="0"/>
+              </a:rPr>
+              <a:t>Data scientist colleague</a:t>
+            </a:r>
+          </a:p>
+        </p:txBody>
+      </p:sp>
+      <p:sp>
+        <p:nvSpPr>
+          <p:cNvPr id="11" name="TextBox 10">
+            <a:extLst>
+              <a:ext uri="{FF2B5EF4-FFF2-40B4-BE49-F238E27FC236}">
+                <a16:creationId xmlns:a16="http://schemas.microsoft.com/office/drawing/2014/main" id="{D4B03E17-0A74-43BA-8870-AC85320B4CCE}"/>
+              </a:ext>
+            </a:extLst>
+          </p:cNvPr>
+          <p:cNvSpPr txBox="1"/>
+          <p:nvPr/>
+        </p:nvSpPr>
+        <p:spPr>
+          <a:xfrm>
+            <a:off x="1203159" y="1038715"/>
             <a:ext cx="10591800" cy="1015663"/>
           </a:xfrm>
           <a:prstGeom prst="rect">
@@ -4427,21 +7558,27 @@
                 <a:ea typeface="Playfair Display SC" charset="0"/>
                 <a:cs typeface="Playfair Display SC" charset="0"/>
               </a:rPr>
-              <a:t>Evaluation Metrics</a:t>
+              <a:t>Problem statement</a:t>
             </a:r>
           </a:p>
         </p:txBody>
       </p:sp>
       <p:sp>
         <p:nvSpPr>
-          <p:cNvPr id="34" name="TextBox 33"/>
+          <p:cNvPr id="13" name="TextBox 12">
+            <a:extLst>
+              <a:ext uri="{FF2B5EF4-FFF2-40B4-BE49-F238E27FC236}">
+                <a16:creationId xmlns:a16="http://schemas.microsoft.com/office/drawing/2014/main" id="{52D7584A-6A7F-4FE7-A8DA-EA11727C914D}"/>
+              </a:ext>
+            </a:extLst>
+          </p:cNvPr>
           <p:cNvSpPr txBox="1"/>
           <p:nvPr/>
         </p:nvSpPr>
         <p:spPr>
           <a:xfrm>
-            <a:off x="1203160" y="2337349"/>
-            <a:ext cx="10393095" cy="1003031"/>
+            <a:off x="1203159" y="5435505"/>
+            <a:ext cx="10591800" cy="1015663"/>
           </a:xfrm>
           <a:prstGeom prst="rect">
             <a:avLst/>
@@ -4454,142 +7591,26 @@
           </a:bodyPr>
           <a:lstStyle/>
           <a:p>
-            <a:pPr>
-              <a:lnSpc>
-                <a:spcPct val="150000"/>
-              </a:lnSpc>
-            </a:pPr>
             <a:r>
-              <a:rPr lang="en-US" sz="4400" b="1" spc="600" dirty="0">
-                <a:solidFill>
-                  <a:schemeClr val="accent2">
-                    <a:lumMod val="50000"/>
-                  </a:schemeClr>
-                </a:solidFill>
-                <a:latin typeface="Montserrat Semi" charset="0"/>
-                <a:ea typeface="Montserrat Semi" charset="0"/>
-                <a:cs typeface="Montserrat Semi" charset="0"/>
-              </a:rPr>
-              <a:t>Precisian-Recall AUC</a:t>
-            </a:r>
-          </a:p>
-        </p:txBody>
-      </p:sp>
-      <p:sp>
-        <p:nvSpPr>
-          <p:cNvPr id="8" name="TextBox 7">
-            <a:extLst>
-              <a:ext uri="{FF2B5EF4-FFF2-40B4-BE49-F238E27FC236}">
-                <a16:creationId xmlns:a16="http://schemas.microsoft.com/office/drawing/2014/main" id="{1DAEA021-3B49-465F-9367-9C40FF454D1D}"/>
-              </a:ext>
-            </a:extLst>
-          </p:cNvPr>
-          <p:cNvSpPr txBox="1"/>
-          <p:nvPr/>
-        </p:nvSpPr>
-        <p:spPr>
-          <a:xfrm>
-            <a:off x="1203159" y="3662195"/>
-            <a:ext cx="22467331" cy="1938992"/>
-          </a:xfrm>
-          <a:prstGeom prst="rect">
-            <a:avLst/>
-          </a:prstGeom>
-          <a:noFill/>
-        </p:spPr>
-        <p:txBody>
-          <a:bodyPr wrap="square">
-            <a:spAutoFit/>
-          </a:bodyPr>
-          <a:lstStyle/>
-          <a:p>
-            <a:r>
-              <a:rPr lang="en-US" sz="4000" dirty="0">
+              <a:rPr lang="en-US" sz="6000" b="1" spc="600" dirty="0">
                 <a:solidFill>
                   <a:schemeClr val="tx2"/>
                 </a:solidFill>
-                <a:latin typeface="Times New Roman" panose="02020603050405020304" pitchFamily="18" charset="0"/>
-                <a:cs typeface="Times New Roman" panose="02020603050405020304" pitchFamily="18" charset="0"/>
+                <a:latin typeface="Playfair Display SC" charset="0"/>
+                <a:ea typeface="Playfair Display SC" charset="0"/>
+                <a:cs typeface="Playfair Display SC" charset="0"/>
               </a:rPr>
-              <a:t>Our company cares more on predicting </a:t>
+              <a:t>audience</a:t>
             </a:r>
-            <a:r>
-              <a:rPr lang="en-US" sz="4000" dirty="0" err="1">
-                <a:solidFill>
-                  <a:schemeClr val="tx2"/>
-                </a:solidFill>
-                <a:latin typeface="Times New Roman" panose="02020603050405020304" pitchFamily="18" charset="0"/>
-                <a:cs typeface="Times New Roman" panose="02020603050405020304" pitchFamily="18" charset="0"/>
-              </a:rPr>
-              <a:t>WorldNews</a:t>
-            </a:r>
-            <a:r>
-              <a:rPr lang="en-US" sz="4000" dirty="0">
-                <a:solidFill>
-                  <a:schemeClr val="tx2"/>
-                </a:solidFill>
-                <a:latin typeface="Times New Roman" panose="02020603050405020304" pitchFamily="18" charset="0"/>
-                <a:cs typeface="Times New Roman" panose="02020603050405020304" pitchFamily="18" charset="0"/>
-              </a:rPr>
-              <a:t> (target) </a:t>
-            </a:r>
-          </a:p>
-          <a:p>
-            <a:endParaRPr lang="en-US" sz="4000" dirty="0">
-              <a:solidFill>
-                <a:schemeClr val="tx2"/>
-              </a:solidFill>
-              <a:latin typeface="Times New Roman" panose="02020603050405020304" pitchFamily="18" charset="0"/>
-              <a:cs typeface="Times New Roman" panose="02020603050405020304" pitchFamily="18" charset="0"/>
-            </a:endParaRPr>
-          </a:p>
-          <a:p>
-            <a:r>
-              <a:rPr lang="en-US" sz="4000" dirty="0">
-                <a:solidFill>
-                  <a:schemeClr val="tx2"/>
-                </a:solidFill>
-                <a:latin typeface="Times New Roman" panose="02020603050405020304" pitchFamily="18" charset="0"/>
-                <a:cs typeface="Times New Roman" panose="02020603050405020304" pitchFamily="18" charset="0"/>
-              </a:rPr>
-              <a:t>Hence, we will be using </a:t>
-            </a:r>
-            <a:r>
-              <a:rPr lang="en-US" sz="4000" b="1" dirty="0">
-                <a:solidFill>
-                  <a:schemeClr val="tx2"/>
-                </a:solidFill>
-                <a:latin typeface="Times New Roman" panose="02020603050405020304" pitchFamily="18" charset="0"/>
-                <a:cs typeface="Times New Roman" panose="02020603050405020304" pitchFamily="18" charset="0"/>
-              </a:rPr>
-              <a:t>PR-AUC</a:t>
-            </a:r>
-            <a:r>
-              <a:rPr lang="en-US" sz="4000" dirty="0">
-                <a:solidFill>
-                  <a:schemeClr val="tx2"/>
-                </a:solidFill>
-                <a:latin typeface="Times New Roman" panose="02020603050405020304" pitchFamily="18" charset="0"/>
-                <a:cs typeface="Times New Roman" panose="02020603050405020304" pitchFamily="18" charset="0"/>
-              </a:rPr>
-              <a:t> metrics to select best model.</a:t>
-            </a:r>
-            <a:endParaRPr lang="en-SG" sz="4000" dirty="0">
-              <a:solidFill>
-                <a:schemeClr val="tx2"/>
-              </a:solidFill>
-              <a:latin typeface="Times New Roman" panose="02020603050405020304" pitchFamily="18" charset="0"/>
-              <a:cs typeface="Times New Roman" panose="02020603050405020304" pitchFamily="18" charset="0"/>
-            </a:endParaRPr>
           </a:p>
         </p:txBody>
       </p:sp>
       <p:sp>
         <p:nvSpPr>
-          <p:cNvPr id="13" name="Rectangle 12">
+          <p:cNvPr id="6" name="Rectangle 5">
             <a:extLst>
               <a:ext uri="{FF2B5EF4-FFF2-40B4-BE49-F238E27FC236}">
-                <a16:creationId xmlns:a16="http://schemas.microsoft.com/office/drawing/2014/main" id="{DA91193F-F47D-4B99-8FE5-9760FE743478}"/>
+                <a16:creationId xmlns:a16="http://schemas.microsoft.com/office/drawing/2014/main" id="{2A05C8BC-7D39-48D8-9F0C-A6A805B1DEDA}"/>
               </a:ext>
             </a:extLst>
           </p:cNvPr>
@@ -4662,10 +7683,10 @@
       </p:sp>
       <p:sp>
         <p:nvSpPr>
-          <p:cNvPr id="14" name="TextBox 13">
+          <p:cNvPr id="7" name="TextBox 6">
             <a:extLst>
               <a:ext uri="{FF2B5EF4-FFF2-40B4-BE49-F238E27FC236}">
-                <a16:creationId xmlns:a16="http://schemas.microsoft.com/office/drawing/2014/main" id="{C0EB6D7B-1139-4301-AC57-CEF9B94C7201}"/>
+                <a16:creationId xmlns:a16="http://schemas.microsoft.com/office/drawing/2014/main" id="{7216789E-FA3D-40E7-ADD3-02606FF77E9C}"/>
               </a:ext>
             </a:extLst>
           </p:cNvPr>
@@ -4674,7 +7695,178 @@
         </p:nvSpPr>
         <p:spPr>
           <a:xfrm>
-            <a:off x="1203159" y="6625005"/>
+            <a:off x="1168700" y="10378397"/>
+            <a:ext cx="21749303" cy="905056"/>
+          </a:xfrm>
+          <a:prstGeom prst="rect">
+            <a:avLst/>
+          </a:prstGeom>
+          <a:noFill/>
+        </p:spPr>
+        <p:txBody>
+          <a:bodyPr wrap="square" rtlCol="0">
+            <a:spAutoFit/>
+          </a:bodyPr>
+          <a:lstStyle/>
+          <a:p>
+            <a:pPr algn="just">
+              <a:lnSpc>
+                <a:spcPct val="150000"/>
+              </a:lnSpc>
+            </a:pPr>
+            <a:r>
+              <a:rPr lang="en-US" sz="4000" dirty="0">
+                <a:solidFill>
+                  <a:schemeClr val="tx2"/>
+                </a:solidFill>
+                <a:latin typeface="Times New Roman" panose="02020603050405020304" pitchFamily="18" charset="0"/>
+                <a:ea typeface="Verdana" panose="020B0604030504040204" pitchFamily="34" charset="0"/>
+                <a:cs typeface="Times New Roman" panose="02020603050405020304" pitchFamily="18" charset="0"/>
+              </a:rPr>
+              <a:t>Subreddit ‘</a:t>
+            </a:r>
+            <a:r>
+              <a:rPr lang="en-US" sz="4000" dirty="0" err="1">
+                <a:solidFill>
+                  <a:schemeClr val="tx2"/>
+                </a:solidFill>
+                <a:latin typeface="Times New Roman" panose="02020603050405020304" pitchFamily="18" charset="0"/>
+                <a:ea typeface="Verdana" panose="020B0604030504040204" pitchFamily="34" charset="0"/>
+                <a:cs typeface="Times New Roman" panose="02020603050405020304" pitchFamily="18" charset="0"/>
+              </a:rPr>
+              <a:t>WorldNews</a:t>
+            </a:r>
+            <a:r>
+              <a:rPr lang="en-US" sz="4000" dirty="0">
+                <a:solidFill>
+                  <a:schemeClr val="tx2"/>
+                </a:solidFill>
+                <a:latin typeface="Times New Roman" panose="02020603050405020304" pitchFamily="18" charset="0"/>
+                <a:ea typeface="Verdana" panose="020B0604030504040204" pitchFamily="34" charset="0"/>
+                <a:cs typeface="Times New Roman" panose="02020603050405020304" pitchFamily="18" charset="0"/>
+              </a:rPr>
+              <a:t>’ &amp; ‘Casual Conversation’</a:t>
+            </a:r>
+          </a:p>
+        </p:txBody>
+      </p:sp>
+      <p:sp>
+        <p:nvSpPr>
+          <p:cNvPr id="8" name="TextBox 7">
+            <a:extLst>
+              <a:ext uri="{FF2B5EF4-FFF2-40B4-BE49-F238E27FC236}">
+                <a16:creationId xmlns:a16="http://schemas.microsoft.com/office/drawing/2014/main" id="{2D30EF2F-41A0-460E-963B-1810A83CDC59}"/>
+              </a:ext>
+            </a:extLst>
+          </p:cNvPr>
+          <p:cNvSpPr txBox="1"/>
+          <p:nvPr/>
+        </p:nvSpPr>
+        <p:spPr>
+          <a:xfrm>
+            <a:off x="1203159" y="9320733"/>
+            <a:ext cx="10591800" cy="1015663"/>
+          </a:xfrm>
+          <a:prstGeom prst="rect">
+            <a:avLst/>
+          </a:prstGeom>
+          <a:noFill/>
+        </p:spPr>
+        <p:txBody>
+          <a:bodyPr wrap="square" rtlCol="0">
+            <a:spAutoFit/>
+          </a:bodyPr>
+          <a:lstStyle/>
+          <a:p>
+            <a:r>
+              <a:rPr lang="en-US" sz="6000" b="1" spc="600" dirty="0">
+                <a:solidFill>
+                  <a:schemeClr val="tx2"/>
+                </a:solidFill>
+                <a:latin typeface="Playfair Display SC" charset="0"/>
+                <a:ea typeface="Playfair Display SC" charset="0"/>
+                <a:cs typeface="Playfair Display SC" charset="0"/>
+              </a:rPr>
+              <a:t>Data Source</a:t>
+            </a:r>
+          </a:p>
+        </p:txBody>
+      </p:sp>
+    </p:spTree>
+    <p:extLst>
+      <p:ext uri="{BB962C8B-B14F-4D97-AF65-F5344CB8AC3E}">
+        <p14:creationId xmlns:p14="http://schemas.microsoft.com/office/powerpoint/2010/main" val="781098823"/>
+      </p:ext>
+    </p:extLst>
+  </p:cSld>
+  <p:clrMapOvr>
+    <a:masterClrMapping/>
+  </p:clrMapOvr>
+</p:sld>
+</file>
+
+<file path=ppt/slides/slide4.xml><?xml version="1.0" encoding="utf-8"?>
+<p:sld xmlns:a="http://schemas.openxmlformats.org/drawingml/2006/main" xmlns:r="http://schemas.openxmlformats.org/officeDocument/2006/relationships" xmlns:p="http://schemas.openxmlformats.org/presentationml/2006/main" showMasterSp="0">
+  <p:cSld>
+    <p:spTree>
+      <p:nvGrpSpPr>
+        <p:cNvPr id="1" name=""/>
+        <p:cNvGrpSpPr/>
+        <p:nvPr/>
+      </p:nvGrpSpPr>
+      <p:grpSpPr>
+        <a:xfrm>
+          <a:off x="0" y="0"/>
+          <a:ext cx="0" cy="0"/>
+          <a:chOff x="0" y="0"/>
+          <a:chExt cx="0" cy="0"/>
+        </a:xfrm>
+      </p:grpSpPr>
+      <p:sp>
+        <p:nvSpPr>
+          <p:cNvPr id="32" name="TextBox 31"/>
+          <p:cNvSpPr txBox="1"/>
+          <p:nvPr/>
+        </p:nvSpPr>
+        <p:spPr>
+          <a:xfrm>
+            <a:off x="1203160" y="789069"/>
+            <a:ext cx="10591800" cy="1015663"/>
+          </a:xfrm>
+          <a:prstGeom prst="rect">
+            <a:avLst/>
+          </a:prstGeom>
+          <a:noFill/>
+        </p:spPr>
+        <p:txBody>
+          <a:bodyPr wrap="square" rtlCol="0">
+            <a:spAutoFit/>
+          </a:bodyPr>
+          <a:lstStyle/>
+          <a:p>
+            <a:r>
+              <a:rPr lang="en-US" sz="6000" b="1" spc="600" dirty="0">
+                <a:solidFill>
+                  <a:schemeClr val="tx2"/>
+                </a:solidFill>
+                <a:latin typeface="Playfair Display SC" charset="0"/>
+                <a:ea typeface="Playfair Display SC" charset="0"/>
+                <a:cs typeface="Playfair Display SC" charset="0"/>
+              </a:rPr>
+              <a:t>Evaluation Metrics</a:t>
+            </a:r>
+          </a:p>
+        </p:txBody>
+      </p:sp>
+      <p:sp>
+        <p:nvSpPr>
+          <p:cNvPr id="34" name="TextBox 33"/>
+          <p:cNvSpPr txBox="1"/>
+          <p:nvPr/>
+        </p:nvSpPr>
+        <p:spPr>
+          <a:xfrm>
+            <a:off x="1203160" y="2337349"/>
             <a:ext cx="10393095" cy="1003031"/>
           </a:xfrm>
           <a:prstGeom prst="rect">
@@ -4704,17 +7896,17 @@
                 <a:ea typeface="Montserrat Semi" charset="0"/>
                 <a:cs typeface="Montserrat Semi" charset="0"/>
               </a:rPr>
-              <a:t>Baseline</a:t>
+              <a:t>Precisian-Recall AUC</a:t>
             </a:r>
           </a:p>
         </p:txBody>
       </p:sp>
       <p:sp>
         <p:nvSpPr>
-          <p:cNvPr id="15" name="TextBox 14">
+          <p:cNvPr id="8" name="TextBox 7">
             <a:extLst>
               <a:ext uri="{FF2B5EF4-FFF2-40B4-BE49-F238E27FC236}">
-                <a16:creationId xmlns:a16="http://schemas.microsoft.com/office/drawing/2014/main" id="{936C9C46-CC58-4CF8-876F-49C17B1CB3B9}"/>
+                <a16:creationId xmlns:a16="http://schemas.microsoft.com/office/drawing/2014/main" id="{1DAEA021-3B49-465F-9367-9C40FF454D1D}"/>
               </a:ext>
             </a:extLst>
           </p:cNvPr>
@@ -4723,8 +7915,8 @@
         </p:nvSpPr>
         <p:spPr>
           <a:xfrm>
-            <a:off x="1203158" y="8021716"/>
-            <a:ext cx="20848768" cy="905056"/>
+            <a:off x="1203159" y="3662195"/>
+            <a:ext cx="22467331" cy="1938992"/>
           </a:xfrm>
           <a:prstGeom prst="rect">
             <a:avLst/>
@@ -4732,16 +7924,11 @@
           <a:noFill/>
         </p:spPr>
         <p:txBody>
-          <a:bodyPr wrap="square" rtlCol="0">
+          <a:bodyPr wrap="square">
             <a:spAutoFit/>
           </a:bodyPr>
           <a:lstStyle/>
           <a:p>
-            <a:pPr>
-              <a:lnSpc>
-                <a:spcPct val="150000"/>
-              </a:lnSpc>
-            </a:pPr>
             <a:r>
               <a:rPr lang="en-US" sz="4000" dirty="0">
                 <a:solidFill>
@@ -4750,185 +7937,85 @@
                 <a:latin typeface="Times New Roman" panose="02020603050405020304" pitchFamily="18" charset="0"/>
                 <a:cs typeface="Times New Roman" panose="02020603050405020304" pitchFamily="18" charset="0"/>
               </a:rPr>
-              <a:t>Our baseline is 46% PR AUC score, our model at minimum must perform better than the baseline.</a:t>
+              <a:t>We cares more on predicting </a:t>
             </a:r>
-          </a:p>
-        </p:txBody>
-      </p:sp>
-    </p:spTree>
-    <p:extLst>
-      <p:ext uri="{BB962C8B-B14F-4D97-AF65-F5344CB8AC3E}">
-        <p14:creationId xmlns:p14="http://schemas.microsoft.com/office/powerpoint/2010/main" val="127052251"/>
-      </p:ext>
-    </p:extLst>
-  </p:cSld>
-  <p:clrMapOvr>
-    <a:masterClrMapping/>
-  </p:clrMapOvr>
-</p:sld>
-</file>
-
-<file path=ppt/slides/slide5.xml><?xml version="1.0" encoding="utf-8"?>
-<p:sld xmlns:a="http://schemas.openxmlformats.org/drawingml/2006/main" xmlns:r="http://schemas.openxmlformats.org/officeDocument/2006/relationships" xmlns:p="http://schemas.openxmlformats.org/presentationml/2006/main" showMasterSp="0">
-  <p:cSld>
-    <p:spTree>
-      <p:nvGrpSpPr>
-        <p:cNvPr id="1" name=""/>
-        <p:cNvGrpSpPr/>
-        <p:nvPr/>
-      </p:nvGrpSpPr>
-      <p:grpSpPr>
-        <a:xfrm>
-          <a:off x="0" y="0"/>
-          <a:ext cx="0" cy="0"/>
-          <a:chOff x="0" y="0"/>
-          <a:chExt cx="0" cy="0"/>
-        </a:xfrm>
-      </p:grpSpPr>
-      <p:sp>
-        <p:nvSpPr>
-          <p:cNvPr id="32" name="TextBox 31"/>
-          <p:cNvSpPr txBox="1"/>
-          <p:nvPr/>
-        </p:nvSpPr>
-        <p:spPr>
-          <a:xfrm>
-            <a:off x="742674" y="632913"/>
-            <a:ext cx="10591800" cy="1015663"/>
-          </a:xfrm>
-          <a:prstGeom prst="rect">
-            <a:avLst/>
-          </a:prstGeom>
-          <a:noFill/>
-        </p:spPr>
-        <p:txBody>
-          <a:bodyPr wrap="square" rtlCol="0">
-            <a:spAutoFit/>
-          </a:bodyPr>
-          <a:lstStyle/>
-          <a:p>
             <a:r>
-              <a:rPr lang="en-US" sz="6000" b="1" spc="600">
+              <a:rPr lang="en-US" sz="4000" dirty="0" err="1">
                 <a:solidFill>
                   <a:schemeClr val="tx2"/>
                 </a:solidFill>
-                <a:latin typeface="Playfair Display SC" charset="0"/>
-                <a:ea typeface="Playfair Display SC" charset="0"/>
-                <a:cs typeface="Playfair Display SC" charset="0"/>
+                <a:latin typeface="Times New Roman" panose="02020603050405020304" pitchFamily="18" charset="0"/>
+                <a:cs typeface="Times New Roman" panose="02020603050405020304" pitchFamily="18" charset="0"/>
               </a:rPr>
-              <a:t>The Data</a:t>
+              <a:t>WorldNews</a:t>
             </a:r>
-            <a:endParaRPr lang="en-US" sz="6000" b="1" spc="600" dirty="0">
+            <a:r>
+              <a:rPr lang="en-US" sz="4000" dirty="0">
+                <a:solidFill>
+                  <a:schemeClr val="tx2"/>
+                </a:solidFill>
+                <a:latin typeface="Times New Roman" panose="02020603050405020304" pitchFamily="18" charset="0"/>
+                <a:cs typeface="Times New Roman" panose="02020603050405020304" pitchFamily="18" charset="0"/>
+              </a:rPr>
+              <a:t> (target) </a:t>
+            </a:r>
+          </a:p>
+          <a:p>
+            <a:endParaRPr lang="en-US" sz="4000" dirty="0">
               <a:solidFill>
                 <a:schemeClr val="tx2"/>
               </a:solidFill>
-              <a:latin typeface="Playfair Display SC" charset="0"/>
-              <a:ea typeface="Playfair Display SC" charset="0"/>
-              <a:cs typeface="Playfair Display SC" charset="0"/>
+              <a:latin typeface="Times New Roman" panose="02020603050405020304" pitchFamily="18" charset="0"/>
+              <a:cs typeface="Times New Roman" panose="02020603050405020304" pitchFamily="18" charset="0"/>
             </a:endParaRPr>
           </a:p>
+          <a:p>
+            <a:r>
+              <a:rPr lang="en-US" sz="4000" dirty="0">
+                <a:solidFill>
+                  <a:schemeClr val="tx2"/>
+                </a:solidFill>
+                <a:latin typeface="Times New Roman" panose="02020603050405020304" pitchFamily="18" charset="0"/>
+                <a:cs typeface="Times New Roman" panose="02020603050405020304" pitchFamily="18" charset="0"/>
+              </a:rPr>
+              <a:t>Hence, we will be using </a:t>
+            </a:r>
+            <a:r>
+              <a:rPr lang="en-US" sz="4000" b="1" dirty="0">
+                <a:solidFill>
+                  <a:schemeClr val="tx2"/>
+                </a:solidFill>
+                <a:latin typeface="Times New Roman" panose="02020603050405020304" pitchFamily="18" charset="0"/>
+                <a:cs typeface="Times New Roman" panose="02020603050405020304" pitchFamily="18" charset="0"/>
+              </a:rPr>
+              <a:t>PR-AUC</a:t>
+            </a:r>
+            <a:r>
+              <a:rPr lang="en-US" sz="4000" dirty="0">
+                <a:solidFill>
+                  <a:schemeClr val="tx2"/>
+                </a:solidFill>
+                <a:latin typeface="Times New Roman" panose="02020603050405020304" pitchFamily="18" charset="0"/>
+                <a:cs typeface="Times New Roman" panose="02020603050405020304" pitchFamily="18" charset="0"/>
+              </a:rPr>
+              <a:t> metrics to select best model.</a:t>
+            </a:r>
+            <a:endParaRPr lang="en-SG" sz="4000" dirty="0">
+              <a:solidFill>
+                <a:schemeClr val="tx2"/>
+              </a:solidFill>
+              <a:latin typeface="Times New Roman" panose="02020603050405020304" pitchFamily="18" charset="0"/>
+              <a:cs typeface="Times New Roman" panose="02020603050405020304" pitchFamily="18" charset="0"/>
+            </a:endParaRPr>
+          </a:p>
         </p:txBody>
       </p:sp>
-      <p:pic>
-        <p:nvPicPr>
-          <p:cNvPr id="2052" name="Picture 4">
+      <p:sp>
+        <p:nvSpPr>
+          <p:cNvPr id="13" name="Rectangle 12">
             <a:extLst>
               <a:ext uri="{FF2B5EF4-FFF2-40B4-BE49-F238E27FC236}">
-                <a16:creationId xmlns:a16="http://schemas.microsoft.com/office/drawing/2014/main" id="{E0DBC622-B919-4705-8D8A-71D9DF0AE01D}"/>
-              </a:ext>
-            </a:extLst>
-          </p:cNvPr>
-          <p:cNvPicPr>
-            <a:picLocks noChangeAspect="1" noChangeArrowheads="1"/>
-          </p:cNvPicPr>
-          <p:nvPr/>
-        </p:nvPicPr>
-        <p:blipFill>
-          <a:blip r:embed="rId3">
-            <a:extLst>
-              <a:ext uri="{28A0092B-C50C-407E-A947-70E740481C1C}">
-                <a14:useLocalDpi xmlns:a14="http://schemas.microsoft.com/office/drawing/2010/main" val="0"/>
-              </a:ext>
-            </a:extLst>
-          </a:blip>
-          <a:srcRect/>
-          <a:stretch>
-            <a:fillRect/>
-          </a:stretch>
-        </p:blipFill>
-        <p:spPr bwMode="auto">
-          <a:xfrm>
-            <a:off x="2506268" y="2099788"/>
-            <a:ext cx="13249294" cy="8670365"/>
-          </a:xfrm>
-          <a:prstGeom prst="rect">
-            <a:avLst/>
-          </a:prstGeom>
-          <a:noFill/>
-          <a:extLst>
-            <a:ext uri="{909E8E84-426E-40DD-AFC4-6F175D3DCCD1}">
-              <a14:hiddenFill xmlns:a14="http://schemas.microsoft.com/office/drawing/2010/main">
-                <a:solidFill>
-                  <a:srgbClr val="FFFFFF"/>
-                </a:solidFill>
-              </a14:hiddenFill>
-            </a:ext>
-          </a:extLst>
-        </p:spPr>
-      </p:pic>
-      <p:pic>
-        <p:nvPicPr>
-          <p:cNvPr id="2056" name="Picture 8">
-            <a:extLst>
-              <a:ext uri="{FF2B5EF4-FFF2-40B4-BE49-F238E27FC236}">
-                <a16:creationId xmlns:a16="http://schemas.microsoft.com/office/drawing/2014/main" id="{A66D945D-7AA0-4774-A2B9-21D78B8206A0}"/>
-              </a:ext>
-            </a:extLst>
-          </p:cNvPr>
-          <p:cNvPicPr>
-            <a:picLocks noChangeAspect="1" noChangeArrowheads="1"/>
-          </p:cNvPicPr>
-          <p:nvPr/>
-        </p:nvPicPr>
-        <p:blipFill>
-          <a:blip r:embed="rId4" cstate="email">
-            <a:extLst>
-              <a:ext uri="{28A0092B-C50C-407E-A947-70E740481C1C}">
-                <a14:useLocalDpi xmlns:a14="http://schemas.microsoft.com/office/drawing/2010/main" val="0"/>
-              </a:ext>
-            </a:extLst>
-          </a:blip>
-          <a:srcRect/>
-          <a:stretch>
-            <a:fillRect/>
-          </a:stretch>
-        </p:blipFill>
-        <p:spPr bwMode="auto">
-          <a:xfrm>
-            <a:off x="15994063" y="2099788"/>
-            <a:ext cx="6637993" cy="1412339"/>
-          </a:xfrm>
-          <a:prstGeom prst="rect">
-            <a:avLst/>
-          </a:prstGeom>
-          <a:noFill/>
-          <a:extLst>
-            <a:ext uri="{909E8E84-426E-40DD-AFC4-6F175D3DCCD1}">
-              <a14:hiddenFill xmlns:a14="http://schemas.microsoft.com/office/drawing/2010/main">
-                <a:solidFill>
-                  <a:srgbClr val="FFFFFF"/>
-                </a:solidFill>
-              </a14:hiddenFill>
-            </a:ext>
-          </a:extLst>
-        </p:spPr>
-      </p:pic>
-      <p:sp>
-        <p:nvSpPr>
-          <p:cNvPr id="18" name="Rectangle 17">
-            <a:extLst>
-              <a:ext uri="{FF2B5EF4-FFF2-40B4-BE49-F238E27FC236}">
-                <a16:creationId xmlns:a16="http://schemas.microsoft.com/office/drawing/2014/main" id="{88A053BA-DC06-4AC8-9F0E-FCF8F5B5E9BA}"/>
+                <a16:creationId xmlns:a16="http://schemas.microsoft.com/office/drawing/2014/main" id="{DA91193F-F47D-4B99-8FE5-9760FE743478}"/>
               </a:ext>
             </a:extLst>
           </p:cNvPr>
@@ -4999,28 +8086,115 @@
           </a:p>
         </p:txBody>
       </p:sp>
+      <p:sp>
+        <p:nvSpPr>
+          <p:cNvPr id="14" name="TextBox 13">
+            <a:extLst>
+              <a:ext uri="{FF2B5EF4-FFF2-40B4-BE49-F238E27FC236}">
+                <a16:creationId xmlns:a16="http://schemas.microsoft.com/office/drawing/2014/main" id="{C0EB6D7B-1139-4301-AC57-CEF9B94C7201}"/>
+              </a:ext>
+            </a:extLst>
+          </p:cNvPr>
+          <p:cNvSpPr txBox="1"/>
+          <p:nvPr/>
+        </p:nvSpPr>
+        <p:spPr>
+          <a:xfrm>
+            <a:off x="1203159" y="6625005"/>
+            <a:ext cx="10393095" cy="1003031"/>
+          </a:xfrm>
+          <a:prstGeom prst="rect">
+            <a:avLst/>
+          </a:prstGeom>
+          <a:noFill/>
+        </p:spPr>
+        <p:txBody>
+          <a:bodyPr wrap="square" rtlCol="0">
+            <a:spAutoFit/>
+          </a:bodyPr>
+          <a:lstStyle/>
+          <a:p>
+            <a:pPr>
+              <a:lnSpc>
+                <a:spcPct val="150000"/>
+              </a:lnSpc>
+            </a:pPr>
+            <a:r>
+              <a:rPr lang="en-US" sz="4400" b="1" spc="600" dirty="0">
+                <a:solidFill>
+                  <a:schemeClr val="accent2">
+                    <a:lumMod val="50000"/>
+                  </a:schemeClr>
+                </a:solidFill>
+                <a:latin typeface="Montserrat Semi" charset="0"/>
+                <a:ea typeface="Montserrat Semi" charset="0"/>
+                <a:cs typeface="Montserrat Semi" charset="0"/>
+              </a:rPr>
+              <a:t>Baseline</a:t>
+            </a:r>
+          </a:p>
+        </p:txBody>
+      </p:sp>
+      <p:sp>
+        <p:nvSpPr>
+          <p:cNvPr id="15" name="TextBox 14">
+            <a:extLst>
+              <a:ext uri="{FF2B5EF4-FFF2-40B4-BE49-F238E27FC236}">
+                <a16:creationId xmlns:a16="http://schemas.microsoft.com/office/drawing/2014/main" id="{936C9C46-CC58-4CF8-876F-49C17B1CB3B9}"/>
+              </a:ext>
+            </a:extLst>
+          </p:cNvPr>
+          <p:cNvSpPr txBox="1"/>
+          <p:nvPr/>
+        </p:nvSpPr>
+        <p:spPr>
+          <a:xfrm>
+            <a:off x="1203158" y="8021716"/>
+            <a:ext cx="20848768" cy="905056"/>
+          </a:xfrm>
+          <a:prstGeom prst="rect">
+            <a:avLst/>
+          </a:prstGeom>
+          <a:noFill/>
+        </p:spPr>
+        <p:txBody>
+          <a:bodyPr wrap="square" rtlCol="0">
+            <a:spAutoFit/>
+          </a:bodyPr>
+          <a:lstStyle/>
+          <a:p>
+            <a:pPr>
+              <a:lnSpc>
+                <a:spcPct val="150000"/>
+              </a:lnSpc>
+            </a:pPr>
+            <a:r>
+              <a:rPr lang="en-US" sz="4000" dirty="0">
+                <a:solidFill>
+                  <a:schemeClr val="tx2"/>
+                </a:solidFill>
+                <a:latin typeface="Times New Roman" panose="02020603050405020304" pitchFamily="18" charset="0"/>
+                <a:cs typeface="Times New Roman" panose="02020603050405020304" pitchFamily="18" charset="0"/>
+              </a:rPr>
+              <a:t>Our baseline is 46% PR AUC score, our model at minimum must perform better than the baseline.</a:t>
+            </a:r>
+          </a:p>
+        </p:txBody>
+      </p:sp>
     </p:spTree>
     <p:extLst>
       <p:ext uri="{BB962C8B-B14F-4D97-AF65-F5344CB8AC3E}">
-        <p14:creationId xmlns:p14="http://schemas.microsoft.com/office/powerpoint/2010/main" val="110993018"/>
+        <p14:creationId xmlns:p14="http://schemas.microsoft.com/office/powerpoint/2010/main" val="127052251"/>
       </p:ext>
     </p:extLst>
   </p:cSld>
   <p:clrMapOvr>
     <a:masterClrMapping/>
   </p:clrMapOvr>
-  <mc:AlternateContent xmlns:mc="http://schemas.openxmlformats.org/markup-compatibility/2006" xmlns:p14="http://schemas.microsoft.com/office/powerpoint/2010/main">
-    <mc:Choice Requires="p14">
-      <p:transition p14:dur="10"/>
-    </mc:Choice>
-    <mc:Fallback xmlns="">
-      <p:transition/>
-    </mc:Fallback>
-  </mc:AlternateContent>
 </p:sld>
 </file>
 
-<file path=ppt/slides/slide6.xml><?xml version="1.0" encoding="utf-8"?>
+<file path=ppt/slides/slide5.xml><?xml version="1.0" encoding="utf-8"?>
 <p:sld xmlns:a="http://schemas.openxmlformats.org/drawingml/2006/main" xmlns:r="http://schemas.openxmlformats.org/officeDocument/2006/relationships" xmlns:p="http://schemas.openxmlformats.org/presentationml/2006/main" showMasterSp="0">
   <p:cSld>
     <p:spTree>
@@ -5060,7 +8234,7 @@
           <a:lstStyle/>
           <a:p>
             <a:r>
-              <a:rPr lang="en-US" sz="6000" b="1" spc="600" dirty="0">
+              <a:rPr lang="en-US" sz="6000" b="1" spc="600">
                 <a:solidFill>
                   <a:schemeClr val="tx2"/>
                 </a:solidFill>
@@ -5068,117 +8242,72 @@
                 <a:ea typeface="Playfair Display SC" charset="0"/>
                 <a:cs typeface="Playfair Display SC" charset="0"/>
               </a:rPr>
-              <a:t>Feature Engineering</a:t>
+              <a:t>The Data</a:t>
             </a:r>
+            <a:endParaRPr lang="en-US" sz="6000" b="1" spc="600" dirty="0">
+              <a:solidFill>
+                <a:schemeClr val="tx2"/>
+              </a:solidFill>
+              <a:latin typeface="Playfair Display SC" charset="0"/>
+              <a:ea typeface="Playfair Display SC" charset="0"/>
+              <a:cs typeface="Playfair Display SC" charset="0"/>
+            </a:endParaRPr>
           </a:p>
         </p:txBody>
       </p:sp>
-      <p:sp>
-        <p:nvSpPr>
-          <p:cNvPr id="7" name="TextBox 6">
+      <p:pic>
+        <p:nvPicPr>
+          <p:cNvPr id="2052" name="Picture 4">
             <a:extLst>
               <a:ext uri="{FF2B5EF4-FFF2-40B4-BE49-F238E27FC236}">
-                <a16:creationId xmlns:a16="http://schemas.microsoft.com/office/drawing/2014/main" id="{CEE5E7BC-17E2-47B7-8580-9955F8CE3796}"/>
+                <a16:creationId xmlns:a16="http://schemas.microsoft.com/office/drawing/2014/main" id="{E0DBC622-B919-4705-8D8A-71D9DF0AE01D}"/>
               </a:ext>
             </a:extLst>
           </p:cNvPr>
-          <p:cNvSpPr txBox="1"/>
+          <p:cNvPicPr>
+            <a:picLocks noChangeAspect="1" noChangeArrowheads="1"/>
+          </p:cNvPicPr>
           <p:nvPr/>
-        </p:nvSpPr>
-        <p:spPr>
+        </p:nvPicPr>
+        <p:blipFill>
+          <a:blip r:embed="rId3">
+            <a:extLst>
+              <a:ext uri="{28A0092B-C50C-407E-A947-70E740481C1C}">
+                <a14:useLocalDpi xmlns:a14="http://schemas.microsoft.com/office/drawing/2010/main" val="0"/>
+              </a:ext>
+            </a:extLst>
+          </a:blip>
+          <a:srcRect/>
+          <a:stretch>
+            <a:fillRect/>
+          </a:stretch>
+        </p:blipFill>
+        <p:spPr bwMode="auto">
           <a:xfrm>
-            <a:off x="742674" y="2710261"/>
-            <a:ext cx="13781400" cy="3283591"/>
+            <a:off x="2506268" y="2099788"/>
+            <a:ext cx="13249294" cy="8670365"/>
           </a:xfrm>
           <a:prstGeom prst="rect">
             <a:avLst/>
           </a:prstGeom>
           <a:noFill/>
+          <a:extLst>
+            <a:ext uri="{909E8E84-426E-40DD-AFC4-6F175D3DCCD1}">
+              <a14:hiddenFill xmlns:a14="http://schemas.microsoft.com/office/drawing/2010/main">
+                <a:solidFill>
+                  <a:srgbClr val="FFFFFF"/>
+                </a:solidFill>
+              </a14:hiddenFill>
+            </a:ext>
+          </a:extLst>
         </p:spPr>
-        <p:txBody>
-          <a:bodyPr wrap="square">
-            <a:spAutoFit/>
-          </a:bodyPr>
-          <a:lstStyle/>
-          <a:p>
-            <a:pPr marL="571500" indent="-571500" algn="just">
-              <a:lnSpc>
-                <a:spcPct val="150000"/>
-              </a:lnSpc>
-              <a:buFontTx/>
-              <a:buChar char="-"/>
-            </a:pPr>
-            <a:r>
-              <a:rPr lang="en-US" sz="4800" dirty="0">
-                <a:solidFill>
-                  <a:schemeClr val="tx2"/>
-                </a:solidFill>
-                <a:latin typeface="Times New Roman" panose="02020603050405020304" pitchFamily="18" charset="0"/>
-                <a:ea typeface="Verdana" panose="020B0604030504040204" pitchFamily="34" charset="0"/>
-                <a:cs typeface="Times New Roman" panose="02020603050405020304" pitchFamily="18" charset="0"/>
-              </a:rPr>
-              <a:t>Count Vectorizer</a:t>
-            </a:r>
-          </a:p>
-          <a:p>
-            <a:pPr marL="571500" indent="-571500" algn="just">
-              <a:lnSpc>
-                <a:spcPct val="150000"/>
-              </a:lnSpc>
-              <a:buFontTx/>
-              <a:buChar char="-"/>
-            </a:pPr>
-            <a:r>
-              <a:rPr lang="en-US" sz="4800" dirty="0" err="1">
-                <a:solidFill>
-                  <a:schemeClr val="tx2"/>
-                </a:solidFill>
-                <a:latin typeface="Times New Roman" panose="02020603050405020304" pitchFamily="18" charset="0"/>
-                <a:ea typeface="Verdana" panose="020B0604030504040204" pitchFamily="34" charset="0"/>
-                <a:cs typeface="Times New Roman" panose="02020603050405020304" pitchFamily="18" charset="0"/>
-              </a:rPr>
-              <a:t>Tf-idf</a:t>
-            </a:r>
-            <a:r>
-              <a:rPr lang="en-US" sz="4800" dirty="0">
-                <a:solidFill>
-                  <a:schemeClr val="tx2"/>
-                </a:solidFill>
-                <a:latin typeface="Times New Roman" panose="02020603050405020304" pitchFamily="18" charset="0"/>
-                <a:ea typeface="Verdana" panose="020B0604030504040204" pitchFamily="34" charset="0"/>
-                <a:cs typeface="Times New Roman" panose="02020603050405020304" pitchFamily="18" charset="0"/>
-              </a:rPr>
-              <a:t> Vectorizer</a:t>
-            </a:r>
-          </a:p>
-          <a:p>
-            <a:pPr marL="571500" indent="-571500" algn="just">
-              <a:lnSpc>
-                <a:spcPct val="150000"/>
-              </a:lnSpc>
-              <a:buFontTx/>
-              <a:buChar char="-"/>
-            </a:pPr>
-            <a:r>
-              <a:rPr lang="en-US" sz="4800" dirty="0">
-                <a:solidFill>
-                  <a:schemeClr val="tx2"/>
-                </a:solidFill>
-                <a:latin typeface="Times New Roman" panose="02020603050405020304" pitchFamily="18" charset="0"/>
-                <a:ea typeface="Verdana" panose="020B0604030504040204" pitchFamily="34" charset="0"/>
-                <a:cs typeface="Times New Roman" panose="02020603050405020304" pitchFamily="18" charset="0"/>
-              </a:rPr>
-              <a:t>Pre-trained Word2vec (By Google on 2013)</a:t>
-            </a:r>
-          </a:p>
-        </p:txBody>
-      </p:sp>
-      <p:sp>
-        <p:nvSpPr>
-          <p:cNvPr id="8" name="Rectangle 7">
+      </p:pic>
+      <p:sp>
+        <p:nvSpPr>
+          <p:cNvPr id="18" name="Rectangle 17">
             <a:extLst>
               <a:ext uri="{FF2B5EF4-FFF2-40B4-BE49-F238E27FC236}">
-                <a16:creationId xmlns:a16="http://schemas.microsoft.com/office/drawing/2014/main" id="{237435F4-2B7F-4679-BB33-A9B5528997C1}"/>
+                <a16:creationId xmlns:a16="http://schemas.microsoft.com/office/drawing/2014/main" id="{88A053BA-DC06-4AC8-9F0E-FCF8F5B5E9BA}"/>
               </a:ext>
             </a:extLst>
           </p:cNvPr>
@@ -5249,20 +8378,297 @@
           </a:p>
         </p:txBody>
       </p:sp>
+      <p:sp>
+        <p:nvSpPr>
+          <p:cNvPr id="4" name="Rectangle 3">
+            <a:extLst>
+              <a:ext uri="{FF2B5EF4-FFF2-40B4-BE49-F238E27FC236}">
+                <a16:creationId xmlns:a16="http://schemas.microsoft.com/office/drawing/2014/main" id="{DFDA6C82-83FC-4A80-844F-0664A4A229A3}"/>
+              </a:ext>
+            </a:extLst>
+          </p:cNvPr>
+          <p:cNvSpPr/>
+          <p:nvPr/>
+        </p:nvSpPr>
+        <p:spPr>
+          <a:xfrm>
+            <a:off x="3491344" y="4197927"/>
+            <a:ext cx="1496291" cy="477982"/>
+          </a:xfrm>
+          <a:prstGeom prst="rect">
+            <a:avLst/>
+          </a:prstGeom>
+          <a:noFill/>
+          <a:ln>
+            <a:solidFill>
+              <a:srgbClr val="FF0000"/>
+            </a:solidFill>
+          </a:ln>
+        </p:spPr>
+        <p:style>
+          <a:lnRef idx="2">
+            <a:schemeClr val="accent1">
+              <a:shade val="50000"/>
+            </a:schemeClr>
+          </a:lnRef>
+          <a:fillRef idx="1">
+            <a:schemeClr val="accent1"/>
+          </a:fillRef>
+          <a:effectRef idx="0">
+            <a:schemeClr val="accent1"/>
+          </a:effectRef>
+          <a:fontRef idx="minor">
+            <a:schemeClr val="lt1"/>
+          </a:fontRef>
+        </p:style>
+        <p:txBody>
+          <a:bodyPr rtlCol="0" anchor="ctr"/>
+          <a:lstStyle/>
+          <a:p>
+            <a:pPr algn="ctr"/>
+            <a:endParaRPr lang="en-SG"/>
+          </a:p>
+        </p:txBody>
+      </p:sp>
+      <p:sp>
+        <p:nvSpPr>
+          <p:cNvPr id="11" name="Rectangle 10">
+            <a:extLst>
+              <a:ext uri="{FF2B5EF4-FFF2-40B4-BE49-F238E27FC236}">
+                <a16:creationId xmlns:a16="http://schemas.microsoft.com/office/drawing/2014/main" id="{94FF377D-5836-4391-8641-A1DABA0B3DCC}"/>
+              </a:ext>
+            </a:extLst>
+          </p:cNvPr>
+          <p:cNvSpPr/>
+          <p:nvPr/>
+        </p:nvSpPr>
+        <p:spPr>
+          <a:xfrm>
+            <a:off x="2506268" y="6261430"/>
+            <a:ext cx="2294332" cy="477982"/>
+          </a:xfrm>
+          <a:prstGeom prst="rect">
+            <a:avLst/>
+          </a:prstGeom>
+          <a:noFill/>
+          <a:ln>
+            <a:solidFill>
+              <a:srgbClr val="FF0000"/>
+            </a:solidFill>
+          </a:ln>
+        </p:spPr>
+        <p:style>
+          <a:lnRef idx="2">
+            <a:schemeClr val="accent1">
+              <a:shade val="50000"/>
+            </a:schemeClr>
+          </a:lnRef>
+          <a:fillRef idx="1">
+            <a:schemeClr val="accent1"/>
+          </a:fillRef>
+          <a:effectRef idx="0">
+            <a:schemeClr val="accent1"/>
+          </a:effectRef>
+          <a:fontRef idx="minor">
+            <a:schemeClr val="lt1"/>
+          </a:fontRef>
+        </p:style>
+        <p:txBody>
+          <a:bodyPr rtlCol="0" anchor="ctr"/>
+          <a:lstStyle/>
+          <a:p>
+            <a:pPr algn="ctr"/>
+            <a:endParaRPr lang="en-SG"/>
+          </a:p>
+        </p:txBody>
+      </p:sp>
+      <p:sp>
+        <p:nvSpPr>
+          <p:cNvPr id="8" name="TextBox 7">
+            <a:extLst>
+              <a:ext uri="{FF2B5EF4-FFF2-40B4-BE49-F238E27FC236}">
+                <a16:creationId xmlns:a16="http://schemas.microsoft.com/office/drawing/2014/main" id="{E281649C-EE4D-47CD-80F0-EC00A2CE1B62}"/>
+              </a:ext>
+            </a:extLst>
+          </p:cNvPr>
+          <p:cNvSpPr txBox="1"/>
+          <p:nvPr/>
+        </p:nvSpPr>
+        <p:spPr>
+          <a:xfrm>
+            <a:off x="1870364" y="5174673"/>
+            <a:ext cx="1870363" cy="523220"/>
+          </a:xfrm>
+          <a:prstGeom prst="rect">
+            <a:avLst/>
+          </a:prstGeom>
+          <a:noFill/>
+        </p:spPr>
+        <p:txBody>
+          <a:bodyPr wrap="square" rtlCol="0">
+            <a:spAutoFit/>
+          </a:bodyPr>
+          <a:lstStyle/>
+          <a:p>
+            <a:r>
+              <a:rPr lang="en-US" sz="2800" dirty="0">
+                <a:solidFill>
+                  <a:srgbClr val="FF0000"/>
+                </a:solidFill>
+              </a:rPr>
+              <a:t>Removed</a:t>
+            </a:r>
+            <a:endParaRPr lang="en-SG" sz="2800" dirty="0">
+              <a:solidFill>
+                <a:srgbClr val="FF0000"/>
+              </a:solidFill>
+            </a:endParaRPr>
+          </a:p>
+        </p:txBody>
+      </p:sp>
+      <p:cxnSp>
+        <p:nvCxnSpPr>
+          <p:cNvPr id="10" name="Straight Arrow Connector 9">
+            <a:extLst>
+              <a:ext uri="{FF2B5EF4-FFF2-40B4-BE49-F238E27FC236}">
+                <a16:creationId xmlns:a16="http://schemas.microsoft.com/office/drawing/2014/main" id="{E8E48A68-06AE-48C5-883D-AB7DC9AA4AAF}"/>
+              </a:ext>
+            </a:extLst>
+          </p:cNvPr>
+          <p:cNvCxnSpPr>
+            <a:cxnSpLocks/>
+            <a:stCxn id="8" idx="0"/>
+            <a:endCxn id="4" idx="1"/>
+          </p:cNvCxnSpPr>
+          <p:nvPr/>
+        </p:nvCxnSpPr>
+        <p:spPr>
+          <a:xfrm flipV="1">
+            <a:off x="2805546" y="4436918"/>
+            <a:ext cx="685798" cy="737755"/>
+          </a:xfrm>
+          <a:prstGeom prst="straightConnector1">
+            <a:avLst/>
+          </a:prstGeom>
+          <a:ln>
+            <a:solidFill>
+              <a:srgbClr val="FF0000"/>
+            </a:solidFill>
+            <a:tailEnd type="triangle"/>
+          </a:ln>
+        </p:spPr>
+        <p:style>
+          <a:lnRef idx="1">
+            <a:schemeClr val="accent1"/>
+          </a:lnRef>
+          <a:fillRef idx="0">
+            <a:schemeClr val="accent1"/>
+          </a:fillRef>
+          <a:effectRef idx="0">
+            <a:schemeClr val="accent1"/>
+          </a:effectRef>
+          <a:fontRef idx="minor">
+            <a:schemeClr val="tx1"/>
+          </a:fontRef>
+        </p:style>
+      </p:cxnSp>
+      <p:cxnSp>
+        <p:nvCxnSpPr>
+          <p:cNvPr id="16" name="Straight Arrow Connector 15">
+            <a:extLst>
+              <a:ext uri="{FF2B5EF4-FFF2-40B4-BE49-F238E27FC236}">
+                <a16:creationId xmlns:a16="http://schemas.microsoft.com/office/drawing/2014/main" id="{7336FE74-FF4D-4BE2-8CD5-270EDFA4FB87}"/>
+              </a:ext>
+            </a:extLst>
+          </p:cNvPr>
+          <p:cNvCxnSpPr>
+            <a:cxnSpLocks/>
+            <a:endCxn id="11" idx="0"/>
+          </p:cNvCxnSpPr>
+          <p:nvPr/>
+        </p:nvCxnSpPr>
+        <p:spPr>
+          <a:xfrm>
+            <a:off x="2805546" y="5697893"/>
+            <a:ext cx="847888" cy="563537"/>
+          </a:xfrm>
+          <a:prstGeom prst="straightConnector1">
+            <a:avLst/>
+          </a:prstGeom>
+          <a:ln>
+            <a:solidFill>
+              <a:srgbClr val="FF0000"/>
+            </a:solidFill>
+            <a:tailEnd type="triangle"/>
+          </a:ln>
+        </p:spPr>
+        <p:style>
+          <a:lnRef idx="1">
+            <a:schemeClr val="accent1"/>
+          </a:lnRef>
+          <a:fillRef idx="0">
+            <a:schemeClr val="accent1"/>
+          </a:fillRef>
+          <a:effectRef idx="0">
+            <a:schemeClr val="accent1"/>
+          </a:effectRef>
+          <a:fontRef idx="minor">
+            <a:schemeClr val="tx1"/>
+          </a:fontRef>
+        </p:style>
+      </p:cxnSp>
+      <p:pic>
+        <p:nvPicPr>
+          <p:cNvPr id="6" name="Picture 5">
+            <a:extLst>
+              <a:ext uri="{FF2B5EF4-FFF2-40B4-BE49-F238E27FC236}">
+                <a16:creationId xmlns:a16="http://schemas.microsoft.com/office/drawing/2014/main" id="{8F64043C-3AC7-464C-BD98-765BBFF94E6D}"/>
+              </a:ext>
+            </a:extLst>
+          </p:cNvPr>
+          <p:cNvPicPr>
+            <a:picLocks noChangeAspect="1"/>
+          </p:cNvPicPr>
+          <p:nvPr/>
+        </p:nvPicPr>
+        <p:blipFill>
+          <a:blip r:embed="rId4"/>
+          <a:stretch>
+            <a:fillRect/>
+          </a:stretch>
+        </p:blipFill>
+        <p:spPr>
+          <a:xfrm>
+            <a:off x="15958560" y="2099788"/>
+            <a:ext cx="6924675" cy="1790700"/>
+          </a:xfrm>
+          <a:prstGeom prst="rect">
+            <a:avLst/>
+          </a:prstGeom>
+        </p:spPr>
+      </p:pic>
     </p:spTree>
     <p:extLst>
       <p:ext uri="{BB962C8B-B14F-4D97-AF65-F5344CB8AC3E}">
-        <p14:creationId xmlns:p14="http://schemas.microsoft.com/office/powerpoint/2010/main" val="1596917494"/>
+        <p14:creationId xmlns:p14="http://schemas.microsoft.com/office/powerpoint/2010/main" val="110993018"/>
       </p:ext>
     </p:extLst>
   </p:cSld>
   <p:clrMapOvr>
     <a:masterClrMapping/>
   </p:clrMapOvr>
+  <mc:AlternateContent xmlns:mc="http://schemas.openxmlformats.org/markup-compatibility/2006" xmlns:p14="http://schemas.microsoft.com/office/powerpoint/2010/main">
+    <mc:Choice Requires="p14">
+      <p:transition p14:dur="10"/>
+    </mc:Choice>
+    <mc:Fallback xmlns="">
+      <p:transition/>
+    </mc:Fallback>
+  </mc:AlternateContent>
 </p:sld>
 </file>
 
-<file path=ppt/slides/slide7.xml><?xml version="1.0" encoding="utf-8"?>
+<file path=ppt/slides/slide6.xml><?xml version="1.0" encoding="utf-8"?>
 <p:sld xmlns:a="http://schemas.openxmlformats.org/drawingml/2006/main" xmlns:r="http://schemas.openxmlformats.org/officeDocument/2006/relationships" xmlns:p="http://schemas.openxmlformats.org/presentationml/2006/main" showMasterSp="0">
   <p:cSld>
     <p:spTree>
@@ -5288,7 +8694,7 @@
         <p:spPr>
           <a:xfrm>
             <a:off x="742674" y="632913"/>
-            <a:ext cx="10591800" cy="1846659"/>
+            <a:ext cx="10591800" cy="1015663"/>
           </a:xfrm>
           <a:prstGeom prst="rect">
             <a:avLst/>
@@ -5310,41 +8716,17 @@
                 <a:ea typeface="Playfair Display SC" charset="0"/>
                 <a:cs typeface="Playfair Display SC" charset="0"/>
               </a:rPr>
-              <a:t>Pre-Processing</a:t>
+              <a:t>Feature Engineering</a:t>
             </a:r>
           </a:p>
-          <a:p>
-            <a:r>
-              <a:rPr lang="en-US" sz="5400" spc="600" dirty="0" err="1">
-                <a:solidFill>
-                  <a:schemeClr val="tx2"/>
-                </a:solidFill>
-                <a:latin typeface="Playfair Display SC" charset="0"/>
-                <a:ea typeface="Playfair Display SC" charset="0"/>
-                <a:cs typeface="Playfair Display SC" charset="0"/>
-              </a:rPr>
-              <a:t>Pca</a:t>
-            </a:r>
-            <a:r>
-              <a:rPr lang="en-US" sz="5400" spc="600" dirty="0">
-                <a:solidFill>
-                  <a:schemeClr val="tx2"/>
-                </a:solidFill>
-                <a:latin typeface="Playfair Display SC" charset="0"/>
-                <a:ea typeface="Playfair Display SC" charset="0"/>
-                <a:cs typeface="Playfair Display SC" charset="0"/>
-              </a:rPr>
-              <a:t> Visualization</a:t>
-            </a:r>
-          </a:p>
         </p:txBody>
       </p:sp>
       <p:sp>
         <p:nvSpPr>
-          <p:cNvPr id="4" name="TextBox 3">
+          <p:cNvPr id="7" name="TextBox 6">
             <a:extLst>
               <a:ext uri="{FF2B5EF4-FFF2-40B4-BE49-F238E27FC236}">
-                <a16:creationId xmlns:a16="http://schemas.microsoft.com/office/drawing/2014/main" id="{0EB741EB-89C4-41A4-B2D0-EB04F374D70C}"/>
+                <a16:creationId xmlns:a16="http://schemas.microsoft.com/office/drawing/2014/main" id="{CEE5E7BC-17E2-47B7-8580-9955F8CE3796}"/>
               </a:ext>
             </a:extLst>
           </p:cNvPr>
@@ -5353,8 +8735,8 @@
         </p:nvSpPr>
         <p:spPr>
           <a:xfrm>
-            <a:off x="2901188" y="3667889"/>
-            <a:ext cx="4616605" cy="646331"/>
+            <a:off x="742674" y="2710261"/>
+            <a:ext cx="13781400" cy="3283591"/>
           </a:xfrm>
           <a:prstGeom prst="rect">
             <a:avLst/>
@@ -5362,641 +8744,89 @@
           <a:noFill/>
         </p:spPr>
         <p:txBody>
-          <a:bodyPr wrap="square" rtlCol="0">
+          <a:bodyPr wrap="square">
             <a:spAutoFit/>
           </a:bodyPr>
           <a:lstStyle/>
           <a:p>
+            <a:pPr marL="571500" indent="-571500" algn="just">
+              <a:lnSpc>
+                <a:spcPct val="150000"/>
+              </a:lnSpc>
+              <a:buFontTx/>
+              <a:buChar char="-"/>
+            </a:pPr>
             <a:r>
-              <a:rPr lang="en-US" b="1" dirty="0">
+              <a:rPr lang="en-US" sz="4800" dirty="0">
                 <a:solidFill>
                   <a:schemeClr val="tx2"/>
                 </a:solidFill>
                 <a:latin typeface="Times New Roman" panose="02020603050405020304" pitchFamily="18" charset="0"/>
+                <a:ea typeface="Verdana" panose="020B0604030504040204" pitchFamily="34" charset="0"/>
                 <a:cs typeface="Times New Roman" panose="02020603050405020304" pitchFamily="18" charset="0"/>
               </a:rPr>
               <a:t>Count Vectorizer</a:t>
             </a:r>
-            <a:endParaRPr lang="en-SG" b="1" dirty="0">
-              <a:solidFill>
-                <a:schemeClr val="tx2"/>
-              </a:solidFill>
-              <a:latin typeface="Times New Roman" panose="02020603050405020304" pitchFamily="18" charset="0"/>
-              <a:cs typeface="Times New Roman" panose="02020603050405020304" pitchFamily="18" charset="0"/>
-            </a:endParaRPr>
-          </a:p>
-        </p:txBody>
-      </p:sp>
-      <p:sp>
-        <p:nvSpPr>
-          <p:cNvPr id="9" name="TextBox 8">
-            <a:extLst>
-              <a:ext uri="{FF2B5EF4-FFF2-40B4-BE49-F238E27FC236}">
-                <a16:creationId xmlns:a16="http://schemas.microsoft.com/office/drawing/2014/main" id="{573E548B-B2A1-4843-BC31-6A8C24ECA26F}"/>
-              </a:ext>
-            </a:extLst>
-          </p:cNvPr>
-          <p:cNvSpPr txBox="1"/>
-          <p:nvPr/>
-        </p:nvSpPr>
-        <p:spPr>
-          <a:xfrm>
-            <a:off x="9980585" y="3780259"/>
-            <a:ext cx="4616605" cy="646331"/>
-          </a:xfrm>
-          <a:prstGeom prst="rect">
-            <a:avLst/>
-          </a:prstGeom>
-          <a:noFill/>
-        </p:spPr>
-        <p:txBody>
-          <a:bodyPr wrap="square" rtlCol="0">
-            <a:spAutoFit/>
-          </a:bodyPr>
-          <a:lstStyle/>
-          <a:p>
+          </a:p>
+          <a:p>
+            <a:pPr marL="571500" indent="-571500" algn="just">
+              <a:lnSpc>
+                <a:spcPct val="150000"/>
+              </a:lnSpc>
+              <a:buFontTx/>
+              <a:buChar char="-"/>
+            </a:pPr>
             <a:r>
-              <a:rPr lang="en-US" b="1" dirty="0" err="1">
+              <a:rPr lang="en-US" sz="4800" dirty="0" err="1">
                 <a:solidFill>
                   <a:schemeClr val="tx2"/>
                 </a:solidFill>
                 <a:latin typeface="Times New Roman" panose="02020603050405020304" pitchFamily="18" charset="0"/>
+                <a:ea typeface="Verdana" panose="020B0604030504040204" pitchFamily="34" charset="0"/>
                 <a:cs typeface="Times New Roman" panose="02020603050405020304" pitchFamily="18" charset="0"/>
               </a:rPr>
               <a:t>Tf-idf</a:t>
             </a:r>
             <a:r>
-              <a:rPr lang="en-US" b="1" dirty="0">
+              <a:rPr lang="en-US" sz="4800" dirty="0">
                 <a:solidFill>
                   <a:schemeClr val="tx2"/>
                 </a:solidFill>
                 <a:latin typeface="Times New Roman" panose="02020603050405020304" pitchFamily="18" charset="0"/>
+                <a:ea typeface="Verdana" panose="020B0604030504040204" pitchFamily="34" charset="0"/>
                 <a:cs typeface="Times New Roman" panose="02020603050405020304" pitchFamily="18" charset="0"/>
               </a:rPr>
               <a:t> Vectorizer</a:t>
             </a:r>
-            <a:endParaRPr lang="en-SG" b="1" dirty="0">
-              <a:solidFill>
-                <a:schemeClr val="tx2"/>
-              </a:solidFill>
-              <a:latin typeface="Times New Roman" panose="02020603050405020304" pitchFamily="18" charset="0"/>
-              <a:cs typeface="Times New Roman" panose="02020603050405020304" pitchFamily="18" charset="0"/>
-            </a:endParaRPr>
-          </a:p>
-        </p:txBody>
-      </p:sp>
-      <p:sp>
-        <p:nvSpPr>
-          <p:cNvPr id="10" name="TextBox 9">
-            <a:extLst>
-              <a:ext uri="{FF2B5EF4-FFF2-40B4-BE49-F238E27FC236}">
-                <a16:creationId xmlns:a16="http://schemas.microsoft.com/office/drawing/2014/main" id="{42D203EE-BA12-4B6F-96C7-3B0CA6AA7898}"/>
-              </a:ext>
-            </a:extLst>
-          </p:cNvPr>
-          <p:cNvSpPr txBox="1"/>
-          <p:nvPr/>
-        </p:nvSpPr>
-        <p:spPr>
-          <a:xfrm>
-            <a:off x="11334474" y="9349344"/>
-            <a:ext cx="4616605" cy="584775"/>
-          </a:xfrm>
-          <a:prstGeom prst="rect">
-            <a:avLst/>
-          </a:prstGeom>
-          <a:noFill/>
-        </p:spPr>
-        <p:txBody>
-          <a:bodyPr wrap="square" rtlCol="0">
-            <a:spAutoFit/>
-          </a:bodyPr>
-          <a:lstStyle/>
-          <a:p>
+          </a:p>
+          <a:p>
+            <a:pPr marL="571500" indent="-571500" algn="just">
+              <a:lnSpc>
+                <a:spcPct val="150000"/>
+              </a:lnSpc>
+              <a:buFontTx/>
+              <a:buChar char="-"/>
+            </a:pPr>
             <a:r>
-              <a:rPr lang="en-US" sz="3200" dirty="0">
+              <a:rPr lang="en-US" sz="4800" dirty="0">
                 <a:solidFill>
                   <a:schemeClr val="tx2"/>
                 </a:solidFill>
                 <a:latin typeface="Times New Roman" panose="02020603050405020304" pitchFamily="18" charset="0"/>
+                <a:ea typeface="Verdana" panose="020B0604030504040204" pitchFamily="34" charset="0"/>
                 <a:cs typeface="Times New Roman" panose="02020603050405020304" pitchFamily="18" charset="0"/>
               </a:rPr>
-              <a:t>PC1</a:t>
+              <a:t>Pre-trained Word2vec (By Google on 2013)</a:t>
             </a:r>
-            <a:endParaRPr lang="en-SG" dirty="0">
-              <a:solidFill>
-                <a:schemeClr val="tx2"/>
-              </a:solidFill>
-              <a:latin typeface="Times New Roman" panose="02020603050405020304" pitchFamily="18" charset="0"/>
-              <a:cs typeface="Times New Roman" panose="02020603050405020304" pitchFamily="18" charset="0"/>
-            </a:endParaRPr>
           </a:p>
         </p:txBody>
       </p:sp>
       <p:sp>
         <p:nvSpPr>
-          <p:cNvPr id="11" name="TextBox 10">
+          <p:cNvPr id="8" name="Rectangle 7">
             <a:extLst>
               <a:ext uri="{FF2B5EF4-FFF2-40B4-BE49-F238E27FC236}">
-                <a16:creationId xmlns:a16="http://schemas.microsoft.com/office/drawing/2014/main" id="{FE8EDF48-93F9-42C3-95A2-77B21578594A}"/>
-              </a:ext>
-            </a:extLst>
-          </p:cNvPr>
-          <p:cNvSpPr txBox="1"/>
-          <p:nvPr/>
-        </p:nvSpPr>
-        <p:spPr>
-          <a:xfrm>
-            <a:off x="8116168" y="6665086"/>
-            <a:ext cx="1233814" cy="584775"/>
-          </a:xfrm>
-          <a:prstGeom prst="rect">
-            <a:avLst/>
-          </a:prstGeom>
-          <a:noFill/>
-        </p:spPr>
-        <p:txBody>
-          <a:bodyPr wrap="square" rtlCol="0">
-            <a:spAutoFit/>
-          </a:bodyPr>
-          <a:lstStyle/>
-          <a:p>
-            <a:r>
-              <a:rPr lang="en-US" sz="3200" dirty="0">
-                <a:solidFill>
-                  <a:schemeClr val="tx2"/>
-                </a:solidFill>
-                <a:latin typeface="Times New Roman" panose="02020603050405020304" pitchFamily="18" charset="0"/>
-                <a:cs typeface="Times New Roman" panose="02020603050405020304" pitchFamily="18" charset="0"/>
-              </a:rPr>
-              <a:t>PC2</a:t>
-            </a:r>
-            <a:endParaRPr lang="en-SG" sz="4400" dirty="0">
-              <a:solidFill>
-                <a:schemeClr val="tx2"/>
-              </a:solidFill>
-              <a:latin typeface="Times New Roman" panose="02020603050405020304" pitchFamily="18" charset="0"/>
-              <a:cs typeface="Times New Roman" panose="02020603050405020304" pitchFamily="18" charset="0"/>
-            </a:endParaRPr>
-          </a:p>
-        </p:txBody>
-      </p:sp>
-      <p:sp>
-        <p:nvSpPr>
-          <p:cNvPr id="14" name="TextBox 13">
-            <a:extLst>
-              <a:ext uri="{FF2B5EF4-FFF2-40B4-BE49-F238E27FC236}">
-                <a16:creationId xmlns:a16="http://schemas.microsoft.com/office/drawing/2014/main" id="{74FFBF98-DBA0-4F5B-9C4A-92F083851728}"/>
-              </a:ext>
-            </a:extLst>
-          </p:cNvPr>
-          <p:cNvSpPr txBox="1"/>
-          <p:nvPr/>
-        </p:nvSpPr>
-        <p:spPr>
-          <a:xfrm>
-            <a:off x="4116470" y="9501040"/>
-            <a:ext cx="4616605" cy="584775"/>
-          </a:xfrm>
-          <a:prstGeom prst="rect">
-            <a:avLst/>
-          </a:prstGeom>
-          <a:noFill/>
-        </p:spPr>
-        <p:txBody>
-          <a:bodyPr wrap="square" rtlCol="0">
-            <a:spAutoFit/>
-          </a:bodyPr>
-          <a:lstStyle/>
-          <a:p>
-            <a:r>
-              <a:rPr lang="en-US" sz="3200" dirty="0">
-                <a:solidFill>
-                  <a:schemeClr val="tx2"/>
-                </a:solidFill>
-                <a:latin typeface="Times New Roman" panose="02020603050405020304" pitchFamily="18" charset="0"/>
-                <a:cs typeface="Times New Roman" panose="02020603050405020304" pitchFamily="18" charset="0"/>
-              </a:rPr>
-              <a:t>PC1</a:t>
-            </a:r>
-            <a:endParaRPr lang="en-SG" dirty="0">
-              <a:solidFill>
-                <a:schemeClr val="tx2"/>
-              </a:solidFill>
-              <a:latin typeface="Times New Roman" panose="02020603050405020304" pitchFamily="18" charset="0"/>
-              <a:cs typeface="Times New Roman" panose="02020603050405020304" pitchFamily="18" charset="0"/>
-            </a:endParaRPr>
-          </a:p>
-        </p:txBody>
-      </p:sp>
-      <p:sp>
-        <p:nvSpPr>
-          <p:cNvPr id="15" name="TextBox 14">
-            <a:extLst>
-              <a:ext uri="{FF2B5EF4-FFF2-40B4-BE49-F238E27FC236}">
-                <a16:creationId xmlns:a16="http://schemas.microsoft.com/office/drawing/2014/main" id="{35345FBA-EC0E-4D0B-ADAF-E441D97547A1}"/>
-              </a:ext>
-            </a:extLst>
-          </p:cNvPr>
-          <p:cNvSpPr txBox="1"/>
-          <p:nvPr/>
-        </p:nvSpPr>
-        <p:spPr>
-          <a:xfrm>
-            <a:off x="811243" y="6388937"/>
-            <a:ext cx="1233814" cy="584775"/>
-          </a:xfrm>
-          <a:prstGeom prst="rect">
-            <a:avLst/>
-          </a:prstGeom>
-          <a:noFill/>
-        </p:spPr>
-        <p:txBody>
-          <a:bodyPr wrap="square" rtlCol="0">
-            <a:spAutoFit/>
-          </a:bodyPr>
-          <a:lstStyle/>
-          <a:p>
-            <a:r>
-              <a:rPr lang="en-US" sz="3200" dirty="0">
-                <a:solidFill>
-                  <a:schemeClr val="tx2"/>
-                </a:solidFill>
-                <a:latin typeface="Times New Roman" panose="02020603050405020304" pitchFamily="18" charset="0"/>
-                <a:cs typeface="Times New Roman" panose="02020603050405020304" pitchFamily="18" charset="0"/>
-              </a:rPr>
-              <a:t>PC2</a:t>
-            </a:r>
-            <a:endParaRPr lang="en-SG" sz="4400" dirty="0">
-              <a:solidFill>
-                <a:schemeClr val="tx2"/>
-              </a:solidFill>
-              <a:latin typeface="Times New Roman" panose="02020603050405020304" pitchFamily="18" charset="0"/>
-              <a:cs typeface="Times New Roman" panose="02020603050405020304" pitchFamily="18" charset="0"/>
-            </a:endParaRPr>
-          </a:p>
-        </p:txBody>
-      </p:sp>
-      <p:sp>
-        <p:nvSpPr>
-          <p:cNvPr id="18" name="TextBox 17">
-            <a:extLst>
-              <a:ext uri="{FF2B5EF4-FFF2-40B4-BE49-F238E27FC236}">
-                <a16:creationId xmlns:a16="http://schemas.microsoft.com/office/drawing/2014/main" id="{3EE96DE2-E298-49FC-92E3-E72BBB6976DA}"/>
-              </a:ext>
-            </a:extLst>
-          </p:cNvPr>
-          <p:cNvSpPr txBox="1"/>
-          <p:nvPr/>
-        </p:nvSpPr>
-        <p:spPr>
-          <a:xfrm>
-            <a:off x="19076096" y="9526772"/>
-            <a:ext cx="4616605" cy="584775"/>
-          </a:xfrm>
-          <a:prstGeom prst="rect">
-            <a:avLst/>
-          </a:prstGeom>
-          <a:noFill/>
-        </p:spPr>
-        <p:txBody>
-          <a:bodyPr wrap="square" rtlCol="0">
-            <a:spAutoFit/>
-          </a:bodyPr>
-          <a:lstStyle/>
-          <a:p>
-            <a:r>
-              <a:rPr lang="en-US" sz="3200" dirty="0">
-                <a:solidFill>
-                  <a:schemeClr val="tx2"/>
-                </a:solidFill>
-                <a:latin typeface="Times New Roman" panose="02020603050405020304" pitchFamily="18" charset="0"/>
-                <a:cs typeface="Times New Roman" panose="02020603050405020304" pitchFamily="18" charset="0"/>
-              </a:rPr>
-              <a:t>PC1</a:t>
-            </a:r>
-            <a:endParaRPr lang="en-SG" dirty="0">
-              <a:solidFill>
-                <a:schemeClr val="tx2"/>
-              </a:solidFill>
-              <a:latin typeface="Times New Roman" panose="02020603050405020304" pitchFamily="18" charset="0"/>
-              <a:cs typeface="Times New Roman" panose="02020603050405020304" pitchFamily="18" charset="0"/>
-            </a:endParaRPr>
-          </a:p>
-        </p:txBody>
-      </p:sp>
-      <p:sp>
-        <p:nvSpPr>
-          <p:cNvPr id="19" name="TextBox 18">
-            <a:extLst>
-              <a:ext uri="{FF2B5EF4-FFF2-40B4-BE49-F238E27FC236}">
-                <a16:creationId xmlns:a16="http://schemas.microsoft.com/office/drawing/2014/main" id="{90B1D754-AB9E-4B15-B12A-7EFD9C6E7189}"/>
-              </a:ext>
-            </a:extLst>
-          </p:cNvPr>
-          <p:cNvSpPr txBox="1"/>
-          <p:nvPr/>
-        </p:nvSpPr>
-        <p:spPr>
-          <a:xfrm>
-            <a:off x="15669639" y="6761835"/>
-            <a:ext cx="1233814" cy="584775"/>
-          </a:xfrm>
-          <a:prstGeom prst="rect">
-            <a:avLst/>
-          </a:prstGeom>
-          <a:noFill/>
-        </p:spPr>
-        <p:txBody>
-          <a:bodyPr wrap="square" rtlCol="0">
-            <a:spAutoFit/>
-          </a:bodyPr>
-          <a:lstStyle/>
-          <a:p>
-            <a:r>
-              <a:rPr lang="en-US" sz="3200" dirty="0">
-                <a:solidFill>
-                  <a:schemeClr val="tx2"/>
-                </a:solidFill>
-                <a:latin typeface="Times New Roman" panose="02020603050405020304" pitchFamily="18" charset="0"/>
-                <a:cs typeface="Times New Roman" panose="02020603050405020304" pitchFamily="18" charset="0"/>
-              </a:rPr>
-              <a:t>PC2</a:t>
-            </a:r>
-            <a:endParaRPr lang="en-SG" sz="4400" dirty="0">
-              <a:solidFill>
-                <a:schemeClr val="tx2"/>
-              </a:solidFill>
-              <a:latin typeface="Times New Roman" panose="02020603050405020304" pitchFamily="18" charset="0"/>
-              <a:cs typeface="Times New Roman" panose="02020603050405020304" pitchFamily="18" charset="0"/>
-            </a:endParaRPr>
-          </a:p>
-        </p:txBody>
-      </p:sp>
-      <p:sp>
-        <p:nvSpPr>
-          <p:cNvPr id="20" name="TextBox 19">
-            <a:extLst>
-              <a:ext uri="{FF2B5EF4-FFF2-40B4-BE49-F238E27FC236}">
-                <a16:creationId xmlns:a16="http://schemas.microsoft.com/office/drawing/2014/main" id="{9D0F2B5E-C41F-45D7-A13A-12EE2AF1F7E1}"/>
-              </a:ext>
-            </a:extLst>
-          </p:cNvPr>
-          <p:cNvSpPr txBox="1"/>
-          <p:nvPr/>
-        </p:nvSpPr>
-        <p:spPr>
-          <a:xfrm>
-            <a:off x="18161697" y="3667889"/>
-            <a:ext cx="4616605" cy="646331"/>
-          </a:xfrm>
-          <a:prstGeom prst="rect">
-            <a:avLst/>
-          </a:prstGeom>
-          <a:noFill/>
-        </p:spPr>
-        <p:txBody>
-          <a:bodyPr wrap="square" rtlCol="0">
-            <a:spAutoFit/>
-          </a:bodyPr>
-          <a:lstStyle/>
-          <a:p>
-            <a:r>
-              <a:rPr lang="en-US" b="1" dirty="0">
-                <a:solidFill>
-                  <a:schemeClr val="tx2"/>
-                </a:solidFill>
-                <a:latin typeface="Times New Roman" panose="02020603050405020304" pitchFamily="18" charset="0"/>
-                <a:cs typeface="Times New Roman" panose="02020603050405020304" pitchFamily="18" charset="0"/>
-              </a:rPr>
-              <a:t>Word2Vec</a:t>
-            </a:r>
-            <a:endParaRPr lang="en-SG" b="1" dirty="0">
-              <a:solidFill>
-                <a:schemeClr val="tx2"/>
-              </a:solidFill>
-              <a:latin typeface="Times New Roman" panose="02020603050405020304" pitchFamily="18" charset="0"/>
-              <a:cs typeface="Times New Roman" panose="02020603050405020304" pitchFamily="18" charset="0"/>
-            </a:endParaRPr>
-          </a:p>
-        </p:txBody>
-      </p:sp>
-      <p:pic>
-        <p:nvPicPr>
-          <p:cNvPr id="21" name="Picture 20">
-            <a:extLst>
-              <a:ext uri="{FF2B5EF4-FFF2-40B4-BE49-F238E27FC236}">
-                <a16:creationId xmlns:a16="http://schemas.microsoft.com/office/drawing/2014/main" id="{ED1CA2A2-4547-421C-B804-675730F45345}"/>
-              </a:ext>
-            </a:extLst>
-          </p:cNvPr>
-          <p:cNvPicPr>
-            <a:picLocks noChangeAspect="1"/>
-          </p:cNvPicPr>
-          <p:nvPr/>
-        </p:nvPicPr>
-        <p:blipFill>
-          <a:blip r:embed="rId3"/>
-          <a:stretch>
-            <a:fillRect/>
-          </a:stretch>
-        </p:blipFill>
-        <p:spPr>
-          <a:xfrm>
-            <a:off x="2129854" y="4455481"/>
-            <a:ext cx="4821382" cy="4805038"/>
-          </a:xfrm>
-          <a:prstGeom prst="rect">
-            <a:avLst/>
-          </a:prstGeom>
-        </p:spPr>
-      </p:pic>
-      <p:pic>
-        <p:nvPicPr>
-          <p:cNvPr id="23" name="Picture 22">
-            <a:extLst>
-              <a:ext uri="{FF2B5EF4-FFF2-40B4-BE49-F238E27FC236}">
-                <a16:creationId xmlns:a16="http://schemas.microsoft.com/office/drawing/2014/main" id="{86B13DC8-6385-48E1-A23F-9F3B59CC80E8}"/>
-              </a:ext>
-            </a:extLst>
-          </p:cNvPr>
-          <p:cNvPicPr>
-            <a:picLocks noChangeAspect="1"/>
-          </p:cNvPicPr>
-          <p:nvPr/>
-        </p:nvPicPr>
-        <p:blipFill>
-          <a:blip r:embed="rId4"/>
-          <a:stretch>
-            <a:fillRect/>
-          </a:stretch>
-        </p:blipFill>
-        <p:spPr>
-          <a:xfrm>
-            <a:off x="9140621" y="4485448"/>
-            <a:ext cx="5456569" cy="4805038"/>
-          </a:xfrm>
-          <a:prstGeom prst="rect">
-            <a:avLst/>
-          </a:prstGeom>
-        </p:spPr>
-      </p:pic>
-      <p:pic>
-        <p:nvPicPr>
-          <p:cNvPr id="25" name="Picture 24">
-            <a:extLst>
-              <a:ext uri="{FF2B5EF4-FFF2-40B4-BE49-F238E27FC236}">
-                <a16:creationId xmlns:a16="http://schemas.microsoft.com/office/drawing/2014/main" id="{4AC8D30A-DD17-4579-A3AA-FFF79E297CD4}"/>
-              </a:ext>
-            </a:extLst>
-          </p:cNvPr>
-          <p:cNvPicPr>
-            <a:picLocks noChangeAspect="1"/>
-          </p:cNvPicPr>
-          <p:nvPr/>
-        </p:nvPicPr>
-        <p:blipFill>
-          <a:blip r:embed="rId5"/>
-          <a:stretch>
-            <a:fillRect/>
-          </a:stretch>
-        </p:blipFill>
-        <p:spPr>
-          <a:xfrm>
-            <a:off x="16856415" y="4447065"/>
-            <a:ext cx="5391381" cy="4821869"/>
-          </a:xfrm>
-          <a:prstGeom prst="rect">
-            <a:avLst/>
-          </a:prstGeom>
-        </p:spPr>
-      </p:pic>
-      <p:sp>
-        <p:nvSpPr>
-          <p:cNvPr id="27" name="TextBox 26">
-            <a:extLst>
-              <a:ext uri="{FF2B5EF4-FFF2-40B4-BE49-F238E27FC236}">
-                <a16:creationId xmlns:a16="http://schemas.microsoft.com/office/drawing/2014/main" id="{EAD6531C-7A80-462D-AB47-9CD3E964EDE8}"/>
-              </a:ext>
-            </a:extLst>
-          </p:cNvPr>
-          <p:cNvSpPr txBox="1"/>
-          <p:nvPr/>
-        </p:nvSpPr>
-        <p:spPr>
-          <a:xfrm>
-            <a:off x="2346005" y="10308466"/>
-            <a:ext cx="5383833" cy="477054"/>
-          </a:xfrm>
-          <a:prstGeom prst="rect">
-            <a:avLst/>
-          </a:prstGeom>
-          <a:noFill/>
-        </p:spPr>
-        <p:txBody>
-          <a:bodyPr wrap="square" rtlCol="0">
-            <a:spAutoFit/>
-          </a:bodyPr>
-          <a:lstStyle/>
-          <a:p>
-            <a:pPr algn="ctr"/>
-            <a:r>
-              <a:rPr lang="en-US" sz="2500" dirty="0">
-                <a:latin typeface="Lato Light" charset="0"/>
-                <a:ea typeface="Lato Light" charset="0"/>
-                <a:cs typeface="Lato Light" charset="0"/>
-              </a:rPr>
-              <a:t>Moderate separability</a:t>
-            </a:r>
-          </a:p>
-        </p:txBody>
-      </p:sp>
-      <p:sp>
-        <p:nvSpPr>
-          <p:cNvPr id="29" name="TextBox 28">
-            <a:extLst>
-              <a:ext uri="{FF2B5EF4-FFF2-40B4-BE49-F238E27FC236}">
-                <a16:creationId xmlns:a16="http://schemas.microsoft.com/office/drawing/2014/main" id="{7A0A5F65-7BD3-42D0-84E4-52802389CC11}"/>
-              </a:ext>
-            </a:extLst>
-          </p:cNvPr>
-          <p:cNvSpPr txBox="1"/>
-          <p:nvPr/>
-        </p:nvSpPr>
-        <p:spPr>
-          <a:xfrm>
-            <a:off x="8940893" y="10373032"/>
-            <a:ext cx="5383833" cy="477054"/>
-          </a:xfrm>
-          <a:prstGeom prst="rect">
-            <a:avLst/>
-          </a:prstGeom>
-          <a:noFill/>
-        </p:spPr>
-        <p:txBody>
-          <a:bodyPr wrap="square" rtlCol="0">
-            <a:spAutoFit/>
-          </a:bodyPr>
-          <a:lstStyle/>
-          <a:p>
-            <a:pPr algn="ctr"/>
-            <a:r>
-              <a:rPr lang="en-US" sz="2500" dirty="0">
-                <a:latin typeface="Lato Light" charset="0"/>
-                <a:ea typeface="Lato Light" charset="0"/>
-                <a:cs typeface="Lato Light" charset="0"/>
-              </a:rPr>
-              <a:t>Moderate separability</a:t>
-            </a:r>
-          </a:p>
-        </p:txBody>
-      </p:sp>
-      <p:sp>
-        <p:nvSpPr>
-          <p:cNvPr id="30" name="TextBox 29">
-            <a:extLst>
-              <a:ext uri="{FF2B5EF4-FFF2-40B4-BE49-F238E27FC236}">
-                <a16:creationId xmlns:a16="http://schemas.microsoft.com/office/drawing/2014/main" id="{FA0EEDED-8DCF-40A3-AE65-89FE6E8E991D}"/>
-              </a:ext>
-            </a:extLst>
-          </p:cNvPr>
-          <p:cNvSpPr txBox="1"/>
-          <p:nvPr/>
-        </p:nvSpPr>
-        <p:spPr>
-          <a:xfrm>
-            <a:off x="16647812" y="10373032"/>
-            <a:ext cx="5383833" cy="477054"/>
-          </a:xfrm>
-          <a:prstGeom prst="rect">
-            <a:avLst/>
-          </a:prstGeom>
-          <a:noFill/>
-        </p:spPr>
-        <p:txBody>
-          <a:bodyPr wrap="square" rtlCol="0">
-            <a:spAutoFit/>
-          </a:bodyPr>
-          <a:lstStyle/>
-          <a:p>
-            <a:pPr algn="ctr"/>
-            <a:r>
-              <a:rPr lang="en-US" sz="2500" dirty="0">
-                <a:latin typeface="Lato Light" charset="0"/>
-                <a:ea typeface="Lato Light" charset="0"/>
-                <a:cs typeface="Lato Light" charset="0"/>
-              </a:rPr>
-              <a:t> Better Separability</a:t>
-            </a:r>
-          </a:p>
-        </p:txBody>
-      </p:sp>
-      <p:sp>
-        <p:nvSpPr>
-          <p:cNvPr id="33" name="Rectangle 32">
-            <a:extLst>
-              <a:ext uri="{FF2B5EF4-FFF2-40B4-BE49-F238E27FC236}">
-                <a16:creationId xmlns:a16="http://schemas.microsoft.com/office/drawing/2014/main" id="{5136BD81-41C3-4B2C-9FAF-01F575C79AC1}"/>
+                <a16:creationId xmlns:a16="http://schemas.microsoft.com/office/drawing/2014/main" id="{237435F4-2B7F-4679-BB33-A9B5528997C1}"/>
               </a:ext>
             </a:extLst>
           </p:cNvPr>
@@ -6070,7 +8900,7 @@
     </p:spTree>
     <p:extLst>
       <p:ext uri="{BB962C8B-B14F-4D97-AF65-F5344CB8AC3E}">
-        <p14:creationId xmlns:p14="http://schemas.microsoft.com/office/powerpoint/2010/main" val="722224035"/>
+        <p14:creationId xmlns:p14="http://schemas.microsoft.com/office/powerpoint/2010/main" val="1596917494"/>
       </p:ext>
     </p:extLst>
   </p:cSld>
@@ -6080,7 +8910,7 @@
 </p:sld>
 </file>
 
-<file path=ppt/slides/slide8.xml><?xml version="1.0" encoding="utf-8"?>
+<file path=ppt/slides/slide7.xml><?xml version="1.0" encoding="utf-8"?>
 <p:sld xmlns:a="http://schemas.openxmlformats.org/drawingml/2006/main" xmlns:r="http://schemas.openxmlformats.org/officeDocument/2006/relationships" xmlns:p="http://schemas.openxmlformats.org/presentationml/2006/main" showMasterSp="0">
   <p:cSld>
     <p:spTree>
@@ -6105,8 +8935,8 @@
         </p:nvSpPr>
         <p:spPr>
           <a:xfrm>
-            <a:off x="742673" y="632913"/>
-            <a:ext cx="15269959" cy="2769989"/>
+            <a:off x="742674" y="632913"/>
+            <a:ext cx="10591800" cy="1846659"/>
           </a:xfrm>
           <a:prstGeom prst="rect">
             <a:avLst/>
@@ -6128,37 +8958,603 @@
                 <a:ea typeface="Playfair Display SC" charset="0"/>
                 <a:cs typeface="Playfair Display SC" charset="0"/>
               </a:rPr>
-              <a:t>Model Fitting &amp; Selection </a:t>
+              <a:t>Pre-Processing</a:t>
             </a:r>
           </a:p>
           <a:p>
-            <a:endParaRPr lang="en-US" sz="6000" b="1" spc="600" dirty="0">
+            <a:r>
+              <a:rPr lang="en-US" sz="5400" spc="600" dirty="0" err="1">
+                <a:solidFill>
+                  <a:schemeClr val="tx2"/>
+                </a:solidFill>
+                <a:latin typeface="Playfair Display SC" charset="0"/>
+                <a:ea typeface="Playfair Display SC" charset="0"/>
+                <a:cs typeface="Playfair Display SC" charset="0"/>
+              </a:rPr>
+              <a:t>Pca</a:t>
+            </a:r>
+            <a:r>
+              <a:rPr lang="en-US" sz="5400" spc="600" dirty="0">
+                <a:solidFill>
+                  <a:schemeClr val="tx2"/>
+                </a:solidFill>
+                <a:latin typeface="Playfair Display SC" charset="0"/>
+                <a:ea typeface="Playfair Display SC" charset="0"/>
+                <a:cs typeface="Playfair Display SC" charset="0"/>
+              </a:rPr>
+              <a:t> Visualization</a:t>
+            </a:r>
+          </a:p>
+        </p:txBody>
+      </p:sp>
+      <p:sp>
+        <p:nvSpPr>
+          <p:cNvPr id="4" name="TextBox 3">
+            <a:extLst>
+              <a:ext uri="{FF2B5EF4-FFF2-40B4-BE49-F238E27FC236}">
+                <a16:creationId xmlns:a16="http://schemas.microsoft.com/office/drawing/2014/main" id="{0EB741EB-89C4-41A4-B2D0-EB04F374D70C}"/>
+              </a:ext>
+            </a:extLst>
+          </p:cNvPr>
+          <p:cNvSpPr txBox="1"/>
+          <p:nvPr/>
+        </p:nvSpPr>
+        <p:spPr>
+          <a:xfrm>
+            <a:off x="2901188" y="3667889"/>
+            <a:ext cx="4616605" cy="646331"/>
+          </a:xfrm>
+          <a:prstGeom prst="rect">
+            <a:avLst/>
+          </a:prstGeom>
+          <a:noFill/>
+        </p:spPr>
+        <p:txBody>
+          <a:bodyPr wrap="square" rtlCol="0">
+            <a:spAutoFit/>
+          </a:bodyPr>
+          <a:lstStyle/>
+          <a:p>
+            <a:r>
+              <a:rPr lang="en-US" b="1" dirty="0">
+                <a:solidFill>
+                  <a:schemeClr val="tx2"/>
+                </a:solidFill>
+                <a:latin typeface="Times New Roman" panose="02020603050405020304" pitchFamily="18" charset="0"/>
+                <a:cs typeface="Times New Roman" panose="02020603050405020304" pitchFamily="18" charset="0"/>
+              </a:rPr>
+              <a:t>Count Vectorizer</a:t>
+            </a:r>
+            <a:endParaRPr lang="en-SG" b="1" dirty="0">
               <a:solidFill>
                 <a:schemeClr val="tx2"/>
               </a:solidFill>
-              <a:latin typeface="Playfair Display SC" charset="0"/>
-              <a:ea typeface="Playfair Display SC" charset="0"/>
-              <a:cs typeface="Playfair Display SC" charset="0"/>
+              <a:latin typeface="Times New Roman" panose="02020603050405020304" pitchFamily="18" charset="0"/>
+              <a:cs typeface="Times New Roman" panose="02020603050405020304" pitchFamily="18" charset="0"/>
             </a:endParaRPr>
           </a:p>
-          <a:p>
-            <a:endParaRPr lang="en-US" sz="5400" b="1" spc="600" dirty="0">
+        </p:txBody>
+      </p:sp>
+      <p:sp>
+        <p:nvSpPr>
+          <p:cNvPr id="9" name="TextBox 8">
+            <a:extLst>
+              <a:ext uri="{FF2B5EF4-FFF2-40B4-BE49-F238E27FC236}">
+                <a16:creationId xmlns:a16="http://schemas.microsoft.com/office/drawing/2014/main" id="{573E548B-B2A1-4843-BC31-6A8C24ECA26F}"/>
+              </a:ext>
+            </a:extLst>
+          </p:cNvPr>
+          <p:cNvSpPr txBox="1"/>
+          <p:nvPr/>
+        </p:nvSpPr>
+        <p:spPr>
+          <a:xfrm>
+            <a:off x="9980585" y="3780259"/>
+            <a:ext cx="4616605" cy="646331"/>
+          </a:xfrm>
+          <a:prstGeom prst="rect">
+            <a:avLst/>
+          </a:prstGeom>
+          <a:noFill/>
+        </p:spPr>
+        <p:txBody>
+          <a:bodyPr wrap="square" rtlCol="0">
+            <a:spAutoFit/>
+          </a:bodyPr>
+          <a:lstStyle/>
+          <a:p>
+            <a:r>
+              <a:rPr lang="en-US" b="1" dirty="0" err="1">
+                <a:solidFill>
+                  <a:schemeClr val="tx2"/>
+                </a:solidFill>
+                <a:latin typeface="Times New Roman" panose="02020603050405020304" pitchFamily="18" charset="0"/>
+                <a:cs typeface="Times New Roman" panose="02020603050405020304" pitchFamily="18" charset="0"/>
+              </a:rPr>
+              <a:t>Tf-idf</a:t>
+            </a:r>
+            <a:r>
+              <a:rPr lang="en-US" b="1" dirty="0">
+                <a:solidFill>
+                  <a:schemeClr val="tx2"/>
+                </a:solidFill>
+                <a:latin typeface="Times New Roman" panose="02020603050405020304" pitchFamily="18" charset="0"/>
+                <a:cs typeface="Times New Roman" panose="02020603050405020304" pitchFamily="18" charset="0"/>
+              </a:rPr>
+              <a:t> Vectorizer</a:t>
+            </a:r>
+            <a:endParaRPr lang="en-SG" b="1" dirty="0">
               <a:solidFill>
                 <a:schemeClr val="tx2"/>
               </a:solidFill>
-              <a:latin typeface="Playfair Display SC" charset="0"/>
-              <a:ea typeface="Playfair Display SC" charset="0"/>
-              <a:cs typeface="Playfair Display SC" charset="0"/>
+              <a:latin typeface="Times New Roman" panose="02020603050405020304" pitchFamily="18" charset="0"/>
+              <a:cs typeface="Times New Roman" panose="02020603050405020304" pitchFamily="18" charset="0"/>
             </a:endParaRPr>
           </a:p>
         </p:txBody>
       </p:sp>
       <p:sp>
         <p:nvSpPr>
-          <p:cNvPr id="21" name="Rectangle 20">
+          <p:cNvPr id="10" name="TextBox 9">
             <a:extLst>
               <a:ext uri="{FF2B5EF4-FFF2-40B4-BE49-F238E27FC236}">
-                <a16:creationId xmlns:a16="http://schemas.microsoft.com/office/drawing/2014/main" id="{4B8D4546-45C2-4A9E-9669-17A3584E7ED0}"/>
+                <a16:creationId xmlns:a16="http://schemas.microsoft.com/office/drawing/2014/main" id="{42D203EE-BA12-4B6F-96C7-3B0CA6AA7898}"/>
+              </a:ext>
+            </a:extLst>
+          </p:cNvPr>
+          <p:cNvSpPr txBox="1"/>
+          <p:nvPr/>
+        </p:nvSpPr>
+        <p:spPr>
+          <a:xfrm>
+            <a:off x="11334474" y="9349344"/>
+            <a:ext cx="4616605" cy="584775"/>
+          </a:xfrm>
+          <a:prstGeom prst="rect">
+            <a:avLst/>
+          </a:prstGeom>
+          <a:noFill/>
+        </p:spPr>
+        <p:txBody>
+          <a:bodyPr wrap="square" rtlCol="0">
+            <a:spAutoFit/>
+          </a:bodyPr>
+          <a:lstStyle/>
+          <a:p>
+            <a:r>
+              <a:rPr lang="en-US" sz="3200" dirty="0">
+                <a:solidFill>
+                  <a:schemeClr val="tx2"/>
+                </a:solidFill>
+                <a:latin typeface="Times New Roman" panose="02020603050405020304" pitchFamily="18" charset="0"/>
+                <a:cs typeface="Times New Roman" panose="02020603050405020304" pitchFamily="18" charset="0"/>
+              </a:rPr>
+              <a:t>PC1</a:t>
+            </a:r>
+            <a:endParaRPr lang="en-SG" dirty="0">
+              <a:solidFill>
+                <a:schemeClr val="tx2"/>
+              </a:solidFill>
+              <a:latin typeface="Times New Roman" panose="02020603050405020304" pitchFamily="18" charset="0"/>
+              <a:cs typeface="Times New Roman" panose="02020603050405020304" pitchFamily="18" charset="0"/>
+            </a:endParaRPr>
+          </a:p>
+        </p:txBody>
+      </p:sp>
+      <p:sp>
+        <p:nvSpPr>
+          <p:cNvPr id="11" name="TextBox 10">
+            <a:extLst>
+              <a:ext uri="{FF2B5EF4-FFF2-40B4-BE49-F238E27FC236}">
+                <a16:creationId xmlns:a16="http://schemas.microsoft.com/office/drawing/2014/main" id="{FE8EDF48-93F9-42C3-95A2-77B21578594A}"/>
+              </a:ext>
+            </a:extLst>
+          </p:cNvPr>
+          <p:cNvSpPr txBox="1"/>
+          <p:nvPr/>
+        </p:nvSpPr>
+        <p:spPr>
+          <a:xfrm>
+            <a:off x="8116168" y="6665086"/>
+            <a:ext cx="1233814" cy="584775"/>
+          </a:xfrm>
+          <a:prstGeom prst="rect">
+            <a:avLst/>
+          </a:prstGeom>
+          <a:noFill/>
+        </p:spPr>
+        <p:txBody>
+          <a:bodyPr wrap="square" rtlCol="0">
+            <a:spAutoFit/>
+          </a:bodyPr>
+          <a:lstStyle/>
+          <a:p>
+            <a:r>
+              <a:rPr lang="en-US" sz="3200" dirty="0">
+                <a:solidFill>
+                  <a:schemeClr val="tx2"/>
+                </a:solidFill>
+                <a:latin typeface="Times New Roman" panose="02020603050405020304" pitchFamily="18" charset="0"/>
+                <a:cs typeface="Times New Roman" panose="02020603050405020304" pitchFamily="18" charset="0"/>
+              </a:rPr>
+              <a:t>PC2</a:t>
+            </a:r>
+            <a:endParaRPr lang="en-SG" sz="4400" dirty="0">
+              <a:solidFill>
+                <a:schemeClr val="tx2"/>
+              </a:solidFill>
+              <a:latin typeface="Times New Roman" panose="02020603050405020304" pitchFamily="18" charset="0"/>
+              <a:cs typeface="Times New Roman" panose="02020603050405020304" pitchFamily="18" charset="0"/>
+            </a:endParaRPr>
+          </a:p>
+        </p:txBody>
+      </p:sp>
+      <p:sp>
+        <p:nvSpPr>
+          <p:cNvPr id="14" name="TextBox 13">
+            <a:extLst>
+              <a:ext uri="{FF2B5EF4-FFF2-40B4-BE49-F238E27FC236}">
+                <a16:creationId xmlns:a16="http://schemas.microsoft.com/office/drawing/2014/main" id="{74FFBF98-DBA0-4F5B-9C4A-92F083851728}"/>
+              </a:ext>
+            </a:extLst>
+          </p:cNvPr>
+          <p:cNvSpPr txBox="1"/>
+          <p:nvPr/>
+        </p:nvSpPr>
+        <p:spPr>
+          <a:xfrm>
+            <a:off x="4116470" y="9501040"/>
+            <a:ext cx="4616605" cy="584775"/>
+          </a:xfrm>
+          <a:prstGeom prst="rect">
+            <a:avLst/>
+          </a:prstGeom>
+          <a:noFill/>
+        </p:spPr>
+        <p:txBody>
+          <a:bodyPr wrap="square" rtlCol="0">
+            <a:spAutoFit/>
+          </a:bodyPr>
+          <a:lstStyle/>
+          <a:p>
+            <a:r>
+              <a:rPr lang="en-US" sz="3200" dirty="0">
+                <a:solidFill>
+                  <a:schemeClr val="tx2"/>
+                </a:solidFill>
+                <a:latin typeface="Times New Roman" panose="02020603050405020304" pitchFamily="18" charset="0"/>
+                <a:cs typeface="Times New Roman" panose="02020603050405020304" pitchFamily="18" charset="0"/>
+              </a:rPr>
+              <a:t>PC1</a:t>
+            </a:r>
+            <a:endParaRPr lang="en-SG" dirty="0">
+              <a:solidFill>
+                <a:schemeClr val="tx2"/>
+              </a:solidFill>
+              <a:latin typeface="Times New Roman" panose="02020603050405020304" pitchFamily="18" charset="0"/>
+              <a:cs typeface="Times New Roman" panose="02020603050405020304" pitchFamily="18" charset="0"/>
+            </a:endParaRPr>
+          </a:p>
+        </p:txBody>
+      </p:sp>
+      <p:sp>
+        <p:nvSpPr>
+          <p:cNvPr id="15" name="TextBox 14">
+            <a:extLst>
+              <a:ext uri="{FF2B5EF4-FFF2-40B4-BE49-F238E27FC236}">
+                <a16:creationId xmlns:a16="http://schemas.microsoft.com/office/drawing/2014/main" id="{35345FBA-EC0E-4D0B-ADAF-E441D97547A1}"/>
+              </a:ext>
+            </a:extLst>
+          </p:cNvPr>
+          <p:cNvSpPr txBox="1"/>
+          <p:nvPr/>
+        </p:nvSpPr>
+        <p:spPr>
+          <a:xfrm>
+            <a:off x="811243" y="6388937"/>
+            <a:ext cx="1233814" cy="584775"/>
+          </a:xfrm>
+          <a:prstGeom prst="rect">
+            <a:avLst/>
+          </a:prstGeom>
+          <a:noFill/>
+        </p:spPr>
+        <p:txBody>
+          <a:bodyPr wrap="square" rtlCol="0">
+            <a:spAutoFit/>
+          </a:bodyPr>
+          <a:lstStyle/>
+          <a:p>
+            <a:r>
+              <a:rPr lang="en-US" sz="3200" dirty="0">
+                <a:solidFill>
+                  <a:schemeClr val="tx2"/>
+                </a:solidFill>
+                <a:latin typeface="Times New Roman" panose="02020603050405020304" pitchFamily="18" charset="0"/>
+                <a:cs typeface="Times New Roman" panose="02020603050405020304" pitchFamily="18" charset="0"/>
+              </a:rPr>
+              <a:t>PC2</a:t>
+            </a:r>
+            <a:endParaRPr lang="en-SG" sz="4400" dirty="0">
+              <a:solidFill>
+                <a:schemeClr val="tx2"/>
+              </a:solidFill>
+              <a:latin typeface="Times New Roman" panose="02020603050405020304" pitchFamily="18" charset="0"/>
+              <a:cs typeface="Times New Roman" panose="02020603050405020304" pitchFamily="18" charset="0"/>
+            </a:endParaRPr>
+          </a:p>
+        </p:txBody>
+      </p:sp>
+      <p:sp>
+        <p:nvSpPr>
+          <p:cNvPr id="18" name="TextBox 17">
+            <a:extLst>
+              <a:ext uri="{FF2B5EF4-FFF2-40B4-BE49-F238E27FC236}">
+                <a16:creationId xmlns:a16="http://schemas.microsoft.com/office/drawing/2014/main" id="{3EE96DE2-E298-49FC-92E3-E72BBB6976DA}"/>
+              </a:ext>
+            </a:extLst>
+          </p:cNvPr>
+          <p:cNvSpPr txBox="1"/>
+          <p:nvPr/>
+        </p:nvSpPr>
+        <p:spPr>
+          <a:xfrm>
+            <a:off x="19076096" y="9526772"/>
+            <a:ext cx="4616605" cy="584775"/>
+          </a:xfrm>
+          <a:prstGeom prst="rect">
+            <a:avLst/>
+          </a:prstGeom>
+          <a:noFill/>
+        </p:spPr>
+        <p:txBody>
+          <a:bodyPr wrap="square" rtlCol="0">
+            <a:spAutoFit/>
+          </a:bodyPr>
+          <a:lstStyle/>
+          <a:p>
+            <a:r>
+              <a:rPr lang="en-US" sz="3200" dirty="0">
+                <a:solidFill>
+                  <a:schemeClr val="tx2"/>
+                </a:solidFill>
+                <a:latin typeface="Times New Roman" panose="02020603050405020304" pitchFamily="18" charset="0"/>
+                <a:cs typeface="Times New Roman" panose="02020603050405020304" pitchFamily="18" charset="0"/>
+              </a:rPr>
+              <a:t>PC1</a:t>
+            </a:r>
+            <a:endParaRPr lang="en-SG" dirty="0">
+              <a:solidFill>
+                <a:schemeClr val="tx2"/>
+              </a:solidFill>
+              <a:latin typeface="Times New Roman" panose="02020603050405020304" pitchFamily="18" charset="0"/>
+              <a:cs typeface="Times New Roman" panose="02020603050405020304" pitchFamily="18" charset="0"/>
+            </a:endParaRPr>
+          </a:p>
+        </p:txBody>
+      </p:sp>
+      <p:sp>
+        <p:nvSpPr>
+          <p:cNvPr id="19" name="TextBox 18">
+            <a:extLst>
+              <a:ext uri="{FF2B5EF4-FFF2-40B4-BE49-F238E27FC236}">
+                <a16:creationId xmlns:a16="http://schemas.microsoft.com/office/drawing/2014/main" id="{90B1D754-AB9E-4B15-B12A-7EFD9C6E7189}"/>
+              </a:ext>
+            </a:extLst>
+          </p:cNvPr>
+          <p:cNvSpPr txBox="1"/>
+          <p:nvPr/>
+        </p:nvSpPr>
+        <p:spPr>
+          <a:xfrm>
+            <a:off x="15669639" y="6761835"/>
+            <a:ext cx="1233814" cy="584775"/>
+          </a:xfrm>
+          <a:prstGeom prst="rect">
+            <a:avLst/>
+          </a:prstGeom>
+          <a:noFill/>
+        </p:spPr>
+        <p:txBody>
+          <a:bodyPr wrap="square" rtlCol="0">
+            <a:spAutoFit/>
+          </a:bodyPr>
+          <a:lstStyle/>
+          <a:p>
+            <a:r>
+              <a:rPr lang="en-US" sz="3200" dirty="0">
+                <a:solidFill>
+                  <a:schemeClr val="tx2"/>
+                </a:solidFill>
+                <a:latin typeface="Times New Roman" panose="02020603050405020304" pitchFamily="18" charset="0"/>
+                <a:cs typeface="Times New Roman" panose="02020603050405020304" pitchFamily="18" charset="0"/>
+              </a:rPr>
+              <a:t>PC2</a:t>
+            </a:r>
+            <a:endParaRPr lang="en-SG" sz="4400" dirty="0">
+              <a:solidFill>
+                <a:schemeClr val="tx2"/>
+              </a:solidFill>
+              <a:latin typeface="Times New Roman" panose="02020603050405020304" pitchFamily="18" charset="0"/>
+              <a:cs typeface="Times New Roman" panose="02020603050405020304" pitchFamily="18" charset="0"/>
+            </a:endParaRPr>
+          </a:p>
+        </p:txBody>
+      </p:sp>
+      <p:sp>
+        <p:nvSpPr>
+          <p:cNvPr id="20" name="TextBox 19">
+            <a:extLst>
+              <a:ext uri="{FF2B5EF4-FFF2-40B4-BE49-F238E27FC236}">
+                <a16:creationId xmlns:a16="http://schemas.microsoft.com/office/drawing/2014/main" id="{9D0F2B5E-C41F-45D7-A13A-12EE2AF1F7E1}"/>
+              </a:ext>
+            </a:extLst>
+          </p:cNvPr>
+          <p:cNvSpPr txBox="1"/>
+          <p:nvPr/>
+        </p:nvSpPr>
+        <p:spPr>
+          <a:xfrm>
+            <a:off x="18161697" y="3667889"/>
+            <a:ext cx="4616605" cy="646331"/>
+          </a:xfrm>
+          <a:prstGeom prst="rect">
+            <a:avLst/>
+          </a:prstGeom>
+          <a:noFill/>
+        </p:spPr>
+        <p:txBody>
+          <a:bodyPr wrap="square" rtlCol="0">
+            <a:spAutoFit/>
+          </a:bodyPr>
+          <a:lstStyle/>
+          <a:p>
+            <a:r>
+              <a:rPr lang="en-US" b="1" dirty="0">
+                <a:solidFill>
+                  <a:schemeClr val="tx2"/>
+                </a:solidFill>
+                <a:latin typeface="Times New Roman" panose="02020603050405020304" pitchFamily="18" charset="0"/>
+                <a:cs typeface="Times New Roman" panose="02020603050405020304" pitchFamily="18" charset="0"/>
+              </a:rPr>
+              <a:t>Word2Vec</a:t>
+            </a:r>
+            <a:endParaRPr lang="en-SG" b="1" dirty="0">
+              <a:solidFill>
+                <a:schemeClr val="tx2"/>
+              </a:solidFill>
+              <a:latin typeface="Times New Roman" panose="02020603050405020304" pitchFamily="18" charset="0"/>
+              <a:cs typeface="Times New Roman" panose="02020603050405020304" pitchFamily="18" charset="0"/>
+            </a:endParaRPr>
+          </a:p>
+        </p:txBody>
+      </p:sp>
+      <p:sp>
+        <p:nvSpPr>
+          <p:cNvPr id="27" name="TextBox 26">
+            <a:extLst>
+              <a:ext uri="{FF2B5EF4-FFF2-40B4-BE49-F238E27FC236}">
+                <a16:creationId xmlns:a16="http://schemas.microsoft.com/office/drawing/2014/main" id="{EAD6531C-7A80-462D-AB47-9CD3E964EDE8}"/>
+              </a:ext>
+            </a:extLst>
+          </p:cNvPr>
+          <p:cNvSpPr txBox="1"/>
+          <p:nvPr/>
+        </p:nvSpPr>
+        <p:spPr>
+          <a:xfrm>
+            <a:off x="2346005" y="10308466"/>
+            <a:ext cx="5383833" cy="477054"/>
+          </a:xfrm>
+          <a:prstGeom prst="rect">
+            <a:avLst/>
+          </a:prstGeom>
+          <a:noFill/>
+        </p:spPr>
+        <p:txBody>
+          <a:bodyPr wrap="square" rtlCol="0">
+            <a:spAutoFit/>
+          </a:bodyPr>
+          <a:lstStyle/>
+          <a:p>
+            <a:pPr algn="ctr"/>
+            <a:r>
+              <a:rPr lang="en-US" sz="2500" dirty="0">
+                <a:latin typeface="Lato Light" charset="0"/>
+                <a:ea typeface="Lato Light" charset="0"/>
+                <a:cs typeface="Lato Light" charset="0"/>
+              </a:rPr>
+              <a:t>Moderate separability</a:t>
+            </a:r>
+          </a:p>
+        </p:txBody>
+      </p:sp>
+      <p:sp>
+        <p:nvSpPr>
+          <p:cNvPr id="29" name="TextBox 28">
+            <a:extLst>
+              <a:ext uri="{FF2B5EF4-FFF2-40B4-BE49-F238E27FC236}">
+                <a16:creationId xmlns:a16="http://schemas.microsoft.com/office/drawing/2014/main" id="{7A0A5F65-7BD3-42D0-84E4-52802389CC11}"/>
+              </a:ext>
+            </a:extLst>
+          </p:cNvPr>
+          <p:cNvSpPr txBox="1"/>
+          <p:nvPr/>
+        </p:nvSpPr>
+        <p:spPr>
+          <a:xfrm>
+            <a:off x="8940893" y="10373032"/>
+            <a:ext cx="5383833" cy="477054"/>
+          </a:xfrm>
+          <a:prstGeom prst="rect">
+            <a:avLst/>
+          </a:prstGeom>
+          <a:noFill/>
+        </p:spPr>
+        <p:txBody>
+          <a:bodyPr wrap="square" rtlCol="0">
+            <a:spAutoFit/>
+          </a:bodyPr>
+          <a:lstStyle/>
+          <a:p>
+            <a:pPr algn="ctr"/>
+            <a:r>
+              <a:rPr lang="en-US" sz="2500" dirty="0">
+                <a:latin typeface="Lato Light" charset="0"/>
+                <a:ea typeface="Lato Light" charset="0"/>
+                <a:cs typeface="Lato Light" charset="0"/>
+              </a:rPr>
+              <a:t>Moderate separability</a:t>
+            </a:r>
+          </a:p>
+        </p:txBody>
+      </p:sp>
+      <p:sp>
+        <p:nvSpPr>
+          <p:cNvPr id="30" name="TextBox 29">
+            <a:extLst>
+              <a:ext uri="{FF2B5EF4-FFF2-40B4-BE49-F238E27FC236}">
+                <a16:creationId xmlns:a16="http://schemas.microsoft.com/office/drawing/2014/main" id="{FA0EEDED-8DCF-40A3-AE65-89FE6E8E991D}"/>
+              </a:ext>
+            </a:extLst>
+          </p:cNvPr>
+          <p:cNvSpPr txBox="1"/>
+          <p:nvPr/>
+        </p:nvSpPr>
+        <p:spPr>
+          <a:xfrm>
+            <a:off x="16647812" y="10373032"/>
+            <a:ext cx="5383833" cy="477054"/>
+          </a:xfrm>
+          <a:prstGeom prst="rect">
+            <a:avLst/>
+          </a:prstGeom>
+          <a:noFill/>
+        </p:spPr>
+        <p:txBody>
+          <a:bodyPr wrap="square" rtlCol="0">
+            <a:spAutoFit/>
+          </a:bodyPr>
+          <a:lstStyle/>
+          <a:p>
+            <a:pPr algn="ctr"/>
+            <a:r>
+              <a:rPr lang="en-US" sz="2500" dirty="0">
+                <a:latin typeface="Lato Light" charset="0"/>
+                <a:ea typeface="Lato Light" charset="0"/>
+                <a:cs typeface="Lato Light" charset="0"/>
+              </a:rPr>
+              <a:t> Better Separability</a:t>
+            </a:r>
+          </a:p>
+        </p:txBody>
+      </p:sp>
+      <p:sp>
+        <p:nvSpPr>
+          <p:cNvPr id="33" name="Rectangle 32">
+            <a:extLst>
+              <a:ext uri="{FF2B5EF4-FFF2-40B4-BE49-F238E27FC236}">
+                <a16:creationId xmlns:a16="http://schemas.microsoft.com/office/drawing/2014/main" id="{5136BD81-41C3-4B2C-9FAF-01F575C79AC1}"/>
               </a:ext>
             </a:extLst>
           </p:cNvPr>
@@ -6231,10 +9627,10 @@
       </p:sp>
       <p:pic>
         <p:nvPicPr>
-          <p:cNvPr id="16" name="Picture 15">
+          <p:cNvPr id="3" name="Picture 2">
             <a:extLst>
               <a:ext uri="{FF2B5EF4-FFF2-40B4-BE49-F238E27FC236}">
-                <a16:creationId xmlns:a16="http://schemas.microsoft.com/office/drawing/2014/main" id="{33F5E3CB-3E3B-4556-990F-D26835C4453C}"/>
+                <a16:creationId xmlns:a16="http://schemas.microsoft.com/office/drawing/2014/main" id="{3EA5C68D-A78D-40D2-B4C1-D7C3DA7C407F}"/>
               </a:ext>
             </a:extLst>
           </p:cNvPr>
@@ -6251,8 +9647,68 @@
         </p:blipFill>
         <p:spPr>
           <a:xfrm>
-            <a:off x="3588742" y="3635297"/>
-            <a:ext cx="16310942" cy="7162631"/>
+            <a:off x="1779310" y="4617002"/>
+            <a:ext cx="5950528" cy="4651932"/>
+          </a:xfrm>
+          <a:prstGeom prst="rect">
+            <a:avLst/>
+          </a:prstGeom>
+        </p:spPr>
+      </p:pic>
+      <p:pic>
+        <p:nvPicPr>
+          <p:cNvPr id="6" name="Picture 5">
+            <a:extLst>
+              <a:ext uri="{FF2B5EF4-FFF2-40B4-BE49-F238E27FC236}">
+                <a16:creationId xmlns:a16="http://schemas.microsoft.com/office/drawing/2014/main" id="{AE416450-5820-4FB8-AABF-5FDD442836F4}"/>
+              </a:ext>
+            </a:extLst>
+          </p:cNvPr>
+          <p:cNvPicPr>
+            <a:picLocks noChangeAspect="1"/>
+          </p:cNvPicPr>
+          <p:nvPr/>
+        </p:nvPicPr>
+        <p:blipFill>
+          <a:blip r:embed="rId4"/>
+          <a:stretch>
+            <a:fillRect/>
+          </a:stretch>
+        </p:blipFill>
+        <p:spPr>
+          <a:xfrm>
+            <a:off x="9288029" y="4599743"/>
+            <a:ext cx="5471786" cy="4660561"/>
+          </a:xfrm>
+          <a:prstGeom prst="rect">
+            <a:avLst/>
+          </a:prstGeom>
+        </p:spPr>
+      </p:pic>
+      <p:pic>
+        <p:nvPicPr>
+          <p:cNvPr id="8" name="Picture 7">
+            <a:extLst>
+              <a:ext uri="{FF2B5EF4-FFF2-40B4-BE49-F238E27FC236}">
+                <a16:creationId xmlns:a16="http://schemas.microsoft.com/office/drawing/2014/main" id="{75B51BBC-9FA2-4BBA-9CDB-36CE88464E8A}"/>
+              </a:ext>
+            </a:extLst>
+          </p:cNvPr>
+          <p:cNvPicPr>
+            <a:picLocks noChangeAspect="1"/>
+          </p:cNvPicPr>
+          <p:nvPr/>
+        </p:nvPicPr>
+        <p:blipFill>
+          <a:blip r:embed="rId5"/>
+          <a:stretch>
+            <a:fillRect/>
+          </a:stretch>
+        </p:blipFill>
+        <p:spPr>
+          <a:xfrm>
+            <a:off x="16903453" y="4485375"/>
+            <a:ext cx="5133337" cy="4745250"/>
           </a:xfrm>
           <a:prstGeom prst="rect">
             <a:avLst/>
@@ -6262,7 +9718,7 @@
     </p:spTree>
     <p:extLst>
       <p:ext uri="{BB962C8B-B14F-4D97-AF65-F5344CB8AC3E}">
-        <p14:creationId xmlns:p14="http://schemas.microsoft.com/office/powerpoint/2010/main" val="3987477016"/>
+        <p14:creationId xmlns:p14="http://schemas.microsoft.com/office/powerpoint/2010/main" val="722224035"/>
       </p:ext>
     </p:extLst>
   </p:cSld>
@@ -6272,7 +9728,7 @@
 </p:sld>
 </file>
 
-<file path=ppt/slides/slide9.xml><?xml version="1.0" encoding="utf-8"?>
+<file path=ppt/slides/slide8.xml><?xml version="1.0" encoding="utf-8"?>
 <p:sld xmlns:a="http://schemas.openxmlformats.org/drawingml/2006/main" xmlns:r="http://schemas.openxmlformats.org/officeDocument/2006/relationships" xmlns:p="http://schemas.openxmlformats.org/presentationml/2006/main" showMasterSp="0">
   <p:cSld>
     <p:spTree>
@@ -6289,69 +9745,16 @@
           <a:chExt cx="0" cy="0"/>
         </a:xfrm>
       </p:grpSpPr>
-      <p:pic>
-        <p:nvPicPr>
-          <p:cNvPr id="3074" name="Picture 2">
-            <a:extLst>
-              <a:ext uri="{FF2B5EF4-FFF2-40B4-BE49-F238E27FC236}">
-                <a16:creationId xmlns:a16="http://schemas.microsoft.com/office/drawing/2014/main" id="{24275F80-AB8B-43C1-A2BC-69A3E23DCCC2}"/>
-              </a:ext>
-            </a:extLst>
-          </p:cNvPr>
-          <p:cNvPicPr>
-            <a:picLocks noChangeAspect="1" noChangeArrowheads="1"/>
-          </p:cNvPicPr>
-          <p:nvPr/>
-        </p:nvPicPr>
-        <p:blipFill>
-          <a:blip r:embed="rId3">
-            <a:extLst>
-              <a:ext uri="{28A0092B-C50C-407E-A947-70E740481C1C}">
-                <a14:useLocalDpi xmlns:a14="http://schemas.microsoft.com/office/drawing/2010/main" val="0"/>
-              </a:ext>
-            </a:extLst>
-          </a:blip>
-          <a:srcRect/>
-          <a:stretch>
-            <a:fillRect/>
-          </a:stretch>
-        </p:blipFill>
-        <p:spPr bwMode="auto">
-          <a:xfrm>
-            <a:off x="5367875" y="1274503"/>
-            <a:ext cx="12494824" cy="10666314"/>
-          </a:xfrm>
-          <a:prstGeom prst="rect">
-            <a:avLst/>
-          </a:prstGeom>
-          <a:noFill/>
-          <a:extLst>
-            <a:ext uri="{909E8E84-426E-40DD-AFC4-6F175D3DCCD1}">
-              <a14:hiddenFill xmlns:a14="http://schemas.microsoft.com/office/drawing/2010/main">
-                <a:solidFill>
-                  <a:srgbClr val="FFFFFF"/>
-                </a:solidFill>
-              </a14:hiddenFill>
-            </a:ext>
-          </a:extLst>
-        </p:spPr>
-      </p:pic>
-      <p:sp>
-        <p:nvSpPr>
-          <p:cNvPr id="16" name="TextBox 15">
-            <a:extLst>
-              <a:ext uri="{FF2B5EF4-FFF2-40B4-BE49-F238E27FC236}">
-                <a16:creationId xmlns:a16="http://schemas.microsoft.com/office/drawing/2014/main" id="{B4C61923-1C29-440E-A263-A17E9059A441}"/>
-              </a:ext>
-            </a:extLst>
-          </p:cNvPr>
+      <p:sp>
+        <p:nvSpPr>
+          <p:cNvPr id="32" name="TextBox 31"/>
           <p:cNvSpPr txBox="1"/>
           <p:nvPr/>
         </p:nvSpPr>
         <p:spPr>
           <a:xfrm>
-            <a:off x="742674" y="258840"/>
-            <a:ext cx="14324144" cy="1015663"/>
+            <a:off x="742673" y="632913"/>
+            <a:ext cx="15269959" cy="2769989"/>
           </a:xfrm>
           <a:prstGeom prst="rect">
             <a:avLst/>
@@ -6373,17 +9776,37 @@
                 <a:ea typeface="Playfair Display SC" charset="0"/>
                 <a:cs typeface="Playfair Display SC" charset="0"/>
               </a:rPr>
-              <a:t>Final Model Performance</a:t>
+              <a:t>Model Building Process</a:t>
             </a:r>
           </a:p>
+          <a:p>
+            <a:endParaRPr lang="en-US" sz="6000" b="1" spc="600" dirty="0">
+              <a:solidFill>
+                <a:schemeClr val="tx2"/>
+              </a:solidFill>
+              <a:latin typeface="Playfair Display SC" charset="0"/>
+              <a:ea typeface="Playfair Display SC" charset="0"/>
+              <a:cs typeface="Playfair Display SC" charset="0"/>
+            </a:endParaRPr>
+          </a:p>
+          <a:p>
+            <a:endParaRPr lang="en-US" sz="5400" b="1" spc="600" dirty="0">
+              <a:solidFill>
+                <a:schemeClr val="tx2"/>
+              </a:solidFill>
+              <a:latin typeface="Playfair Display SC" charset="0"/>
+              <a:ea typeface="Playfair Display SC" charset="0"/>
+              <a:cs typeface="Playfair Display SC" charset="0"/>
+            </a:endParaRPr>
+          </a:p>
         </p:txBody>
       </p:sp>
       <p:sp>
         <p:nvSpPr>
-          <p:cNvPr id="17" name="Rectangle 16">
+          <p:cNvPr id="21" name="Rectangle 20">
             <a:extLst>
               <a:ext uri="{FF2B5EF4-FFF2-40B4-BE49-F238E27FC236}">
-                <a16:creationId xmlns:a16="http://schemas.microsoft.com/office/drawing/2014/main" id="{624E626F-1C88-48E9-B0FC-B672A01223C5}"/>
+                <a16:creationId xmlns:a16="http://schemas.microsoft.com/office/drawing/2014/main" id="{4B8D4546-45C2-4A9E-9669-17A3584E7ED0}"/>
               </a:ext>
             </a:extLst>
           </p:cNvPr>
@@ -6454,10 +9877,764 @@
           </a:p>
         </p:txBody>
       </p:sp>
+      <p:graphicFrame>
+        <p:nvGraphicFramePr>
+          <p:cNvPr id="3" name="Diagram 2">
+            <a:extLst>
+              <a:ext uri="{FF2B5EF4-FFF2-40B4-BE49-F238E27FC236}">
+                <a16:creationId xmlns:a16="http://schemas.microsoft.com/office/drawing/2014/main" id="{E056848D-CA8E-489D-9FF8-0D53D2DF232C}"/>
+              </a:ext>
+            </a:extLst>
+          </p:cNvPr>
+          <p:cNvGraphicFramePr/>
+          <p:nvPr>
+            <p:extLst>
+              <p:ext uri="{D42A27DB-BD31-4B8C-83A1-F6EECF244321}">
+                <p14:modId xmlns:p14="http://schemas.microsoft.com/office/powerpoint/2010/main" val="3273482468"/>
+              </p:ext>
+            </p:extLst>
+          </p:nvPr>
+        </p:nvGraphicFramePr>
+        <p:xfrm>
+          <a:off x="457200" y="2089193"/>
+          <a:ext cx="23177777" cy="6892764"/>
+        </p:xfrm>
+        <a:graphic>
+          <a:graphicData uri="http://schemas.openxmlformats.org/drawingml/2006/diagram">
+            <dgm:relIds xmlns:dgm="http://schemas.openxmlformats.org/drawingml/2006/diagram" xmlns:r="http://schemas.openxmlformats.org/officeDocument/2006/relationships" r:dm="rId3" r:lo="rId4" r:qs="rId5" r:cs="rId6"/>
+          </a:graphicData>
+        </a:graphic>
+      </p:graphicFrame>
+      <p:sp>
+        <p:nvSpPr>
+          <p:cNvPr id="4" name="TextBox 3">
+            <a:extLst>
+              <a:ext uri="{FF2B5EF4-FFF2-40B4-BE49-F238E27FC236}">
+                <a16:creationId xmlns:a16="http://schemas.microsoft.com/office/drawing/2014/main" id="{88DBF6E6-074F-4E2A-A59C-3CC93B1B0BA2}"/>
+              </a:ext>
+            </a:extLst>
+          </p:cNvPr>
+          <p:cNvSpPr txBox="1"/>
+          <p:nvPr/>
+        </p:nvSpPr>
+        <p:spPr>
+          <a:xfrm>
+            <a:off x="5221882" y="7089844"/>
+            <a:ext cx="4612109" cy="1754326"/>
+          </a:xfrm>
+          <a:prstGeom prst="rect">
+            <a:avLst/>
+          </a:prstGeom>
+          <a:noFill/>
+        </p:spPr>
+        <p:txBody>
+          <a:bodyPr wrap="square" rtlCol="0">
+            <a:spAutoFit/>
+          </a:bodyPr>
+          <a:lstStyle/>
+          <a:p>
+            <a:pPr marL="571500" indent="-571500">
+              <a:buFont typeface="Wingdings" panose="05000000000000000000" pitchFamily="2" charset="2"/>
+              <a:buChar char="§"/>
+            </a:pPr>
+            <a:r>
+              <a:rPr lang="en-US" dirty="0">
+                <a:solidFill>
+                  <a:schemeClr val="tx2"/>
+                </a:solidFill>
+              </a:rPr>
+              <a:t>Random Forest</a:t>
+            </a:r>
+          </a:p>
+          <a:p>
+            <a:pPr marL="571500" indent="-571500">
+              <a:buFont typeface="Wingdings" panose="05000000000000000000" pitchFamily="2" charset="2"/>
+              <a:buChar char="§"/>
+            </a:pPr>
+            <a:r>
+              <a:rPr lang="en-US" dirty="0">
+                <a:solidFill>
+                  <a:schemeClr val="tx2"/>
+                </a:solidFill>
+              </a:rPr>
+              <a:t>Logistic Regression</a:t>
+            </a:r>
+          </a:p>
+          <a:p>
+            <a:pPr marL="571500" indent="-571500">
+              <a:buFont typeface="Wingdings" panose="05000000000000000000" pitchFamily="2" charset="2"/>
+              <a:buChar char="§"/>
+            </a:pPr>
+            <a:r>
+              <a:rPr lang="en-US" dirty="0">
+                <a:solidFill>
+                  <a:schemeClr val="tx2"/>
+                </a:solidFill>
+              </a:rPr>
+              <a:t>Naïve Bayes </a:t>
+            </a:r>
+            <a:endParaRPr lang="en-SG" dirty="0">
+              <a:solidFill>
+                <a:schemeClr val="tx2"/>
+              </a:solidFill>
+            </a:endParaRPr>
+          </a:p>
+        </p:txBody>
+      </p:sp>
+      <p:sp>
+        <p:nvSpPr>
+          <p:cNvPr id="8" name="TextBox 7">
+            <a:extLst>
+              <a:ext uri="{FF2B5EF4-FFF2-40B4-BE49-F238E27FC236}">
+                <a16:creationId xmlns:a16="http://schemas.microsoft.com/office/drawing/2014/main" id="{5A69363F-F9AD-48AC-A7AB-0289689BF019}"/>
+              </a:ext>
+            </a:extLst>
+          </p:cNvPr>
+          <p:cNvSpPr txBox="1"/>
+          <p:nvPr/>
+        </p:nvSpPr>
+        <p:spPr>
+          <a:xfrm>
+            <a:off x="10288455" y="7089844"/>
+            <a:ext cx="4612109" cy="8586966"/>
+          </a:xfrm>
+          <a:prstGeom prst="rect">
+            <a:avLst/>
+          </a:prstGeom>
+          <a:noFill/>
+        </p:spPr>
+        <p:txBody>
+          <a:bodyPr wrap="square" rtlCol="0">
+            <a:spAutoFit/>
+          </a:bodyPr>
+          <a:lstStyle/>
+          <a:p>
+            <a:r>
+              <a:rPr lang="en-US" sz="3200" dirty="0">
+                <a:solidFill>
+                  <a:schemeClr val="tx2"/>
+                </a:solidFill>
+              </a:rPr>
+              <a:t>Random Forest</a:t>
+            </a:r>
+          </a:p>
+          <a:p>
+            <a:pPr marL="571500" indent="-571500">
+              <a:buFont typeface="Wingdings" panose="05000000000000000000" pitchFamily="2" charset="2"/>
+              <a:buChar char="§"/>
+            </a:pPr>
+            <a:r>
+              <a:rPr lang="en-US" sz="3200" dirty="0">
+                <a:solidFill>
+                  <a:schemeClr val="tx2"/>
+                </a:solidFill>
+              </a:rPr>
+              <a:t>Max depth</a:t>
+            </a:r>
+          </a:p>
+          <a:p>
+            <a:pPr marL="571500" indent="-571500">
+              <a:buFont typeface="Wingdings" panose="05000000000000000000" pitchFamily="2" charset="2"/>
+              <a:buChar char="§"/>
+            </a:pPr>
+            <a:r>
+              <a:rPr lang="en-US" sz="3200" dirty="0">
+                <a:solidFill>
+                  <a:schemeClr val="tx2"/>
+                </a:solidFill>
+              </a:rPr>
+              <a:t>Min samples split</a:t>
+            </a:r>
+          </a:p>
+          <a:p>
+            <a:pPr marL="571500" indent="-571500">
+              <a:buFont typeface="Wingdings" panose="05000000000000000000" pitchFamily="2" charset="2"/>
+              <a:buChar char="§"/>
+            </a:pPr>
+            <a:r>
+              <a:rPr lang="en-US" sz="3200" dirty="0">
+                <a:solidFill>
+                  <a:schemeClr val="tx2"/>
+                </a:solidFill>
+              </a:rPr>
+              <a:t>Bootstrap</a:t>
+            </a:r>
+          </a:p>
+          <a:p>
+            <a:pPr marL="571500" indent="-571500">
+              <a:buFont typeface="Wingdings" panose="05000000000000000000" pitchFamily="2" charset="2"/>
+              <a:buChar char="§"/>
+            </a:pPr>
+            <a:endParaRPr lang="en-US" sz="3200" dirty="0">
+              <a:solidFill>
+                <a:schemeClr val="tx2"/>
+              </a:solidFill>
+            </a:endParaRPr>
+          </a:p>
+          <a:p>
+            <a:r>
+              <a:rPr lang="en-US" sz="3200" dirty="0">
+                <a:solidFill>
+                  <a:schemeClr val="tx2"/>
+                </a:solidFill>
+              </a:rPr>
+              <a:t>Logistic Regression</a:t>
+            </a:r>
+          </a:p>
+          <a:p>
+            <a:pPr marL="571500" indent="-571500">
+              <a:buFont typeface="Wingdings" panose="05000000000000000000" pitchFamily="2" charset="2"/>
+              <a:buChar char="§"/>
+            </a:pPr>
+            <a:r>
+              <a:rPr lang="en-US" sz="3200" dirty="0">
+                <a:solidFill>
+                  <a:schemeClr val="tx2"/>
+                </a:solidFill>
+              </a:rPr>
+              <a:t>Alpha </a:t>
+            </a:r>
+          </a:p>
+          <a:p>
+            <a:pPr marL="571500" indent="-571500">
+              <a:buFont typeface="Arial" panose="020B0604020202020204" pitchFamily="34" charset="0"/>
+              <a:buChar char="•"/>
+            </a:pPr>
+            <a:endParaRPr lang="en-US" sz="3200" dirty="0">
+              <a:solidFill>
+                <a:schemeClr val="tx2"/>
+              </a:solidFill>
+            </a:endParaRPr>
+          </a:p>
+          <a:p>
+            <a:r>
+              <a:rPr lang="en-US" sz="3200" dirty="0">
+                <a:solidFill>
+                  <a:schemeClr val="tx2"/>
+                </a:solidFill>
+              </a:rPr>
+              <a:t>Naïve Bayes </a:t>
+            </a:r>
+          </a:p>
+          <a:p>
+            <a:pPr marL="571500" indent="-571500">
+              <a:buFont typeface="Wingdings" panose="05000000000000000000" pitchFamily="2" charset="2"/>
+              <a:buChar char="§"/>
+            </a:pPr>
+            <a:r>
+              <a:rPr lang="en-US" sz="3200" dirty="0">
+                <a:solidFill>
+                  <a:schemeClr val="tx2"/>
+                </a:solidFill>
+              </a:rPr>
+              <a:t>Alpha</a:t>
+            </a:r>
+            <a:endParaRPr lang="en-SG" sz="3200" dirty="0">
+              <a:solidFill>
+                <a:schemeClr val="tx2"/>
+              </a:solidFill>
+            </a:endParaRPr>
+          </a:p>
+          <a:p>
+            <a:pPr marL="571500" indent="-571500">
+              <a:buFont typeface="Arial" panose="020B0604020202020204" pitchFamily="34" charset="0"/>
+              <a:buChar char="•"/>
+            </a:pPr>
+            <a:endParaRPr lang="en-US" dirty="0">
+              <a:solidFill>
+                <a:schemeClr val="tx2"/>
+              </a:solidFill>
+            </a:endParaRPr>
+          </a:p>
+          <a:p>
+            <a:endParaRPr lang="en-US" dirty="0">
+              <a:solidFill>
+                <a:schemeClr val="tx2"/>
+              </a:solidFill>
+            </a:endParaRPr>
+          </a:p>
+          <a:p>
+            <a:endParaRPr lang="en-US" dirty="0">
+              <a:solidFill>
+                <a:schemeClr val="tx2"/>
+              </a:solidFill>
+            </a:endParaRPr>
+          </a:p>
+          <a:p>
+            <a:pPr marL="571500" indent="-571500">
+              <a:buFont typeface="Wingdings" panose="05000000000000000000" pitchFamily="2" charset="2"/>
+              <a:buChar char="§"/>
+            </a:pPr>
+            <a:endParaRPr lang="en-US" dirty="0">
+              <a:solidFill>
+                <a:schemeClr val="tx2"/>
+              </a:solidFill>
+            </a:endParaRPr>
+          </a:p>
+          <a:p>
+            <a:endParaRPr lang="en-US" dirty="0">
+              <a:solidFill>
+                <a:schemeClr val="tx2"/>
+              </a:solidFill>
+            </a:endParaRPr>
+          </a:p>
+          <a:p>
+            <a:endParaRPr lang="en-US" dirty="0">
+              <a:solidFill>
+                <a:schemeClr val="tx2"/>
+              </a:solidFill>
+            </a:endParaRPr>
+          </a:p>
+        </p:txBody>
+      </p:sp>
+      <p:sp>
+        <p:nvSpPr>
+          <p:cNvPr id="10" name="TextBox 9">
+            <a:extLst>
+              <a:ext uri="{FF2B5EF4-FFF2-40B4-BE49-F238E27FC236}">
+                <a16:creationId xmlns:a16="http://schemas.microsoft.com/office/drawing/2014/main" id="{59F4A001-F69A-4B39-A3ED-642EFA3198D5}"/>
+              </a:ext>
+            </a:extLst>
+          </p:cNvPr>
+          <p:cNvSpPr txBox="1"/>
+          <p:nvPr/>
+        </p:nvSpPr>
+        <p:spPr>
+          <a:xfrm>
+            <a:off x="457200" y="7089844"/>
+            <a:ext cx="4310218" cy="1569660"/>
+          </a:xfrm>
+          <a:prstGeom prst="rect">
+            <a:avLst/>
+          </a:prstGeom>
+          <a:noFill/>
+        </p:spPr>
+        <p:txBody>
+          <a:bodyPr wrap="square" rtlCol="0">
+            <a:spAutoFit/>
+          </a:bodyPr>
+          <a:lstStyle/>
+          <a:p>
+            <a:pPr marL="457200" indent="-457200">
+              <a:buFont typeface="Wingdings" panose="05000000000000000000" pitchFamily="2" charset="2"/>
+              <a:buChar char="§"/>
+            </a:pPr>
+            <a:r>
+              <a:rPr lang="en-US" sz="3200" dirty="0">
+                <a:solidFill>
+                  <a:schemeClr val="tx2"/>
+                </a:solidFill>
+              </a:rPr>
+              <a:t>Count Vectorizer</a:t>
+            </a:r>
+          </a:p>
+          <a:p>
+            <a:pPr marL="457200" indent="-457200">
+              <a:buFont typeface="Wingdings" panose="05000000000000000000" pitchFamily="2" charset="2"/>
+              <a:buChar char="§"/>
+            </a:pPr>
+            <a:r>
+              <a:rPr lang="en-US" sz="3200" dirty="0" err="1">
+                <a:solidFill>
+                  <a:schemeClr val="tx2"/>
+                </a:solidFill>
+              </a:rPr>
+              <a:t>Tf-idf</a:t>
+            </a:r>
+            <a:r>
+              <a:rPr lang="en-US" sz="3200" dirty="0">
+                <a:solidFill>
+                  <a:schemeClr val="tx2"/>
+                </a:solidFill>
+              </a:rPr>
+              <a:t> Vectorizer</a:t>
+            </a:r>
+          </a:p>
+          <a:p>
+            <a:pPr marL="457200" indent="-457200">
+              <a:buFont typeface="Wingdings" panose="05000000000000000000" pitchFamily="2" charset="2"/>
+              <a:buChar char="§"/>
+            </a:pPr>
+            <a:r>
+              <a:rPr lang="en-US" sz="3200" dirty="0">
+                <a:solidFill>
+                  <a:schemeClr val="tx2"/>
+                </a:solidFill>
+              </a:rPr>
+              <a:t>Google’s word2vec</a:t>
+            </a:r>
+            <a:endParaRPr lang="en-SG" sz="3200" dirty="0">
+              <a:solidFill>
+                <a:schemeClr val="tx2"/>
+              </a:solidFill>
+            </a:endParaRPr>
+          </a:p>
+        </p:txBody>
+      </p:sp>
+      <p:sp>
+        <p:nvSpPr>
+          <p:cNvPr id="12" name="TextBox 11">
+            <a:extLst>
+              <a:ext uri="{FF2B5EF4-FFF2-40B4-BE49-F238E27FC236}">
+                <a16:creationId xmlns:a16="http://schemas.microsoft.com/office/drawing/2014/main" id="{795B3E12-6129-41AD-BDF4-57649733A9C7}"/>
+              </a:ext>
+            </a:extLst>
+          </p:cNvPr>
+          <p:cNvSpPr txBox="1"/>
+          <p:nvPr/>
+        </p:nvSpPr>
+        <p:spPr>
+          <a:xfrm>
+            <a:off x="20070339" y="7089844"/>
+            <a:ext cx="4612109" cy="584775"/>
+          </a:xfrm>
+          <a:prstGeom prst="rect">
+            <a:avLst/>
+          </a:prstGeom>
+          <a:noFill/>
+        </p:spPr>
+        <p:txBody>
+          <a:bodyPr wrap="square" rtlCol="0">
+            <a:spAutoFit/>
+          </a:bodyPr>
+          <a:lstStyle/>
+          <a:p>
+            <a:r>
+              <a:rPr lang="en-US" sz="3200" dirty="0">
+                <a:solidFill>
+                  <a:schemeClr val="tx2"/>
+                </a:solidFill>
+              </a:rPr>
+              <a:t>Subsequent Slide</a:t>
+            </a:r>
+            <a:endParaRPr lang="en-SG" sz="3200" dirty="0">
+              <a:solidFill>
+                <a:schemeClr val="tx2"/>
+              </a:solidFill>
+            </a:endParaRPr>
+          </a:p>
+        </p:txBody>
+      </p:sp>
+      <p:sp>
+        <p:nvSpPr>
+          <p:cNvPr id="13" name="TextBox 12">
+            <a:extLst>
+              <a:ext uri="{FF2B5EF4-FFF2-40B4-BE49-F238E27FC236}">
+                <a16:creationId xmlns:a16="http://schemas.microsoft.com/office/drawing/2014/main" id="{6BD89F40-8856-4692-91FB-C72659B23E5E}"/>
+              </a:ext>
+            </a:extLst>
+          </p:cNvPr>
+          <p:cNvSpPr txBox="1"/>
+          <p:nvPr/>
+        </p:nvSpPr>
+        <p:spPr>
+          <a:xfrm>
+            <a:off x="15179397" y="7149911"/>
+            <a:ext cx="4612109" cy="584775"/>
+          </a:xfrm>
+          <a:prstGeom prst="rect">
+            <a:avLst/>
+          </a:prstGeom>
+          <a:noFill/>
+        </p:spPr>
+        <p:txBody>
+          <a:bodyPr wrap="square" rtlCol="0">
+            <a:spAutoFit/>
+          </a:bodyPr>
+          <a:lstStyle/>
+          <a:p>
+            <a:r>
+              <a:rPr lang="en-US" sz="3200" dirty="0">
+                <a:solidFill>
+                  <a:schemeClr val="tx2"/>
+                </a:solidFill>
+              </a:rPr>
+              <a:t>Subsequent Slide</a:t>
+            </a:r>
+            <a:endParaRPr lang="en-SG" sz="3200" dirty="0">
+              <a:solidFill>
+                <a:schemeClr val="tx2"/>
+              </a:solidFill>
+            </a:endParaRPr>
+          </a:p>
+        </p:txBody>
+      </p:sp>
     </p:spTree>
     <p:extLst>
       <p:ext uri="{BB962C8B-B14F-4D97-AF65-F5344CB8AC3E}">
-        <p14:creationId xmlns:p14="http://schemas.microsoft.com/office/powerpoint/2010/main" val="2334645593"/>
+        <p14:creationId xmlns:p14="http://schemas.microsoft.com/office/powerpoint/2010/main" val="3987477016"/>
+      </p:ext>
+    </p:extLst>
+  </p:cSld>
+  <p:clrMapOvr>
+    <a:masterClrMapping/>
+  </p:clrMapOvr>
+</p:sld>
+</file>
+
+<file path=ppt/slides/slide9.xml><?xml version="1.0" encoding="utf-8"?>
+<p:sld xmlns:a="http://schemas.openxmlformats.org/drawingml/2006/main" xmlns:r="http://schemas.openxmlformats.org/officeDocument/2006/relationships" xmlns:p="http://schemas.openxmlformats.org/presentationml/2006/main" showMasterSp="0">
+  <p:cSld>
+    <p:spTree>
+      <p:nvGrpSpPr>
+        <p:cNvPr id="1" name=""/>
+        <p:cNvGrpSpPr/>
+        <p:nvPr/>
+      </p:nvGrpSpPr>
+      <p:grpSpPr>
+        <a:xfrm>
+          <a:off x="0" y="0"/>
+          <a:ext cx="0" cy="0"/>
+          <a:chOff x="0" y="0"/>
+          <a:chExt cx="0" cy="0"/>
+        </a:xfrm>
+      </p:grpSpPr>
+      <p:sp>
+        <p:nvSpPr>
+          <p:cNvPr id="32" name="TextBox 31"/>
+          <p:cNvSpPr txBox="1"/>
+          <p:nvPr/>
+        </p:nvSpPr>
+        <p:spPr>
+          <a:xfrm>
+            <a:off x="742673" y="632913"/>
+            <a:ext cx="15269959" cy="2769989"/>
+          </a:xfrm>
+          <a:prstGeom prst="rect">
+            <a:avLst/>
+          </a:prstGeom>
+          <a:noFill/>
+        </p:spPr>
+        <p:txBody>
+          <a:bodyPr wrap="square" rtlCol="0">
+            <a:spAutoFit/>
+          </a:bodyPr>
+          <a:lstStyle/>
+          <a:p>
+            <a:r>
+              <a:rPr lang="en-US" sz="6000" b="1" spc="600" dirty="0">
+                <a:solidFill>
+                  <a:schemeClr val="tx2"/>
+                </a:solidFill>
+                <a:latin typeface="Playfair Display SC" charset="0"/>
+                <a:ea typeface="Playfair Display SC" charset="0"/>
+                <a:cs typeface="Playfair Display SC" charset="0"/>
+              </a:rPr>
+              <a:t>Model Selection </a:t>
+            </a:r>
+          </a:p>
+          <a:p>
+            <a:endParaRPr lang="en-US" sz="6000" b="1" spc="600" dirty="0">
+              <a:solidFill>
+                <a:schemeClr val="tx2"/>
+              </a:solidFill>
+              <a:latin typeface="Playfair Display SC" charset="0"/>
+              <a:ea typeface="Playfair Display SC" charset="0"/>
+              <a:cs typeface="Playfair Display SC" charset="0"/>
+            </a:endParaRPr>
+          </a:p>
+          <a:p>
+            <a:endParaRPr lang="en-US" sz="5400" b="1" spc="600" dirty="0">
+              <a:solidFill>
+                <a:schemeClr val="tx2"/>
+              </a:solidFill>
+              <a:latin typeface="Playfair Display SC" charset="0"/>
+              <a:ea typeface="Playfair Display SC" charset="0"/>
+              <a:cs typeface="Playfair Display SC" charset="0"/>
+            </a:endParaRPr>
+          </a:p>
+        </p:txBody>
+      </p:sp>
+      <p:sp>
+        <p:nvSpPr>
+          <p:cNvPr id="21" name="Rectangle 20">
+            <a:extLst>
+              <a:ext uri="{FF2B5EF4-FFF2-40B4-BE49-F238E27FC236}">
+                <a16:creationId xmlns:a16="http://schemas.microsoft.com/office/drawing/2014/main" id="{4B8D4546-45C2-4A9E-9669-17A3584E7ED0}"/>
+              </a:ext>
+            </a:extLst>
+          </p:cNvPr>
+          <p:cNvSpPr/>
+          <p:nvPr/>
+        </p:nvSpPr>
+        <p:spPr>
+          <a:xfrm>
+            <a:off x="0" y="12448309"/>
+            <a:ext cx="24377650" cy="1267691"/>
+          </a:xfrm>
+          <a:prstGeom prst="rect">
+            <a:avLst/>
+          </a:prstGeom>
+          <a:gradFill>
+            <a:gsLst>
+              <a:gs pos="0">
+                <a:schemeClr val="accent2">
+                  <a:lumMod val="89000"/>
+                </a:schemeClr>
+              </a:gs>
+              <a:gs pos="23000">
+                <a:schemeClr val="accent2">
+                  <a:lumMod val="89000"/>
+                </a:schemeClr>
+              </a:gs>
+              <a:gs pos="69000">
+                <a:schemeClr val="accent2">
+                  <a:lumMod val="75000"/>
+                </a:schemeClr>
+              </a:gs>
+              <a:gs pos="97000">
+                <a:schemeClr val="accent2">
+                  <a:lumMod val="70000"/>
+                </a:schemeClr>
+              </a:gs>
+            </a:gsLst>
+            <a:path path="circle">
+              <a:fillToRect l="50000" t="50000" r="50000" b="50000"/>
+            </a:path>
+          </a:gradFill>
+          <a:ln>
+            <a:noFill/>
+          </a:ln>
+        </p:spPr>
+        <p:style>
+          <a:lnRef idx="2">
+            <a:schemeClr val="accent1">
+              <a:shade val="50000"/>
+            </a:schemeClr>
+          </a:lnRef>
+          <a:fillRef idx="1">
+            <a:schemeClr val="accent1"/>
+          </a:fillRef>
+          <a:effectRef idx="0">
+            <a:schemeClr val="accent1"/>
+          </a:effectRef>
+          <a:fontRef idx="minor">
+            <a:schemeClr val="lt1"/>
+          </a:fontRef>
+        </p:style>
+        <p:txBody>
+          <a:bodyPr rtlCol="0" anchor="ctr"/>
+          <a:lstStyle/>
+          <a:p>
+            <a:pPr algn="ctr"/>
+            <a:endParaRPr lang="en-SG"/>
+          </a:p>
+        </p:txBody>
+      </p:sp>
+      <p:pic>
+        <p:nvPicPr>
+          <p:cNvPr id="16" name="Picture 15">
+            <a:extLst>
+              <a:ext uri="{FF2B5EF4-FFF2-40B4-BE49-F238E27FC236}">
+                <a16:creationId xmlns:a16="http://schemas.microsoft.com/office/drawing/2014/main" id="{33F5E3CB-3E3B-4556-990F-D26835C4453C}"/>
+              </a:ext>
+            </a:extLst>
+          </p:cNvPr>
+          <p:cNvPicPr>
+            <a:picLocks noChangeAspect="1"/>
+          </p:cNvPicPr>
+          <p:nvPr/>
+        </p:nvPicPr>
+        <p:blipFill>
+          <a:blip r:embed="rId3"/>
+          <a:stretch>
+            <a:fillRect/>
+          </a:stretch>
+        </p:blipFill>
+        <p:spPr>
+          <a:xfrm>
+            <a:off x="3754996" y="2696320"/>
+            <a:ext cx="16310942" cy="7162631"/>
+          </a:xfrm>
+          <a:prstGeom prst="rect">
+            <a:avLst/>
+          </a:prstGeom>
+        </p:spPr>
+      </p:pic>
+      <p:sp>
+        <p:nvSpPr>
+          <p:cNvPr id="2" name="TextBox 1">
+            <a:extLst>
+              <a:ext uri="{FF2B5EF4-FFF2-40B4-BE49-F238E27FC236}">
+                <a16:creationId xmlns:a16="http://schemas.microsoft.com/office/drawing/2014/main" id="{5DAB916C-DAA6-4261-8BE7-EAF0C5DBEE17}"/>
+              </a:ext>
+            </a:extLst>
+          </p:cNvPr>
+          <p:cNvSpPr txBox="1"/>
+          <p:nvPr/>
+        </p:nvSpPr>
+        <p:spPr>
+          <a:xfrm>
+            <a:off x="3754996" y="10474036"/>
+            <a:ext cx="17068386" cy="1384995"/>
+          </a:xfrm>
+          <a:prstGeom prst="rect">
+            <a:avLst/>
+          </a:prstGeom>
+          <a:noFill/>
+        </p:spPr>
+        <p:txBody>
+          <a:bodyPr wrap="square" rtlCol="0">
+            <a:spAutoFit/>
+          </a:bodyPr>
+          <a:lstStyle/>
+          <a:p>
+            <a:r>
+              <a:rPr lang="en-US" sz="4000" dirty="0">
+                <a:solidFill>
+                  <a:schemeClr val="tx2"/>
+                </a:solidFill>
+                <a:latin typeface="Times New Roman" panose="02020603050405020304" pitchFamily="18" charset="0"/>
+                <a:cs typeface="Times New Roman" panose="02020603050405020304" pitchFamily="18" charset="0"/>
+              </a:rPr>
+              <a:t>Word2vec model consistency </a:t>
+            </a:r>
+            <a:r>
+              <a:rPr lang="en-US" sz="4400" dirty="0">
+                <a:solidFill>
+                  <a:schemeClr val="tx2"/>
+                </a:solidFill>
+                <a:latin typeface="Times New Roman" panose="02020603050405020304" pitchFamily="18" charset="0"/>
+                <a:cs typeface="Times New Roman" panose="02020603050405020304" pitchFamily="18" charset="0"/>
+              </a:rPr>
+              <a:t>perform</a:t>
+            </a:r>
+            <a:r>
+              <a:rPr lang="en-US" sz="4000" dirty="0">
+                <a:solidFill>
+                  <a:schemeClr val="tx2"/>
+                </a:solidFill>
+                <a:latin typeface="Times New Roman" panose="02020603050405020304" pitchFamily="18" charset="0"/>
+                <a:cs typeface="Times New Roman" panose="02020603050405020304" pitchFamily="18" charset="0"/>
+              </a:rPr>
+              <a:t> better than other feature engineering,</a:t>
+            </a:r>
+          </a:p>
+          <a:p>
+            <a:r>
+              <a:rPr lang="en-US" sz="4000" dirty="0">
+                <a:solidFill>
+                  <a:schemeClr val="tx2"/>
+                </a:solidFill>
+                <a:latin typeface="Times New Roman" panose="02020603050405020304" pitchFamily="18" charset="0"/>
+                <a:cs typeface="Times New Roman" panose="02020603050405020304" pitchFamily="18" charset="0"/>
+              </a:rPr>
+              <a:t>This highlight the importance of data quality.</a:t>
+            </a:r>
+            <a:endParaRPr lang="en-SG" sz="4000" dirty="0">
+              <a:solidFill>
+                <a:schemeClr val="tx2"/>
+              </a:solidFill>
+              <a:latin typeface="Times New Roman" panose="02020603050405020304" pitchFamily="18" charset="0"/>
+              <a:cs typeface="Times New Roman" panose="02020603050405020304" pitchFamily="18" charset="0"/>
+            </a:endParaRPr>
+          </a:p>
+        </p:txBody>
+      </p:sp>
+    </p:spTree>
+    <p:extLst>
+      <p:ext uri="{BB962C8B-B14F-4D97-AF65-F5344CB8AC3E}">
+        <p14:creationId xmlns:p14="http://schemas.microsoft.com/office/powerpoint/2010/main" val="4149350248"/>
       </p:ext>
     </p:extLst>
   </p:cSld>
